--- a/Dataset/doc/Overview.pptx
+++ b/Dataset/doc/Overview.pptx
@@ -5549,7 +5549,9 @@
             <a:avLst/>
           </a:prstGeom>
           <a:solidFill>
-            <a:schemeClr val="accent1">
+            <a:schemeClr val="accent2">
+              <a:lumMod val="40000"/>
+              <a:lumOff val="60000"/>
               <a:alpha val="28000"/>
             </a:schemeClr>
           </a:solidFill>
@@ -5599,7 +5601,9 @@
             </a:avLst>
           </a:prstGeom>
           <a:solidFill>
-            <a:schemeClr val="accent1">
+            <a:schemeClr val="accent2">
+              <a:lumMod val="40000"/>
+              <a:lumOff val="60000"/>
               <a:alpha val="28000"/>
             </a:schemeClr>
           </a:solidFill>
@@ -5645,7 +5649,9 @@
             <a:avLst/>
           </a:prstGeom>
           <a:solidFill>
-            <a:schemeClr val="accent1">
+            <a:schemeClr val="accent2">
+              <a:lumMod val="40000"/>
+              <a:lumOff val="60000"/>
               <a:alpha val="28000"/>
             </a:schemeClr>
           </a:solidFill>
@@ -5800,7 +5806,9 @@
             </a:avLst>
           </a:prstGeom>
           <a:solidFill>
-            <a:schemeClr val="accent1">
+            <a:schemeClr val="accent2">
+              <a:lumMod val="40000"/>
+              <a:lumOff val="60000"/>
               <a:alpha val="28000"/>
             </a:schemeClr>
           </a:solidFill>

--- a/Dataset/doc/Overview.pptx
+++ b/Dataset/doc/Overview.pptx
@@ -3401,7 +3401,7 @@
                 <a:latin typeface="Courier New" pitchFamily="49" charset="0"/>
                 <a:cs typeface="Courier New" pitchFamily="49" charset="0"/>
               </a:rPr>
-              <a:t>}${name}_</a:t>
+              <a:t>}_${name}_</a:t>
             </a:r>
             <a:r>
               <a:rPr lang="en-US" sz="1100" dirty="0" err="1" smtClean="0">
@@ -3559,8 +3559,8 @@
         </p:nvSpPr>
         <p:spPr>
           <a:xfrm>
-            <a:off x="2895600" y="152400"/>
-            <a:ext cx="3352800" cy="990600"/>
+            <a:off x="2514600" y="152400"/>
+            <a:ext cx="4038600" cy="990600"/>
           </a:xfrm>
           <a:prstGeom prst="rect">
             <a:avLst/>
@@ -3659,7 +3659,27 @@
                 <a:latin typeface="Courier New" pitchFamily="49" charset="0"/>
                 <a:cs typeface="Courier New" pitchFamily="49" charset="0"/>
               </a:rPr>
-              <a:t>”&lt;/prop&gt;</a:t>
+              <a:t>”&gt;</a:t>
+            </a:r>
+            <a:r>
+              <a:rPr lang="en-US" sz="1100" dirty="0" err="1" smtClean="0">
+                <a:solidFill>
+                  <a:schemeClr val="tx1"/>
+                </a:solidFill>
+                <a:latin typeface="Courier New" pitchFamily="49" charset="0"/>
+                <a:cs typeface="Courier New" pitchFamily="49" charset="0"/>
+              </a:rPr>
+              <a:t>myOrg</a:t>
+            </a:r>
+            <a:r>
+              <a:rPr lang="en-US" sz="1100" dirty="0" smtClean="0">
+                <a:solidFill>
+                  <a:schemeClr val="tx1"/>
+                </a:solidFill>
+                <a:latin typeface="Courier New" pitchFamily="49" charset="0"/>
+                <a:cs typeface="Courier New" pitchFamily="49" charset="0"/>
+              </a:rPr>
+              <a:t>&lt;/prop&gt;</a:t>
             </a:r>
           </a:p>
           <a:p>
@@ -3950,7 +3970,7 @@
           </a:fontRef>
         </p:style>
         <p:txBody>
-          <a:bodyPr rtlCol="0" anchor="ctr"/>
+          <a:bodyPr lIns="0" rIns="0" rtlCol="0" anchor="ctr"/>
           <a:lstStyle/>
           <a:p>
             <a:r>
@@ -4206,7 +4226,17 @@
                 <a:latin typeface="Courier New" pitchFamily="49" charset="0"/>
                 <a:cs typeface="Courier New" pitchFamily="49" charset="0"/>
               </a:rPr>
-              <a:t>}${name}_</a:t>
+              <a:t>}_${</a:t>
+            </a:r>
+            <a:r>
+              <a:rPr lang="en-US" sz="1100" dirty="0" smtClean="0">
+                <a:solidFill>
+                  <a:schemeClr val="tx1"/>
+                </a:solidFill>
+                <a:latin typeface="Courier New" pitchFamily="49" charset="0"/>
+                <a:cs typeface="Courier New" pitchFamily="49" charset="0"/>
+              </a:rPr>
+              <a:t>name}_</a:t>
             </a:r>
             <a:r>
               <a:rPr lang="en-US" sz="1100" dirty="0" err="1" smtClean="0">
@@ -4481,8 +4511,8 @@
         </p:nvSpPr>
         <p:spPr>
           <a:xfrm>
-            <a:off x="4724400" y="4648199"/>
-            <a:ext cx="1192696" cy="381000"/>
+            <a:off x="4989443" y="4648199"/>
+            <a:ext cx="954157" cy="381000"/>
           </a:xfrm>
           <a:prstGeom prst="rect">
             <a:avLst/>
@@ -4538,7 +4568,7 @@
         </p:nvSpPr>
         <p:spPr>
           <a:xfrm>
-            <a:off x="5486400" y="76200"/>
+            <a:off x="5715000" y="76200"/>
             <a:ext cx="1447800" cy="457200"/>
           </a:xfrm>
           <a:prstGeom prst="ellipse">
@@ -4715,8 +4745,8 @@
         </p:nvSpPr>
         <p:spPr>
           <a:xfrm>
-            <a:off x="4267200" y="5181599"/>
-            <a:ext cx="1192696" cy="381000"/>
+            <a:off x="4532243" y="5181599"/>
+            <a:ext cx="954157" cy="381000"/>
           </a:xfrm>
           <a:prstGeom prst="rect">
             <a:avLst/>
@@ -4772,8 +4802,8 @@
         </p:nvSpPr>
         <p:spPr>
           <a:xfrm>
-            <a:off x="5638800" y="5181599"/>
-            <a:ext cx="1192696" cy="381000"/>
+            <a:off x="5903843" y="5181599"/>
+            <a:ext cx="954157" cy="381000"/>
           </a:xfrm>
           <a:prstGeom prst="rect">
             <a:avLst/>
@@ -4829,7 +4859,7 @@
         </p:nvSpPr>
         <p:spPr>
           <a:xfrm>
-            <a:off x="5257800" y="5791200"/>
+            <a:off x="5334000" y="5791200"/>
             <a:ext cx="3657600" cy="914400"/>
           </a:xfrm>
           <a:prstGeom prst="rect">
@@ -5012,8 +5042,8 @@
         </p:nvSpPr>
         <p:spPr>
           <a:xfrm>
-            <a:off x="3962400" y="5715000"/>
-            <a:ext cx="1192696" cy="381000"/>
+            <a:off x="4227443" y="5715000"/>
+            <a:ext cx="954157" cy="381000"/>
           </a:xfrm>
           <a:prstGeom prst="rect">
             <a:avLst/>
@@ -5072,13 +5102,13 @@
         </p:nvCxnSpPr>
         <p:spPr>
           <a:xfrm rot="5400000">
-            <a:off x="5015948" y="4876799"/>
+            <a:off x="5161722" y="4876799"/>
             <a:ext cx="152400" cy="457200"/>
           </a:xfrm>
           <a:prstGeom prst="straightConnector1">
             <a:avLst/>
           </a:prstGeom>
-          <a:ln>
+          <a:ln w="25400">
             <a:tailEnd type="arrow"/>
           </a:ln>
         </p:spPr>
@@ -5108,13 +5138,13 @@
         </p:nvCxnSpPr>
         <p:spPr>
           <a:xfrm rot="16200000" flipH="1">
-            <a:off x="5701748" y="4648199"/>
+            <a:off x="5847522" y="4648199"/>
             <a:ext cx="152400" cy="914400"/>
           </a:xfrm>
           <a:prstGeom prst="straightConnector1">
             <a:avLst/>
           </a:prstGeom>
-          <a:ln>
+          <a:ln w="25400">
             <a:tailEnd type="arrow"/>
           </a:ln>
         </p:spPr>
@@ -5144,13 +5174,13 @@
         </p:nvCxnSpPr>
         <p:spPr>
           <a:xfrm rot="5400000">
-            <a:off x="4634948" y="5486399"/>
+            <a:off x="4780722" y="5486399"/>
             <a:ext cx="152401" cy="304800"/>
           </a:xfrm>
           <a:prstGeom prst="straightConnector1">
             <a:avLst/>
           </a:prstGeom>
-          <a:ln>
+          <a:ln w="25400">
             <a:tailEnd type="arrow"/>
           </a:ln>
         </p:spPr>
@@ -5180,13 +5210,13 @@
         </p:nvCxnSpPr>
         <p:spPr>
           <a:xfrm rot="16200000" flipH="1">
-            <a:off x="6546574" y="5251173"/>
-            <a:ext cx="228601" cy="851452"/>
+            <a:off x="6657561" y="5285960"/>
+            <a:ext cx="228601" cy="781878"/>
           </a:xfrm>
           <a:prstGeom prst="straightConnector1">
             <a:avLst/>
           </a:prstGeom>
-          <a:ln>
+          <a:ln w="25400">
             <a:tailEnd type="arrow"/>
           </a:ln>
         </p:spPr>
@@ -5213,7 +5243,7 @@
         </p:nvSpPr>
         <p:spPr>
           <a:xfrm>
-            <a:off x="4191000" y="914400"/>
+            <a:off x="4038600" y="914400"/>
             <a:ext cx="1143000" cy="228600"/>
           </a:xfrm>
           <a:prstGeom prst="rect">
@@ -5389,7 +5419,7 @@
         </p:nvSpPr>
         <p:spPr>
           <a:xfrm>
-            <a:off x="6477000" y="6477000"/>
+            <a:off x="6553200" y="6477000"/>
             <a:ext cx="1524000" cy="228600"/>
           </a:xfrm>
           <a:prstGeom prst="rect">
@@ -5531,54 +5561,6 @@
               <a:t>Graph</a:t>
             </a:r>
             <a:endParaRPr lang="en-US" sz="1400" dirty="0"/>
-          </a:p>
-        </p:txBody>
-      </p:sp>
-      <p:sp>
-        <p:nvSpPr>
-          <p:cNvPr id="155" name="Right Arrow 154"/>
-          <p:cNvSpPr/>
-          <p:nvPr/>
-        </p:nvSpPr>
-        <p:spPr>
-          <a:xfrm rot="8448832">
-            <a:off x="1310570" y="1167512"/>
-            <a:ext cx="1857030" cy="255775"/>
-          </a:xfrm>
-          <a:prstGeom prst="rightArrow">
-            <a:avLst/>
-          </a:prstGeom>
-          <a:solidFill>
-            <a:schemeClr val="accent2">
-              <a:lumMod val="40000"/>
-              <a:lumOff val="60000"/>
-              <a:alpha val="28000"/>
-            </a:schemeClr>
-          </a:solidFill>
-          <a:ln w="12700"/>
-        </p:spPr>
-        <p:style>
-          <a:lnRef idx="2">
-            <a:schemeClr val="accent1">
-              <a:shade val="50000"/>
-            </a:schemeClr>
-          </a:lnRef>
-          <a:fillRef idx="1">
-            <a:schemeClr val="accent1"/>
-          </a:fillRef>
-          <a:effectRef idx="0">
-            <a:schemeClr val="accent1"/>
-          </a:effectRef>
-          <a:fontRef idx="minor">
-            <a:schemeClr val="lt1"/>
-          </a:fontRef>
-        </p:style>
-        <p:txBody>
-          <a:bodyPr rtlCol="0" anchor="ctr"/>
-          <a:lstStyle/>
-          <a:p>
-            <a:pPr algn="ctr"/>
-            <a:endParaRPr lang="en-US"/>
           </a:p>
         </p:txBody>
       </p:sp>
@@ -5753,14 +5735,13 @@
         <p:nvCxnSpPr>
           <p:cNvPr id="164" name="Curved Connector 161"/>
           <p:cNvCxnSpPr>
-            <a:stCxn id="160" idx="3"/>
             <a:endCxn id="121" idx="1"/>
           </p:cNvCxnSpPr>
           <p:nvPr/>
         </p:nvCxnSpPr>
         <p:spPr>
           <a:xfrm flipV="1">
-            <a:off x="4419600" y="6248400"/>
+            <a:off x="4495800" y="6248400"/>
             <a:ext cx="838200" cy="413266"/>
           </a:xfrm>
           <a:prstGeom prst="curvedConnector3">
@@ -5803,6 +5784,58 @@
               <a:gd name="adj1" fmla="val 6285"/>
               <a:gd name="adj2" fmla="val 7915"/>
               <a:gd name="adj3" fmla="val 9792"/>
+            </a:avLst>
+          </a:prstGeom>
+          <a:solidFill>
+            <a:schemeClr val="accent2">
+              <a:lumMod val="40000"/>
+              <a:lumOff val="60000"/>
+              <a:alpha val="28000"/>
+            </a:schemeClr>
+          </a:solidFill>
+          <a:ln w="12700"/>
+        </p:spPr>
+        <p:style>
+          <a:lnRef idx="2">
+            <a:schemeClr val="accent1">
+              <a:shade val="50000"/>
+            </a:schemeClr>
+          </a:lnRef>
+          <a:fillRef idx="1">
+            <a:schemeClr val="accent1"/>
+          </a:fillRef>
+          <a:effectRef idx="0">
+            <a:schemeClr val="accent1"/>
+          </a:effectRef>
+          <a:fontRef idx="minor">
+            <a:schemeClr val="lt1"/>
+          </a:fontRef>
+        </p:style>
+        <p:txBody>
+          <a:bodyPr rtlCol="0" anchor="ctr"/>
+          <a:lstStyle/>
+          <a:p>
+            <a:pPr algn="ctr"/>
+            <a:endParaRPr lang="en-US"/>
+          </a:p>
+        </p:txBody>
+      </p:sp>
+      <p:sp>
+        <p:nvSpPr>
+          <p:cNvPr id="171" name="Bent-Up Arrow 170"/>
+          <p:cNvSpPr/>
+          <p:nvPr/>
+        </p:nvSpPr>
+        <p:spPr>
+          <a:xfrm flipH="1" flipV="1">
+            <a:off x="1981200" y="228600"/>
+            <a:ext cx="2667000" cy="1676400"/>
+          </a:xfrm>
+          <a:prstGeom prst="bentUpArrow">
+            <a:avLst>
+              <a:gd name="adj1" fmla="val 10132"/>
+              <a:gd name="adj2" fmla="val 11564"/>
+              <a:gd name="adj3" fmla="val 16880"/>
             </a:avLst>
           </a:prstGeom>
           <a:solidFill>

--- a/Dataset/doc/Overview.pptx
+++ b/Dataset/doc/Overview.pptx
@@ -6,6 +6,7 @@
   </p:sldMasterIdLst>
   <p:sldIdLst>
     <p:sldId id="256" r:id="rId2"/>
+    <p:sldId id="257" r:id="rId3"/>
   </p:sldIdLst>
   <p:sldSz cx="9144000" cy="6858000" type="screen4x3"/>
   <p:notesSz cx="6858000" cy="9144000"/>
@@ -3045,6 +3046,14 @@
 <file path=ppt/slides/slide1.xml><?xml version="1.0" encoding="utf-8"?>
 <p:sld xmlns:a="http://schemas.openxmlformats.org/drawingml/2006/main" xmlns:r="http://schemas.openxmlformats.org/officeDocument/2006/relationships" xmlns:p="http://schemas.openxmlformats.org/presentationml/2006/main">
   <p:cSld>
+    <p:bg>
+      <p:bgPr>
+        <a:solidFill>
+          <a:schemeClr val="bg1"/>
+        </a:solidFill>
+        <a:effectLst/>
+      </p:bgPr>
+    </p:bg>
     <p:spTree>
       <p:nvGrpSpPr>
         <p:cNvPr id="1" name=""/>
@@ -3079,6 +3088,10 @@
               <a:lumOff val="80000"/>
             </a:schemeClr>
           </a:solidFill>
+          <a:ln w="12700">
+            <a:noFill/>
+            <a:prstDash val="solid"/>
+          </a:ln>
         </p:spPr>
         <p:style>
           <a:lnRef idx="2">
@@ -4517,7 +4530,9 @@
           <a:prstGeom prst="rect">
             <a:avLst/>
           </a:prstGeom>
-          <a:noFill/>
+          <a:solidFill>
+            <a:schemeClr val="bg1"/>
+          </a:solidFill>
         </p:spPr>
         <p:style>
           <a:lnRef idx="2">
@@ -4751,7 +4766,9 @@
           <a:prstGeom prst="rect">
             <a:avLst/>
           </a:prstGeom>
-          <a:noFill/>
+          <a:solidFill>
+            <a:schemeClr val="bg1"/>
+          </a:solidFill>
         </p:spPr>
         <p:style>
           <a:lnRef idx="2">
@@ -4808,7 +4825,9 @@
           <a:prstGeom prst="rect">
             <a:avLst/>
           </a:prstGeom>
-          <a:noFill/>
+          <a:solidFill>
+            <a:schemeClr val="bg1"/>
+          </a:solidFill>
         </p:spPr>
         <p:style>
           <a:lnRef idx="2">
@@ -5048,7 +5067,9 @@
           <a:prstGeom prst="rect">
             <a:avLst/>
           </a:prstGeom>
-          <a:noFill/>
+          <a:solidFill>
+            <a:schemeClr val="bg1"/>
+          </a:solidFill>
         </p:spPr>
         <p:style>
           <a:lnRef idx="2">
@@ -5884,6 +5905,1412 @@
       </p:par>
     </p:tnLst>
   </p:timing>
+</p:sld>
+</file>
+
+<file path=ppt/slides/slide2.xml><?xml version="1.0" encoding="utf-8"?>
+<p:sld xmlns:a="http://schemas.openxmlformats.org/drawingml/2006/main" xmlns:r="http://schemas.openxmlformats.org/officeDocument/2006/relationships" xmlns:p="http://schemas.openxmlformats.org/presentationml/2006/main">
+  <p:cSld>
+    <p:spTree>
+      <p:nvGrpSpPr>
+        <p:cNvPr id="1" name=""/>
+        <p:cNvGrpSpPr/>
+        <p:nvPr/>
+      </p:nvGrpSpPr>
+      <p:grpSpPr>
+        <a:xfrm>
+          <a:off x="0" y="0"/>
+          <a:ext cx="0" cy="0"/>
+          <a:chOff x="0" y="0"/>
+          <a:chExt cx="0" cy="0"/>
+        </a:xfrm>
+      </p:grpSpPr>
+      <p:sp>
+        <p:nvSpPr>
+          <p:cNvPr id="17" name="Rounded Rectangle 16"/>
+          <p:cNvSpPr/>
+          <p:nvPr/>
+        </p:nvSpPr>
+        <p:spPr>
+          <a:xfrm>
+            <a:off x="4114800" y="2895600"/>
+            <a:ext cx="4648200" cy="3657600"/>
+          </a:xfrm>
+          <a:prstGeom prst="roundRect">
+            <a:avLst/>
+          </a:prstGeom>
+          <a:solidFill>
+            <a:schemeClr val="tx2">
+              <a:lumMod val="20000"/>
+              <a:lumOff val="80000"/>
+            </a:schemeClr>
+          </a:solidFill>
+        </p:spPr>
+        <p:style>
+          <a:lnRef idx="2">
+            <a:schemeClr val="accent1">
+              <a:shade val="50000"/>
+            </a:schemeClr>
+          </a:lnRef>
+          <a:fillRef idx="1">
+            <a:schemeClr val="accent1"/>
+          </a:fillRef>
+          <a:effectRef idx="0">
+            <a:schemeClr val="accent1"/>
+          </a:effectRef>
+          <a:fontRef idx="minor">
+            <a:schemeClr val="lt1"/>
+          </a:fontRef>
+        </p:style>
+        <p:txBody>
+          <a:bodyPr rtlCol="0" anchor="ctr"/>
+          <a:lstStyle/>
+          <a:p>
+            <a:pPr algn="ctr"/>
+            <a:endParaRPr lang="en-US" dirty="0" smtClean="0"/>
+          </a:p>
+          <a:p>
+            <a:pPr algn="ctr"/>
+            <a:endParaRPr lang="en-US" dirty="0" smtClean="0"/>
+          </a:p>
+          <a:p>
+            <a:pPr algn="ctr"/>
+            <a:endParaRPr lang="en-US" dirty="0" smtClean="0"/>
+          </a:p>
+          <a:p>
+            <a:pPr algn="ctr"/>
+            <a:endParaRPr lang="en-US" dirty="0" smtClean="0"/>
+          </a:p>
+          <a:p>
+            <a:pPr algn="ctr"/>
+            <a:endParaRPr lang="en-US" dirty="0" smtClean="0"/>
+          </a:p>
+          <a:p>
+            <a:pPr algn="ctr"/>
+            <a:endParaRPr lang="en-US" dirty="0" smtClean="0">
+              <a:solidFill>
+                <a:schemeClr val="bg2">
+                  <a:lumMod val="10000"/>
+                </a:schemeClr>
+              </a:solidFill>
+            </a:endParaRPr>
+          </a:p>
+          <a:p>
+            <a:pPr algn="ctr"/>
+            <a:endParaRPr lang="en-US" dirty="0" smtClean="0">
+              <a:solidFill>
+                <a:schemeClr val="bg2">
+                  <a:lumMod val="10000"/>
+                </a:schemeClr>
+              </a:solidFill>
+            </a:endParaRPr>
+          </a:p>
+          <a:p>
+            <a:pPr algn="ctr"/>
+            <a:endParaRPr lang="en-US" dirty="0" smtClean="0">
+              <a:solidFill>
+                <a:schemeClr val="bg2">
+                  <a:lumMod val="10000"/>
+                </a:schemeClr>
+              </a:solidFill>
+            </a:endParaRPr>
+          </a:p>
+          <a:p>
+            <a:pPr algn="ctr"/>
+            <a:endParaRPr lang="en-US" dirty="0" smtClean="0">
+              <a:solidFill>
+                <a:schemeClr val="bg2">
+                  <a:lumMod val="10000"/>
+                </a:schemeClr>
+              </a:solidFill>
+            </a:endParaRPr>
+          </a:p>
+          <a:p>
+            <a:pPr algn="ctr"/>
+            <a:endParaRPr lang="en-US" dirty="0" smtClean="0">
+              <a:solidFill>
+                <a:schemeClr val="bg2">
+                  <a:lumMod val="10000"/>
+                </a:schemeClr>
+              </a:solidFill>
+            </a:endParaRPr>
+          </a:p>
+          <a:p>
+            <a:pPr algn="ctr"/>
+            <a:endParaRPr lang="en-US" dirty="0" smtClean="0">
+              <a:solidFill>
+                <a:schemeClr val="bg2">
+                  <a:lumMod val="10000"/>
+                </a:schemeClr>
+              </a:solidFill>
+            </a:endParaRPr>
+          </a:p>
+          <a:p>
+            <a:pPr algn="ctr"/>
+            <a:endParaRPr lang="en-US" dirty="0" smtClean="0">
+              <a:solidFill>
+                <a:schemeClr val="bg2">
+                  <a:lumMod val="10000"/>
+                </a:schemeClr>
+              </a:solidFill>
+            </a:endParaRPr>
+          </a:p>
+          <a:p>
+            <a:pPr algn="ctr"/>
+            <a:r>
+              <a:rPr lang="en-US" dirty="0" smtClean="0">
+                <a:solidFill>
+                  <a:schemeClr val="bg2">
+                    <a:lumMod val="10000"/>
+                  </a:schemeClr>
+                </a:solidFill>
+              </a:rPr>
+              <a:t>Graph Files</a:t>
+            </a:r>
+            <a:endParaRPr lang="en-US" dirty="0">
+              <a:solidFill>
+                <a:schemeClr val="bg2">
+                  <a:lumMod val="10000"/>
+                </a:schemeClr>
+              </a:solidFill>
+            </a:endParaRPr>
+          </a:p>
+        </p:txBody>
+      </p:sp>
+      <p:sp>
+        <p:nvSpPr>
+          <p:cNvPr id="16" name="Rounded Rectangle 15"/>
+          <p:cNvSpPr/>
+          <p:nvPr/>
+        </p:nvSpPr>
+        <p:spPr>
+          <a:xfrm>
+            <a:off x="152400" y="2895600"/>
+            <a:ext cx="3352800" cy="3657600"/>
+          </a:xfrm>
+          <a:prstGeom prst="roundRect">
+            <a:avLst/>
+          </a:prstGeom>
+          <a:solidFill>
+            <a:schemeClr val="tx2">
+              <a:lumMod val="20000"/>
+              <a:lumOff val="80000"/>
+            </a:schemeClr>
+          </a:solidFill>
+        </p:spPr>
+        <p:style>
+          <a:lnRef idx="2">
+            <a:schemeClr val="accent1">
+              <a:shade val="50000"/>
+            </a:schemeClr>
+          </a:lnRef>
+          <a:fillRef idx="1">
+            <a:schemeClr val="accent1"/>
+          </a:fillRef>
+          <a:effectRef idx="0">
+            <a:schemeClr val="accent1"/>
+          </a:effectRef>
+          <a:fontRef idx="minor">
+            <a:schemeClr val="lt1"/>
+          </a:fontRef>
+        </p:style>
+        <p:txBody>
+          <a:bodyPr rtlCol="0" anchor="ctr"/>
+          <a:lstStyle/>
+          <a:p>
+            <a:pPr algn="ctr"/>
+            <a:endParaRPr lang="en-US" dirty="0" smtClean="0"/>
+          </a:p>
+          <a:p>
+            <a:pPr algn="ctr"/>
+            <a:endParaRPr lang="en-US" dirty="0" smtClean="0"/>
+          </a:p>
+          <a:p>
+            <a:pPr algn="ctr"/>
+            <a:endParaRPr lang="en-US" dirty="0" smtClean="0"/>
+          </a:p>
+          <a:p>
+            <a:pPr algn="ctr"/>
+            <a:endParaRPr lang="en-US" dirty="0" smtClean="0"/>
+          </a:p>
+          <a:p>
+            <a:pPr algn="ctr"/>
+            <a:endParaRPr lang="en-US" dirty="0" smtClean="0"/>
+          </a:p>
+          <a:p>
+            <a:pPr algn="ctr"/>
+            <a:endParaRPr lang="en-US" dirty="0" smtClean="0">
+              <a:solidFill>
+                <a:schemeClr val="bg2">
+                  <a:lumMod val="10000"/>
+                </a:schemeClr>
+              </a:solidFill>
+            </a:endParaRPr>
+          </a:p>
+          <a:p>
+            <a:pPr algn="ctr"/>
+            <a:endParaRPr lang="en-US" dirty="0" smtClean="0">
+              <a:solidFill>
+                <a:schemeClr val="bg2">
+                  <a:lumMod val="10000"/>
+                </a:schemeClr>
+              </a:solidFill>
+            </a:endParaRPr>
+          </a:p>
+          <a:p>
+            <a:pPr algn="ctr"/>
+            <a:endParaRPr lang="en-US" dirty="0" smtClean="0">
+              <a:solidFill>
+                <a:schemeClr val="bg2">
+                  <a:lumMod val="10000"/>
+                </a:schemeClr>
+              </a:solidFill>
+            </a:endParaRPr>
+          </a:p>
+          <a:p>
+            <a:pPr algn="ctr"/>
+            <a:endParaRPr lang="en-US" dirty="0" smtClean="0">
+              <a:solidFill>
+                <a:schemeClr val="bg2">
+                  <a:lumMod val="10000"/>
+                </a:schemeClr>
+              </a:solidFill>
+            </a:endParaRPr>
+          </a:p>
+          <a:p>
+            <a:pPr algn="ctr"/>
+            <a:endParaRPr lang="en-US" dirty="0" smtClean="0">
+              <a:solidFill>
+                <a:schemeClr val="bg2">
+                  <a:lumMod val="10000"/>
+                </a:schemeClr>
+              </a:solidFill>
+            </a:endParaRPr>
+          </a:p>
+          <a:p>
+            <a:pPr algn="ctr"/>
+            <a:endParaRPr lang="en-US" dirty="0" smtClean="0">
+              <a:solidFill>
+                <a:schemeClr val="bg2">
+                  <a:lumMod val="10000"/>
+                </a:schemeClr>
+              </a:solidFill>
+            </a:endParaRPr>
+          </a:p>
+          <a:p>
+            <a:pPr algn="ctr"/>
+            <a:endParaRPr lang="en-US" dirty="0" smtClean="0">
+              <a:solidFill>
+                <a:schemeClr val="bg2">
+                  <a:lumMod val="10000"/>
+                </a:schemeClr>
+              </a:solidFill>
+            </a:endParaRPr>
+          </a:p>
+          <a:p>
+            <a:pPr algn="ctr"/>
+            <a:r>
+              <a:rPr lang="en-US" dirty="0" smtClean="0">
+                <a:solidFill>
+                  <a:schemeClr val="bg2">
+                    <a:lumMod val="10000"/>
+                  </a:schemeClr>
+                </a:solidFill>
+              </a:rPr>
+              <a:t>Resource Files</a:t>
+            </a:r>
+            <a:endParaRPr lang="en-US" dirty="0">
+              <a:solidFill>
+                <a:schemeClr val="bg2">
+                  <a:lumMod val="10000"/>
+                </a:schemeClr>
+              </a:solidFill>
+            </a:endParaRPr>
+          </a:p>
+        </p:txBody>
+      </p:sp>
+      <p:sp>
+        <p:nvSpPr>
+          <p:cNvPr id="15" name="Rounded Rectangle 14"/>
+          <p:cNvSpPr/>
+          <p:nvPr/>
+        </p:nvSpPr>
+        <p:spPr>
+          <a:xfrm>
+            <a:off x="2438400" y="152400"/>
+            <a:ext cx="4114800" cy="2057400"/>
+          </a:xfrm>
+          <a:prstGeom prst="roundRect">
+            <a:avLst/>
+          </a:prstGeom>
+          <a:solidFill>
+            <a:schemeClr val="tx2">
+              <a:lumMod val="20000"/>
+              <a:lumOff val="80000"/>
+            </a:schemeClr>
+          </a:solidFill>
+        </p:spPr>
+        <p:style>
+          <a:lnRef idx="2">
+            <a:schemeClr val="accent1">
+              <a:shade val="50000"/>
+            </a:schemeClr>
+          </a:lnRef>
+          <a:fillRef idx="1">
+            <a:schemeClr val="accent1"/>
+          </a:fillRef>
+          <a:effectRef idx="0">
+            <a:schemeClr val="accent1"/>
+          </a:effectRef>
+          <a:fontRef idx="minor">
+            <a:schemeClr val="lt1"/>
+          </a:fontRef>
+        </p:style>
+        <p:txBody>
+          <a:bodyPr rtlCol="0" anchor="ctr"/>
+          <a:lstStyle/>
+          <a:p>
+            <a:pPr algn="ctr"/>
+            <a:endParaRPr lang="en-US" dirty="0" smtClean="0"/>
+          </a:p>
+          <a:p>
+            <a:pPr algn="ctr"/>
+            <a:endParaRPr lang="en-US" dirty="0" smtClean="0"/>
+          </a:p>
+          <a:p>
+            <a:pPr algn="ctr"/>
+            <a:endParaRPr lang="en-US" dirty="0" smtClean="0"/>
+          </a:p>
+          <a:p>
+            <a:pPr algn="ctr"/>
+            <a:endParaRPr lang="en-US" dirty="0" smtClean="0"/>
+          </a:p>
+          <a:p>
+            <a:pPr algn="ctr"/>
+            <a:endParaRPr lang="en-US" dirty="0" smtClean="0"/>
+          </a:p>
+          <a:p>
+            <a:pPr algn="ctr"/>
+            <a:endParaRPr lang="en-US" dirty="0" smtClean="0">
+              <a:solidFill>
+                <a:schemeClr val="bg2">
+                  <a:lumMod val="10000"/>
+                </a:schemeClr>
+              </a:solidFill>
+            </a:endParaRPr>
+          </a:p>
+          <a:p>
+            <a:pPr algn="ctr"/>
+            <a:r>
+              <a:rPr lang="en-US" dirty="0" smtClean="0">
+                <a:solidFill>
+                  <a:schemeClr val="bg2">
+                    <a:lumMod val="10000"/>
+                  </a:schemeClr>
+                </a:solidFill>
+              </a:rPr>
+              <a:t>Dataset Files</a:t>
+            </a:r>
+            <a:endParaRPr lang="en-US" dirty="0">
+              <a:solidFill>
+                <a:schemeClr val="bg2">
+                  <a:lumMod val="10000"/>
+                </a:schemeClr>
+              </a:solidFill>
+            </a:endParaRPr>
+          </a:p>
+        </p:txBody>
+      </p:sp>
+      <p:sp>
+        <p:nvSpPr>
+          <p:cNvPr id="2" name="Rectangle 1"/>
+          <p:cNvSpPr/>
+          <p:nvPr/>
+        </p:nvSpPr>
+        <p:spPr>
+          <a:xfrm>
+            <a:off x="3200400" y="304800"/>
+            <a:ext cx="2667000" cy="304800"/>
+          </a:xfrm>
+          <a:prstGeom prst="rect">
+            <a:avLst/>
+          </a:prstGeom>
+          <a:solidFill>
+            <a:schemeClr val="bg2"/>
+          </a:solidFill>
+        </p:spPr>
+        <p:style>
+          <a:lnRef idx="2">
+            <a:schemeClr val="accent1">
+              <a:shade val="50000"/>
+            </a:schemeClr>
+          </a:lnRef>
+          <a:fillRef idx="1">
+            <a:schemeClr val="accent1"/>
+          </a:fillRef>
+          <a:effectRef idx="0">
+            <a:schemeClr val="accent1"/>
+          </a:effectRef>
+          <a:fontRef idx="minor">
+            <a:schemeClr val="lt1"/>
+          </a:fontRef>
+        </p:style>
+        <p:txBody>
+          <a:bodyPr rtlCol="0" anchor="ctr"/>
+          <a:lstStyle/>
+          <a:p>
+            <a:r>
+              <a:rPr lang="en-US" sz="1100" dirty="0" smtClean="0">
+                <a:solidFill>
+                  <a:schemeClr val="tx1"/>
+                </a:solidFill>
+                <a:latin typeface="Courier New" pitchFamily="49" charset="0"/>
+                <a:cs typeface="Courier New" pitchFamily="49" charset="0"/>
+              </a:rPr>
+              <a:t>ToxoDB.xml</a:t>
+            </a:r>
+          </a:p>
+        </p:txBody>
+      </p:sp>
+      <p:sp>
+        <p:nvSpPr>
+          <p:cNvPr id="3" name="Rectangle 2"/>
+          <p:cNvSpPr/>
+          <p:nvPr/>
+        </p:nvSpPr>
+        <p:spPr>
+          <a:xfrm>
+            <a:off x="3200400" y="838200"/>
+            <a:ext cx="2667000" cy="304800"/>
+          </a:xfrm>
+          <a:prstGeom prst="rect">
+            <a:avLst/>
+          </a:prstGeom>
+          <a:solidFill>
+            <a:schemeClr val="bg2"/>
+          </a:solidFill>
+        </p:spPr>
+        <p:style>
+          <a:lnRef idx="2">
+            <a:schemeClr val="accent1">
+              <a:shade val="50000"/>
+            </a:schemeClr>
+          </a:lnRef>
+          <a:fillRef idx="1">
+            <a:schemeClr val="accent1"/>
+          </a:fillRef>
+          <a:effectRef idx="0">
+            <a:schemeClr val="accent1"/>
+          </a:effectRef>
+          <a:fontRef idx="minor">
+            <a:schemeClr val="lt1"/>
+          </a:fontRef>
+        </p:style>
+        <p:txBody>
+          <a:bodyPr rtlCol="0" anchor="ctr"/>
+          <a:lstStyle/>
+          <a:p>
+            <a:r>
+              <a:rPr lang="en-US" sz="1100" dirty="0" err="1" smtClean="0">
+                <a:solidFill>
+                  <a:schemeClr val="tx1"/>
+                </a:solidFill>
+                <a:latin typeface="Courier New" pitchFamily="49" charset="0"/>
+                <a:cs typeface="Courier New" pitchFamily="49" charset="0"/>
+              </a:rPr>
+              <a:t>ToxoDB</a:t>
+            </a:r>
+            <a:r>
+              <a:rPr lang="en-US" sz="1100" dirty="0" smtClean="0">
+                <a:solidFill>
+                  <a:schemeClr val="tx1"/>
+                </a:solidFill>
+                <a:latin typeface="Courier New" pitchFamily="49" charset="0"/>
+                <a:cs typeface="Courier New" pitchFamily="49" charset="0"/>
+              </a:rPr>
+              <a:t>/tgonME49.xml</a:t>
+            </a:r>
+          </a:p>
+        </p:txBody>
+      </p:sp>
+      <p:sp>
+        <p:nvSpPr>
+          <p:cNvPr id="4" name="Rectangle 3"/>
+          <p:cNvSpPr/>
+          <p:nvPr/>
+        </p:nvSpPr>
+        <p:spPr>
+          <a:xfrm>
+            <a:off x="3200400" y="1371600"/>
+            <a:ext cx="2667000" cy="304800"/>
+          </a:xfrm>
+          <a:prstGeom prst="rect">
+            <a:avLst/>
+          </a:prstGeom>
+          <a:solidFill>
+            <a:schemeClr val="bg2"/>
+          </a:solidFill>
+        </p:spPr>
+        <p:style>
+          <a:lnRef idx="2">
+            <a:schemeClr val="accent1">
+              <a:shade val="50000"/>
+            </a:schemeClr>
+          </a:lnRef>
+          <a:fillRef idx="1">
+            <a:schemeClr val="accent1"/>
+          </a:fillRef>
+          <a:effectRef idx="0">
+            <a:schemeClr val="accent1"/>
+          </a:effectRef>
+          <a:fontRef idx="minor">
+            <a:schemeClr val="lt1"/>
+          </a:fontRef>
+        </p:style>
+        <p:txBody>
+          <a:bodyPr rtlCol="0" anchor="ctr"/>
+          <a:lstStyle/>
+          <a:p>
+            <a:r>
+              <a:rPr lang="en-US" sz="1100" dirty="0" err="1" smtClean="0">
+                <a:solidFill>
+                  <a:schemeClr val="tx1"/>
+                </a:solidFill>
+                <a:latin typeface="Courier New" pitchFamily="49" charset="0"/>
+                <a:cs typeface="Courier New" pitchFamily="49" charset="0"/>
+              </a:rPr>
+              <a:t>ToxoDB</a:t>
+            </a:r>
+            <a:r>
+              <a:rPr lang="en-US" sz="1100" dirty="0" smtClean="0">
+                <a:solidFill>
+                  <a:schemeClr val="tx1"/>
+                </a:solidFill>
+                <a:latin typeface="Courier New" pitchFamily="49" charset="0"/>
+                <a:cs typeface="Courier New" pitchFamily="49" charset="0"/>
+              </a:rPr>
+              <a:t>/tgonME49/Einstein.xml</a:t>
+            </a:r>
+          </a:p>
+        </p:txBody>
+      </p:sp>
+      <p:sp>
+        <p:nvSpPr>
+          <p:cNvPr id="5" name="Rectangle 4"/>
+          <p:cNvSpPr/>
+          <p:nvPr/>
+        </p:nvSpPr>
+        <p:spPr>
+          <a:xfrm>
+            <a:off x="457200" y="3124200"/>
+            <a:ext cx="2667000" cy="304800"/>
+          </a:xfrm>
+          <a:prstGeom prst="rect">
+            <a:avLst/>
+          </a:prstGeom>
+          <a:solidFill>
+            <a:schemeClr val="bg2"/>
+          </a:solidFill>
+        </p:spPr>
+        <p:style>
+          <a:lnRef idx="2">
+            <a:schemeClr val="accent1">
+              <a:shade val="50000"/>
+            </a:schemeClr>
+          </a:lnRef>
+          <a:fillRef idx="1">
+            <a:schemeClr val="accent1"/>
+          </a:fillRef>
+          <a:effectRef idx="0">
+            <a:schemeClr val="accent1"/>
+          </a:effectRef>
+          <a:fontRef idx="minor">
+            <a:schemeClr val="lt1"/>
+          </a:fontRef>
+        </p:style>
+        <p:txBody>
+          <a:bodyPr rtlCol="0" anchor="ctr"/>
+          <a:lstStyle/>
+          <a:p>
+            <a:r>
+              <a:rPr lang="en-US" sz="1100" dirty="0" smtClean="0">
+                <a:solidFill>
+                  <a:schemeClr val="tx1"/>
+                </a:solidFill>
+                <a:latin typeface="Courier New" pitchFamily="49" charset="0"/>
+                <a:cs typeface="Courier New" pitchFamily="49" charset="0"/>
+              </a:rPr>
+              <a:t>ToxoDB.xml</a:t>
+            </a:r>
+          </a:p>
+        </p:txBody>
+      </p:sp>
+      <p:sp>
+        <p:nvSpPr>
+          <p:cNvPr id="6" name="Rectangle 5"/>
+          <p:cNvSpPr/>
+          <p:nvPr/>
+        </p:nvSpPr>
+        <p:spPr>
+          <a:xfrm>
+            <a:off x="457200" y="3657600"/>
+            <a:ext cx="2667000" cy="304800"/>
+          </a:xfrm>
+          <a:prstGeom prst="rect">
+            <a:avLst/>
+          </a:prstGeom>
+          <a:solidFill>
+            <a:schemeClr val="bg2"/>
+          </a:solidFill>
+        </p:spPr>
+        <p:style>
+          <a:lnRef idx="2">
+            <a:schemeClr val="accent1">
+              <a:shade val="50000"/>
+            </a:schemeClr>
+          </a:lnRef>
+          <a:fillRef idx="1">
+            <a:schemeClr val="accent1"/>
+          </a:fillRef>
+          <a:effectRef idx="0">
+            <a:schemeClr val="accent1"/>
+          </a:effectRef>
+          <a:fontRef idx="minor">
+            <a:schemeClr val="lt1"/>
+          </a:fontRef>
+        </p:style>
+        <p:txBody>
+          <a:bodyPr rtlCol="0" anchor="ctr"/>
+          <a:lstStyle/>
+          <a:p>
+            <a:r>
+              <a:rPr lang="en-US" sz="1100" dirty="0" err="1" smtClean="0">
+                <a:solidFill>
+                  <a:schemeClr val="tx1"/>
+                </a:solidFill>
+                <a:latin typeface="Courier New" pitchFamily="49" charset="0"/>
+                <a:cs typeface="Courier New" pitchFamily="49" charset="0"/>
+              </a:rPr>
+              <a:t>ToxoDB</a:t>
+            </a:r>
+            <a:r>
+              <a:rPr lang="en-US" sz="1100" dirty="0" smtClean="0">
+                <a:solidFill>
+                  <a:schemeClr val="tx1"/>
+                </a:solidFill>
+                <a:latin typeface="Courier New" pitchFamily="49" charset="0"/>
+                <a:cs typeface="Courier New" pitchFamily="49" charset="0"/>
+              </a:rPr>
+              <a:t>/tgonME49.xml</a:t>
+            </a:r>
+          </a:p>
+        </p:txBody>
+      </p:sp>
+      <p:sp>
+        <p:nvSpPr>
+          <p:cNvPr id="7" name="Rectangle 6"/>
+          <p:cNvSpPr/>
+          <p:nvPr/>
+        </p:nvSpPr>
+        <p:spPr>
+          <a:xfrm>
+            <a:off x="457200" y="4191000"/>
+            <a:ext cx="2667000" cy="304800"/>
+          </a:xfrm>
+          <a:prstGeom prst="rect">
+            <a:avLst/>
+          </a:prstGeom>
+          <a:solidFill>
+            <a:schemeClr val="bg2"/>
+          </a:solidFill>
+        </p:spPr>
+        <p:style>
+          <a:lnRef idx="2">
+            <a:schemeClr val="accent1">
+              <a:shade val="50000"/>
+            </a:schemeClr>
+          </a:lnRef>
+          <a:fillRef idx="1">
+            <a:schemeClr val="accent1"/>
+          </a:fillRef>
+          <a:effectRef idx="0">
+            <a:schemeClr val="accent1"/>
+          </a:effectRef>
+          <a:fontRef idx="minor">
+            <a:schemeClr val="lt1"/>
+          </a:fontRef>
+        </p:style>
+        <p:txBody>
+          <a:bodyPr rtlCol="0" anchor="ctr"/>
+          <a:lstStyle/>
+          <a:p>
+            <a:r>
+              <a:rPr lang="en-US" sz="1100" dirty="0" err="1" smtClean="0">
+                <a:solidFill>
+                  <a:schemeClr val="tx1"/>
+                </a:solidFill>
+                <a:latin typeface="Courier New" pitchFamily="49" charset="0"/>
+                <a:cs typeface="Courier New" pitchFamily="49" charset="0"/>
+              </a:rPr>
+              <a:t>ToxoDB</a:t>
+            </a:r>
+            <a:r>
+              <a:rPr lang="en-US" sz="1100" dirty="0" smtClean="0">
+                <a:solidFill>
+                  <a:schemeClr val="tx1"/>
+                </a:solidFill>
+                <a:latin typeface="Courier New" pitchFamily="49" charset="0"/>
+                <a:cs typeface="Courier New" pitchFamily="49" charset="0"/>
+              </a:rPr>
+              <a:t>/tgonME49/Einstein.xml</a:t>
+            </a:r>
+          </a:p>
+        </p:txBody>
+      </p:sp>
+      <p:sp>
+        <p:nvSpPr>
+          <p:cNvPr id="8" name="Rectangle 7"/>
+          <p:cNvSpPr/>
+          <p:nvPr/>
+        </p:nvSpPr>
+        <p:spPr>
+          <a:xfrm>
+            <a:off x="4419600" y="3124200"/>
+            <a:ext cx="4000500" cy="304800"/>
+          </a:xfrm>
+          <a:prstGeom prst="rect">
+            <a:avLst/>
+          </a:prstGeom>
+          <a:solidFill>
+            <a:schemeClr val="bg2"/>
+          </a:solidFill>
+        </p:spPr>
+        <p:style>
+          <a:lnRef idx="2">
+            <a:schemeClr val="accent1">
+              <a:shade val="50000"/>
+            </a:schemeClr>
+          </a:lnRef>
+          <a:fillRef idx="1">
+            <a:schemeClr val="accent1"/>
+          </a:fillRef>
+          <a:effectRef idx="0">
+            <a:schemeClr val="accent1"/>
+          </a:effectRef>
+          <a:fontRef idx="minor">
+            <a:schemeClr val="lt1"/>
+          </a:fontRef>
+        </p:style>
+        <p:txBody>
+          <a:bodyPr rtlCol="0" anchor="ctr"/>
+          <a:lstStyle/>
+          <a:p>
+            <a:r>
+              <a:rPr lang="en-US" sz="1100" dirty="0" err="1" smtClean="0">
+                <a:solidFill>
+                  <a:schemeClr val="tx1"/>
+                </a:solidFill>
+                <a:latin typeface="Courier New" pitchFamily="49" charset="0"/>
+                <a:cs typeface="Courier New" pitchFamily="49" charset="0"/>
+              </a:rPr>
+              <a:t>ToxoDB</a:t>
+            </a:r>
+            <a:r>
+              <a:rPr lang="en-US" sz="1100" dirty="0" smtClean="0">
+                <a:solidFill>
+                  <a:schemeClr val="tx1"/>
+                </a:solidFill>
+                <a:latin typeface="Courier New" pitchFamily="49" charset="0"/>
+                <a:cs typeface="Courier New" pitchFamily="49" charset="0"/>
+              </a:rPr>
+              <a:t>/project.xml</a:t>
+            </a:r>
+          </a:p>
+        </p:txBody>
+      </p:sp>
+      <p:sp>
+        <p:nvSpPr>
+          <p:cNvPr id="9" name="Rectangle 8"/>
+          <p:cNvSpPr/>
+          <p:nvPr/>
+        </p:nvSpPr>
+        <p:spPr>
+          <a:xfrm>
+            <a:off x="4419600" y="3657600"/>
+            <a:ext cx="4000500" cy="304800"/>
+          </a:xfrm>
+          <a:prstGeom prst="rect">
+            <a:avLst/>
+          </a:prstGeom>
+          <a:solidFill>
+            <a:schemeClr val="bg2"/>
+          </a:solidFill>
+        </p:spPr>
+        <p:style>
+          <a:lnRef idx="2">
+            <a:schemeClr val="accent1">
+              <a:shade val="50000"/>
+            </a:schemeClr>
+          </a:lnRef>
+          <a:fillRef idx="1">
+            <a:schemeClr val="accent1"/>
+          </a:fillRef>
+          <a:effectRef idx="0">
+            <a:schemeClr val="accent1"/>
+          </a:effectRef>
+          <a:fontRef idx="minor">
+            <a:schemeClr val="lt1"/>
+          </a:fontRef>
+        </p:style>
+        <p:txBody>
+          <a:bodyPr rtlCol="0" anchor="ctr"/>
+          <a:lstStyle/>
+          <a:p>
+            <a:r>
+              <a:rPr lang="en-US" sz="1100" dirty="0" err="1" smtClean="0">
+                <a:solidFill>
+                  <a:schemeClr val="tx1"/>
+                </a:solidFill>
+                <a:latin typeface="Courier New" pitchFamily="49" charset="0"/>
+                <a:cs typeface="Courier New" pitchFamily="49" charset="0"/>
+              </a:rPr>
+              <a:t>ToxoDB</a:t>
+            </a:r>
+            <a:r>
+              <a:rPr lang="en-US" sz="1100" dirty="0" smtClean="0">
+                <a:solidFill>
+                  <a:schemeClr val="tx1"/>
+                </a:solidFill>
+                <a:latin typeface="Courier New" pitchFamily="49" charset="0"/>
+                <a:cs typeface="Courier New" pitchFamily="49" charset="0"/>
+              </a:rPr>
+              <a:t>/tgonME49/ESTs.xml</a:t>
+            </a:r>
+          </a:p>
+        </p:txBody>
+      </p:sp>
+      <p:sp>
+        <p:nvSpPr>
+          <p:cNvPr id="10" name="Rectangle 9"/>
+          <p:cNvSpPr/>
+          <p:nvPr/>
+        </p:nvSpPr>
+        <p:spPr>
+          <a:xfrm>
+            <a:off x="4419600" y="5791200"/>
+            <a:ext cx="4000500" cy="304800"/>
+          </a:xfrm>
+          <a:prstGeom prst="rect">
+            <a:avLst/>
+          </a:prstGeom>
+          <a:solidFill>
+            <a:schemeClr val="bg2"/>
+          </a:solidFill>
+        </p:spPr>
+        <p:style>
+          <a:lnRef idx="2">
+            <a:schemeClr val="accent1">
+              <a:shade val="50000"/>
+            </a:schemeClr>
+          </a:lnRef>
+          <a:fillRef idx="1">
+            <a:schemeClr val="accent1"/>
+          </a:fillRef>
+          <a:effectRef idx="0">
+            <a:schemeClr val="accent1"/>
+          </a:effectRef>
+          <a:fontRef idx="minor">
+            <a:schemeClr val="lt1"/>
+          </a:fontRef>
+        </p:style>
+        <p:txBody>
+          <a:bodyPr rtlCol="0" anchor="ctr"/>
+          <a:lstStyle/>
+          <a:p>
+            <a:r>
+              <a:rPr lang="en-US" sz="1100" dirty="0" err="1" smtClean="0">
+                <a:solidFill>
+                  <a:schemeClr val="tx1"/>
+                </a:solidFill>
+                <a:latin typeface="Courier New" pitchFamily="49" charset="0"/>
+                <a:cs typeface="Courier New" pitchFamily="49" charset="0"/>
+              </a:rPr>
+              <a:t>ToxoDB</a:t>
+            </a:r>
+            <a:r>
+              <a:rPr lang="en-US" sz="1100" dirty="0" smtClean="0">
+                <a:solidFill>
+                  <a:schemeClr val="tx1"/>
+                </a:solidFill>
+                <a:latin typeface="Courier New" pitchFamily="49" charset="0"/>
+                <a:cs typeface="Courier New" pitchFamily="49" charset="0"/>
+              </a:rPr>
+              <a:t>/tgonME49/Einstein/chipChipSamples.xml</a:t>
+            </a:r>
+          </a:p>
+        </p:txBody>
+      </p:sp>
+      <p:sp>
+        <p:nvSpPr>
+          <p:cNvPr id="12" name="Rectangle 11"/>
+          <p:cNvSpPr/>
+          <p:nvPr/>
+        </p:nvSpPr>
+        <p:spPr>
+          <a:xfrm>
+            <a:off x="4419600" y="4191000"/>
+            <a:ext cx="4000500" cy="304800"/>
+          </a:xfrm>
+          <a:prstGeom prst="rect">
+            <a:avLst/>
+          </a:prstGeom>
+          <a:solidFill>
+            <a:schemeClr val="bg2"/>
+          </a:solidFill>
+        </p:spPr>
+        <p:style>
+          <a:lnRef idx="2">
+            <a:schemeClr val="accent1">
+              <a:shade val="50000"/>
+            </a:schemeClr>
+          </a:lnRef>
+          <a:fillRef idx="1">
+            <a:schemeClr val="accent1"/>
+          </a:fillRef>
+          <a:effectRef idx="0">
+            <a:schemeClr val="accent1"/>
+          </a:effectRef>
+          <a:fontRef idx="minor">
+            <a:schemeClr val="lt1"/>
+          </a:fontRef>
+        </p:style>
+        <p:txBody>
+          <a:bodyPr rtlCol="0" anchor="ctr"/>
+          <a:lstStyle/>
+          <a:p>
+            <a:r>
+              <a:rPr lang="en-US" sz="1100" dirty="0" err="1" smtClean="0">
+                <a:solidFill>
+                  <a:schemeClr val="tx1"/>
+                </a:solidFill>
+                <a:latin typeface="Courier New" pitchFamily="49" charset="0"/>
+                <a:cs typeface="Courier New" pitchFamily="49" charset="0"/>
+              </a:rPr>
+              <a:t>ToxoDB</a:t>
+            </a:r>
+            <a:r>
+              <a:rPr lang="en-US" sz="1100" dirty="0" smtClean="0">
+                <a:solidFill>
+                  <a:schemeClr val="tx1"/>
+                </a:solidFill>
+                <a:latin typeface="Courier New" pitchFamily="49" charset="0"/>
+                <a:cs typeface="Courier New" pitchFamily="49" charset="0"/>
+              </a:rPr>
+              <a:t>/tgonME49/dbXRefs.xml</a:t>
+            </a:r>
+          </a:p>
+        </p:txBody>
+      </p:sp>
+      <p:sp>
+        <p:nvSpPr>
+          <p:cNvPr id="13" name="Rectangle 12"/>
+          <p:cNvSpPr/>
+          <p:nvPr/>
+        </p:nvSpPr>
+        <p:spPr>
+          <a:xfrm>
+            <a:off x="4419600" y="4724400"/>
+            <a:ext cx="4000500" cy="304800"/>
+          </a:xfrm>
+          <a:prstGeom prst="rect">
+            <a:avLst/>
+          </a:prstGeom>
+          <a:solidFill>
+            <a:schemeClr val="bg2"/>
+          </a:solidFill>
+        </p:spPr>
+        <p:style>
+          <a:lnRef idx="2">
+            <a:schemeClr val="accent1">
+              <a:shade val="50000"/>
+            </a:schemeClr>
+          </a:lnRef>
+          <a:fillRef idx="1">
+            <a:schemeClr val="accent1"/>
+          </a:fillRef>
+          <a:effectRef idx="0">
+            <a:schemeClr val="accent1"/>
+          </a:effectRef>
+          <a:fontRef idx="minor">
+            <a:schemeClr val="lt1"/>
+          </a:fontRef>
+        </p:style>
+        <p:txBody>
+          <a:bodyPr rtlCol="0" anchor="ctr"/>
+          <a:lstStyle/>
+          <a:p>
+            <a:r>
+              <a:rPr lang="en-US" sz="1100" dirty="0" err="1" smtClean="0">
+                <a:solidFill>
+                  <a:schemeClr val="tx1"/>
+                </a:solidFill>
+                <a:latin typeface="Courier New" pitchFamily="49" charset="0"/>
+                <a:cs typeface="Courier New" pitchFamily="49" charset="0"/>
+              </a:rPr>
+              <a:t>ToxoDB</a:t>
+            </a:r>
+            <a:r>
+              <a:rPr lang="en-US" sz="1100" dirty="0" smtClean="0">
+                <a:solidFill>
+                  <a:schemeClr val="tx1"/>
+                </a:solidFill>
+                <a:latin typeface="Courier New" pitchFamily="49" charset="0"/>
+                <a:cs typeface="Courier New" pitchFamily="49" charset="0"/>
+              </a:rPr>
+              <a:t>/tgonME49/arrayStudies.xml</a:t>
+            </a:r>
+          </a:p>
+        </p:txBody>
+      </p:sp>
+      <p:sp>
+        <p:nvSpPr>
+          <p:cNvPr id="14" name="Rectangle 13"/>
+          <p:cNvSpPr/>
+          <p:nvPr/>
+        </p:nvSpPr>
+        <p:spPr>
+          <a:xfrm>
+            <a:off x="4419600" y="5257800"/>
+            <a:ext cx="4000500" cy="304800"/>
+          </a:xfrm>
+          <a:prstGeom prst="rect">
+            <a:avLst/>
+          </a:prstGeom>
+          <a:solidFill>
+            <a:schemeClr val="bg2"/>
+          </a:solidFill>
+        </p:spPr>
+        <p:style>
+          <a:lnRef idx="2">
+            <a:schemeClr val="accent1">
+              <a:shade val="50000"/>
+            </a:schemeClr>
+          </a:lnRef>
+          <a:fillRef idx="1">
+            <a:schemeClr val="accent1"/>
+          </a:fillRef>
+          <a:effectRef idx="0">
+            <a:schemeClr val="accent1"/>
+          </a:effectRef>
+          <a:fontRef idx="minor">
+            <a:schemeClr val="lt1"/>
+          </a:fontRef>
+        </p:style>
+        <p:txBody>
+          <a:bodyPr rtlCol="0" anchor="ctr"/>
+          <a:lstStyle/>
+          <a:p>
+            <a:r>
+              <a:rPr lang="en-US" sz="1100" dirty="0" err="1" smtClean="0">
+                <a:solidFill>
+                  <a:schemeClr val="tx1"/>
+                </a:solidFill>
+                <a:latin typeface="Courier New" pitchFamily="49" charset="0"/>
+                <a:cs typeface="Courier New" pitchFamily="49" charset="0"/>
+              </a:rPr>
+              <a:t>ToxoDB</a:t>
+            </a:r>
+            <a:r>
+              <a:rPr lang="en-US" sz="1100" dirty="0" smtClean="0">
+                <a:solidFill>
+                  <a:schemeClr val="tx1"/>
+                </a:solidFill>
+                <a:latin typeface="Courier New" pitchFamily="49" charset="0"/>
+                <a:cs typeface="Courier New" pitchFamily="49" charset="0"/>
+              </a:rPr>
+              <a:t>/tgonME49/SNPs.xml</a:t>
+            </a:r>
+          </a:p>
+        </p:txBody>
+      </p:sp>
+      <p:cxnSp>
+        <p:nvCxnSpPr>
+          <p:cNvPr id="19" name="Curved Connector 18"/>
+          <p:cNvCxnSpPr>
+            <a:stCxn id="2" idx="1"/>
+            <a:endCxn id="5" idx="1"/>
+          </p:cNvCxnSpPr>
+          <p:nvPr/>
+        </p:nvCxnSpPr>
+        <p:spPr>
+          <a:xfrm rot="10800000" flipV="1">
+            <a:off x="457200" y="457200"/>
+            <a:ext cx="2743200" cy="2819400"/>
+          </a:xfrm>
+          <a:prstGeom prst="curvedConnector3">
+            <a:avLst>
+              <a:gd name="adj1" fmla="val 108333"/>
+            </a:avLst>
+          </a:prstGeom>
+          <a:ln w="25400">
+            <a:tailEnd type="stealth" w="lg" len="lg"/>
+          </a:ln>
+        </p:spPr>
+        <p:style>
+          <a:lnRef idx="1">
+            <a:schemeClr val="accent1"/>
+          </a:lnRef>
+          <a:fillRef idx="0">
+            <a:schemeClr val="accent1"/>
+          </a:fillRef>
+          <a:effectRef idx="0">
+            <a:schemeClr val="accent1"/>
+          </a:effectRef>
+          <a:fontRef idx="minor">
+            <a:schemeClr val="tx1"/>
+          </a:fontRef>
+        </p:style>
+      </p:cxnSp>
+      <p:cxnSp>
+        <p:nvCxnSpPr>
+          <p:cNvPr id="22" name="Curved Connector 21"/>
+          <p:cNvCxnSpPr>
+            <a:stCxn id="3" idx="1"/>
+            <a:endCxn id="6" idx="1"/>
+          </p:cNvCxnSpPr>
+          <p:nvPr/>
+        </p:nvCxnSpPr>
+        <p:spPr>
+          <a:xfrm rot="10800000" flipV="1">
+            <a:off x="457200" y="990600"/>
+            <a:ext cx="2743200" cy="2819400"/>
+          </a:xfrm>
+          <a:prstGeom prst="curvedConnector3">
+            <a:avLst>
+              <a:gd name="adj1" fmla="val 108333"/>
+            </a:avLst>
+          </a:prstGeom>
+          <a:ln w="25400">
+            <a:tailEnd type="stealth" w="lg" len="lg"/>
+          </a:ln>
+        </p:spPr>
+        <p:style>
+          <a:lnRef idx="1">
+            <a:schemeClr val="accent1"/>
+          </a:lnRef>
+          <a:fillRef idx="0">
+            <a:schemeClr val="accent1"/>
+          </a:fillRef>
+          <a:effectRef idx="0">
+            <a:schemeClr val="accent1"/>
+          </a:effectRef>
+          <a:fontRef idx="minor">
+            <a:schemeClr val="tx1"/>
+          </a:fontRef>
+        </p:style>
+      </p:cxnSp>
+      <p:cxnSp>
+        <p:nvCxnSpPr>
+          <p:cNvPr id="25" name="Curved Connector 24"/>
+          <p:cNvCxnSpPr>
+            <a:stCxn id="4" idx="1"/>
+            <a:endCxn id="7" idx="1"/>
+          </p:cNvCxnSpPr>
+          <p:nvPr/>
+        </p:nvCxnSpPr>
+        <p:spPr>
+          <a:xfrm rot="10800000" flipV="1">
+            <a:off x="457200" y="1524000"/>
+            <a:ext cx="2743200" cy="2819400"/>
+          </a:xfrm>
+          <a:prstGeom prst="curvedConnector3">
+            <a:avLst>
+              <a:gd name="adj1" fmla="val 108333"/>
+            </a:avLst>
+          </a:prstGeom>
+          <a:ln w="25400">
+            <a:tailEnd type="stealth" w="lg" len="lg"/>
+          </a:ln>
+        </p:spPr>
+        <p:style>
+          <a:lnRef idx="1">
+            <a:schemeClr val="accent1"/>
+          </a:lnRef>
+          <a:fillRef idx="0">
+            <a:schemeClr val="accent1"/>
+          </a:fillRef>
+          <a:effectRef idx="0">
+            <a:schemeClr val="accent1"/>
+          </a:effectRef>
+          <a:fontRef idx="minor">
+            <a:schemeClr val="tx1"/>
+          </a:fontRef>
+        </p:style>
+      </p:cxnSp>
+      <p:cxnSp>
+        <p:nvCxnSpPr>
+          <p:cNvPr id="28" name="Curved Connector 27"/>
+          <p:cNvCxnSpPr>
+            <a:stCxn id="2" idx="3"/>
+            <a:endCxn id="8" idx="3"/>
+          </p:cNvCxnSpPr>
+          <p:nvPr/>
+        </p:nvCxnSpPr>
+        <p:spPr>
+          <a:xfrm>
+            <a:off x="5867400" y="457200"/>
+            <a:ext cx="2552700" cy="2819400"/>
+          </a:xfrm>
+          <a:prstGeom prst="curvedConnector3">
+            <a:avLst>
+              <a:gd name="adj1" fmla="val 108955"/>
+            </a:avLst>
+          </a:prstGeom>
+          <a:ln w="25400">
+            <a:tailEnd type="stealth" w="lg" len="lg"/>
+          </a:ln>
+        </p:spPr>
+        <p:style>
+          <a:lnRef idx="1">
+            <a:schemeClr val="accent1"/>
+          </a:lnRef>
+          <a:fillRef idx="0">
+            <a:schemeClr val="accent1"/>
+          </a:fillRef>
+          <a:effectRef idx="0">
+            <a:schemeClr val="accent1"/>
+          </a:effectRef>
+          <a:fontRef idx="minor">
+            <a:schemeClr val="tx1"/>
+          </a:fontRef>
+        </p:style>
+      </p:cxnSp>
+      <p:sp>
+        <p:nvSpPr>
+          <p:cNvPr id="31" name="Right Brace 30"/>
+          <p:cNvSpPr/>
+          <p:nvPr/>
+        </p:nvSpPr>
+        <p:spPr>
+          <a:xfrm>
+            <a:off x="8458200" y="3581400"/>
+            <a:ext cx="228600" cy="2057400"/>
+          </a:xfrm>
+          <a:prstGeom prst="rightBrace">
+            <a:avLst/>
+          </a:prstGeom>
+          <a:ln>
+            <a:solidFill>
+              <a:schemeClr val="tx2">
+                <a:lumMod val="50000"/>
+              </a:schemeClr>
+            </a:solidFill>
+          </a:ln>
+        </p:spPr>
+        <p:style>
+          <a:lnRef idx="1">
+            <a:schemeClr val="accent1"/>
+          </a:lnRef>
+          <a:fillRef idx="0">
+            <a:schemeClr val="accent1"/>
+          </a:fillRef>
+          <a:effectRef idx="0">
+            <a:schemeClr val="accent1"/>
+          </a:effectRef>
+          <a:fontRef idx="minor">
+            <a:schemeClr val="tx1"/>
+          </a:fontRef>
+        </p:style>
+        <p:txBody>
+          <a:bodyPr rtlCol="0" anchor="ctr"/>
+          <a:lstStyle/>
+          <a:p>
+            <a:pPr algn="ctr"/>
+            <a:endParaRPr lang="en-US"/>
+          </a:p>
+        </p:txBody>
+      </p:sp>
+      <p:cxnSp>
+        <p:nvCxnSpPr>
+          <p:cNvPr id="32" name="Curved Connector 31"/>
+          <p:cNvCxnSpPr>
+            <a:stCxn id="3" idx="3"/>
+            <a:endCxn id="31" idx="1"/>
+          </p:cNvCxnSpPr>
+          <p:nvPr/>
+        </p:nvCxnSpPr>
+        <p:spPr>
+          <a:xfrm>
+            <a:off x="5867400" y="990600"/>
+            <a:ext cx="2819400" cy="3619500"/>
+          </a:xfrm>
+          <a:prstGeom prst="curvedConnector3">
+            <a:avLst>
+              <a:gd name="adj1" fmla="val 111622"/>
+            </a:avLst>
+          </a:prstGeom>
+          <a:ln w="25400">
+            <a:tailEnd type="stealth" w="lg" len="lg"/>
+          </a:ln>
+        </p:spPr>
+        <p:style>
+          <a:lnRef idx="1">
+            <a:schemeClr val="accent1"/>
+          </a:lnRef>
+          <a:fillRef idx="0">
+            <a:schemeClr val="accent1"/>
+          </a:fillRef>
+          <a:effectRef idx="0">
+            <a:schemeClr val="accent1"/>
+          </a:effectRef>
+          <a:fontRef idx="minor">
+            <a:schemeClr val="tx1"/>
+          </a:fontRef>
+        </p:style>
+      </p:cxnSp>
+      <p:cxnSp>
+        <p:nvCxnSpPr>
+          <p:cNvPr id="36" name="Curved Connector 35"/>
+          <p:cNvCxnSpPr>
+            <a:stCxn id="4" idx="3"/>
+            <a:endCxn id="10" idx="3"/>
+          </p:cNvCxnSpPr>
+          <p:nvPr/>
+        </p:nvCxnSpPr>
+        <p:spPr>
+          <a:xfrm>
+            <a:off x="5867400" y="1524000"/>
+            <a:ext cx="2552700" cy="4419600"/>
+          </a:xfrm>
+          <a:prstGeom prst="curvedConnector3">
+            <a:avLst>
+              <a:gd name="adj1" fmla="val 124819"/>
+            </a:avLst>
+          </a:prstGeom>
+          <a:ln w="25400">
+            <a:tailEnd type="stealth" w="lg" len="lg"/>
+          </a:ln>
+        </p:spPr>
+        <p:style>
+          <a:lnRef idx="1">
+            <a:schemeClr val="accent1"/>
+          </a:lnRef>
+          <a:fillRef idx="0">
+            <a:schemeClr val="accent1"/>
+          </a:fillRef>
+          <a:effectRef idx="0">
+            <a:schemeClr val="accent1"/>
+          </a:effectRef>
+          <a:fontRef idx="minor">
+            <a:schemeClr val="tx1"/>
+          </a:fontRef>
+        </p:style>
+      </p:cxnSp>
+    </p:spTree>
+  </p:cSld>
+  <p:clrMapOvr>
+    <a:masterClrMapping/>
+  </p:clrMapOvr>
 </p:sld>
 </file>
 

--- a/Dataset/doc/Overview.pptx
+++ b/Dataset/doc/Overview.pptx
@@ -5,8 +5,15 @@
     <p:sldMasterId id="2147483648" r:id="rId1"/>
   </p:sldMasterIdLst>
   <p:sldIdLst>
-    <p:sldId id="256" r:id="rId2"/>
-    <p:sldId id="257" r:id="rId3"/>
+    <p:sldId id="258" r:id="rId2"/>
+    <p:sldId id="259" r:id="rId3"/>
+    <p:sldId id="260" r:id="rId4"/>
+    <p:sldId id="261" r:id="rId5"/>
+    <p:sldId id="256" r:id="rId6"/>
+    <p:sldId id="257" r:id="rId7"/>
+    <p:sldId id="262" r:id="rId8"/>
+    <p:sldId id="264" r:id="rId9"/>
+    <p:sldId id="263" r:id="rId10"/>
   </p:sldIdLst>
   <p:sldSz cx="9144000" cy="6858000" type="screen4x3"/>
   <p:notesSz cx="6858000" cy="9144000"/>
@@ -290,7 +297,7 @@
             <a:fld id="{802E6521-B03C-4AA0-A725-4D0ACEB66774}" type="datetimeFigureOut">
               <a:rPr lang="en-US" smtClean="0"/>
               <a:pPr/>
-              <a:t>6/20/2011</a:t>
+              <a:t>7/19/2011</a:t>
             </a:fld>
             <a:endParaRPr lang="en-US"/>
           </a:p>
@@ -457,7 +464,7 @@
             <a:fld id="{802E6521-B03C-4AA0-A725-4D0ACEB66774}" type="datetimeFigureOut">
               <a:rPr lang="en-US" smtClean="0"/>
               <a:pPr/>
-              <a:t>6/20/2011</a:t>
+              <a:t>7/19/2011</a:t>
             </a:fld>
             <a:endParaRPr lang="en-US"/>
           </a:p>
@@ -634,7 +641,7 @@
             <a:fld id="{802E6521-B03C-4AA0-A725-4D0ACEB66774}" type="datetimeFigureOut">
               <a:rPr lang="en-US" smtClean="0"/>
               <a:pPr/>
-              <a:t>6/20/2011</a:t>
+              <a:t>7/19/2011</a:t>
             </a:fld>
             <a:endParaRPr lang="en-US"/>
           </a:p>
@@ -801,7 +808,7 @@
             <a:fld id="{802E6521-B03C-4AA0-A725-4D0ACEB66774}" type="datetimeFigureOut">
               <a:rPr lang="en-US" smtClean="0"/>
               <a:pPr/>
-              <a:t>6/20/2011</a:t>
+              <a:t>7/19/2011</a:t>
             </a:fld>
             <a:endParaRPr lang="en-US"/>
           </a:p>
@@ -1044,7 +1051,7 @@
             <a:fld id="{802E6521-B03C-4AA0-A725-4D0ACEB66774}" type="datetimeFigureOut">
               <a:rPr lang="en-US" smtClean="0"/>
               <a:pPr/>
-              <a:t>6/20/2011</a:t>
+              <a:t>7/19/2011</a:t>
             </a:fld>
             <a:endParaRPr lang="en-US"/>
           </a:p>
@@ -1329,7 +1336,7 @@
             <a:fld id="{802E6521-B03C-4AA0-A725-4D0ACEB66774}" type="datetimeFigureOut">
               <a:rPr lang="en-US" smtClean="0"/>
               <a:pPr/>
-              <a:t>6/20/2011</a:t>
+              <a:t>7/19/2011</a:t>
             </a:fld>
             <a:endParaRPr lang="en-US"/>
           </a:p>
@@ -1748,7 +1755,7 @@
             <a:fld id="{802E6521-B03C-4AA0-A725-4D0ACEB66774}" type="datetimeFigureOut">
               <a:rPr lang="en-US" smtClean="0"/>
               <a:pPr/>
-              <a:t>6/20/2011</a:t>
+              <a:t>7/19/2011</a:t>
             </a:fld>
             <a:endParaRPr lang="en-US"/>
           </a:p>
@@ -1863,7 +1870,7 @@
             <a:fld id="{802E6521-B03C-4AA0-A725-4D0ACEB66774}" type="datetimeFigureOut">
               <a:rPr lang="en-US" smtClean="0"/>
               <a:pPr/>
-              <a:t>6/20/2011</a:t>
+              <a:t>7/19/2011</a:t>
             </a:fld>
             <a:endParaRPr lang="en-US"/>
           </a:p>
@@ -1955,7 +1962,7 @@
             <a:fld id="{802E6521-B03C-4AA0-A725-4D0ACEB66774}" type="datetimeFigureOut">
               <a:rPr lang="en-US" smtClean="0"/>
               <a:pPr/>
-              <a:t>6/20/2011</a:t>
+              <a:t>7/19/2011</a:t>
             </a:fld>
             <a:endParaRPr lang="en-US"/>
           </a:p>
@@ -2229,7 +2236,7 @@
             <a:fld id="{802E6521-B03C-4AA0-A725-4D0ACEB66774}" type="datetimeFigureOut">
               <a:rPr lang="en-US" smtClean="0"/>
               <a:pPr/>
-              <a:t>6/20/2011</a:t>
+              <a:t>7/19/2011</a:t>
             </a:fld>
             <a:endParaRPr lang="en-US"/>
           </a:p>
@@ -2479,7 +2486,7 @@
             <a:fld id="{802E6521-B03C-4AA0-A725-4D0ACEB66774}" type="datetimeFigureOut">
               <a:rPr lang="en-US" smtClean="0"/>
               <a:pPr/>
-              <a:t>6/20/2011</a:t>
+              <a:t>7/19/2011</a:t>
             </a:fld>
             <a:endParaRPr lang="en-US"/>
           </a:p>
@@ -2689,7 +2696,7 @@
             <a:fld id="{802E6521-B03C-4AA0-A725-4D0ACEB66774}" type="datetimeFigureOut">
               <a:rPr lang="en-US" smtClean="0"/>
               <a:pPr/>
-              <a:t>6/20/2011</a:t>
+              <a:t>7/19/2011</a:t>
             </a:fld>
             <a:endParaRPr lang="en-US"/>
           </a:p>
@@ -3046,14 +3053,6 @@
 <file path=ppt/slides/slide1.xml><?xml version="1.0" encoding="utf-8"?>
 <p:sld xmlns:a="http://schemas.openxmlformats.org/drawingml/2006/main" xmlns:r="http://schemas.openxmlformats.org/officeDocument/2006/relationships" xmlns:p="http://schemas.openxmlformats.org/presentationml/2006/main">
   <p:cSld>
-    <p:bg>
-      <p:bgPr>
-        <a:solidFill>
-          <a:schemeClr val="bg1"/>
-        </a:solidFill>
-        <a:effectLst/>
-      </p:bgPr>
-    </p:bg>
     <p:spTree>
       <p:nvGrpSpPr>
         <p:cNvPr id="1" name=""/>
@@ -3070,2826 +3069,107 @@
       </p:grpSpPr>
       <p:sp>
         <p:nvSpPr>
-          <p:cNvPr id="110" name="Rounded Rectangle 109"/>
-          <p:cNvSpPr/>
-          <p:nvPr/>
+          <p:cNvPr id="4" name="Title 3"/>
+          <p:cNvSpPr>
+            <a:spLocks noGrp="1"/>
+          </p:cNvSpPr>
+          <p:nvPr>
+            <p:ph type="title"/>
+          </p:nvPr>
         </p:nvSpPr>
         <p:spPr>
           <a:xfrm>
-            <a:off x="76200" y="1447800"/>
-            <a:ext cx="8991600" cy="2743200"/>
-          </a:xfrm>
-          <a:prstGeom prst="roundRect">
-            <a:avLst/>
-          </a:prstGeom>
-          <a:solidFill>
-            <a:schemeClr val="tx2">
-              <a:lumMod val="20000"/>
-              <a:lumOff val="80000"/>
-            </a:schemeClr>
-          </a:solidFill>
-          <a:ln w="12700">
-            <a:noFill/>
-            <a:prstDash val="solid"/>
-          </a:ln>
-        </p:spPr>
-        <p:style>
-          <a:lnRef idx="2">
-            <a:schemeClr val="accent1">
-              <a:shade val="50000"/>
-            </a:schemeClr>
-          </a:lnRef>
-          <a:fillRef idx="1">
-            <a:schemeClr val="accent1"/>
-          </a:fillRef>
-          <a:effectRef idx="0">
-            <a:schemeClr val="accent1"/>
-          </a:effectRef>
-          <a:fontRef idx="minor">
-            <a:schemeClr val="lt1"/>
-          </a:fontRef>
-        </p:style>
-        <p:txBody>
-          <a:bodyPr rtlCol="0" anchor="ctr"/>
-          <a:lstStyle/>
-          <a:p>
-            <a:pPr algn="ctr"/>
-            <a:endParaRPr lang="en-US"/>
-          </a:p>
-        </p:txBody>
-      </p:sp>
-      <p:sp>
-        <p:nvSpPr>
-          <p:cNvPr id="4" name="Rectangle 3"/>
-          <p:cNvSpPr/>
-          <p:nvPr/>
+            <a:off x="457200" y="274638"/>
+            <a:ext cx="8229600" cy="868362"/>
+          </a:xfrm>
+        </p:spPr>
+        <p:txBody>
+          <a:bodyPr/>
+          <a:lstStyle/>
+          <a:p>
+            <a:r>
+              <a:rPr lang="en-US" sz="3200" dirty="0" smtClean="0"/>
+              <a:t>Dataset Classes</a:t>
+            </a:r>
+            <a:endParaRPr lang="en-US" sz="3200" dirty="0"/>
+          </a:p>
+        </p:txBody>
+      </p:sp>
+      <p:sp>
+        <p:nvSpPr>
+          <p:cNvPr id="5" name="Content Placeholder 4"/>
+          <p:cNvSpPr>
+            <a:spLocks noGrp="1"/>
+          </p:cNvSpPr>
+          <p:nvPr>
+            <p:ph idx="1"/>
+          </p:nvPr>
         </p:nvSpPr>
         <p:spPr>
           <a:xfrm>
-            <a:off x="228600" y="1752600"/>
-            <a:ext cx="4267200" cy="1981200"/>
-          </a:xfrm>
-          <a:prstGeom prst="rect">
-            <a:avLst/>
-          </a:prstGeom>
-          <a:solidFill>
-            <a:schemeClr val="bg2"/>
-          </a:solidFill>
-        </p:spPr>
-        <p:style>
-          <a:lnRef idx="2">
-            <a:schemeClr val="accent1">
-              <a:shade val="50000"/>
-            </a:schemeClr>
-          </a:lnRef>
-          <a:fillRef idx="1">
-            <a:schemeClr val="accent1"/>
-          </a:fillRef>
-          <a:effectRef idx="0">
-            <a:schemeClr val="accent1"/>
-          </a:effectRef>
-          <a:fontRef idx="minor">
-            <a:schemeClr val="lt1"/>
-          </a:fontRef>
-        </p:style>
-        <p:txBody>
-          <a:bodyPr rtlCol="0" anchor="ctr"/>
-          <a:lstStyle/>
-          <a:p>
-            <a:r>
-              <a:rPr lang="en-US" sz="1100" dirty="0" smtClean="0">
-                <a:solidFill>
-                  <a:schemeClr val="tx1"/>
-                </a:solidFill>
-                <a:latin typeface="Courier New" pitchFamily="49" charset="0"/>
-                <a:cs typeface="Courier New" pitchFamily="49" charset="0"/>
-              </a:rPr>
-              <a:t>&lt;</a:t>
-            </a:r>
-            <a:r>
-              <a:rPr lang="en-US" sz="1100" dirty="0" err="1" smtClean="0">
-                <a:solidFill>
-                  <a:schemeClr val="tx1"/>
-                </a:solidFill>
-                <a:latin typeface="Courier New" pitchFamily="49" charset="0"/>
-                <a:cs typeface="Courier New" pitchFamily="49" charset="0"/>
-              </a:rPr>
-              <a:t>datasetClass</a:t>
-            </a:r>
-            <a:r>
-              <a:rPr lang="en-US" sz="1100" dirty="0" smtClean="0">
-                <a:solidFill>
-                  <a:schemeClr val="tx1"/>
-                </a:solidFill>
-                <a:latin typeface="Courier New" pitchFamily="49" charset="0"/>
-                <a:cs typeface="Courier New" pitchFamily="49" charset="0"/>
-              </a:rPr>
-              <a:t> name=“</a:t>
-            </a:r>
-            <a:r>
-              <a:rPr lang="en-US" sz="1100" dirty="0" err="1" smtClean="0">
-                <a:solidFill>
-                  <a:schemeClr val="tx1"/>
-                </a:solidFill>
-                <a:latin typeface="Courier New" pitchFamily="49" charset="0"/>
-                <a:cs typeface="Courier New" pitchFamily="49" charset="0"/>
-              </a:rPr>
-              <a:t>dbxrefs</a:t>
-            </a:r>
-            <a:r>
-              <a:rPr lang="en-US" sz="1100" dirty="0" smtClean="0">
-                <a:solidFill>
-                  <a:schemeClr val="tx1"/>
-                </a:solidFill>
-                <a:latin typeface="Courier New" pitchFamily="49" charset="0"/>
-                <a:cs typeface="Courier New" pitchFamily="49" charset="0"/>
-              </a:rPr>
-              <a:t>”&gt;</a:t>
-            </a:r>
-          </a:p>
-          <a:p>
-            <a:r>
-              <a:rPr lang="en-US" sz="1100" dirty="0" smtClean="0">
-                <a:solidFill>
-                  <a:schemeClr val="tx1"/>
-                </a:solidFill>
-                <a:latin typeface="Courier New" pitchFamily="49" charset="0"/>
-                <a:cs typeface="Courier New" pitchFamily="49" charset="0"/>
-              </a:rPr>
-              <a:t> </a:t>
-            </a:r>
-            <a:r>
-              <a:rPr lang="en-US" sz="1100" dirty="0" smtClean="0">
-                <a:solidFill>
-                  <a:schemeClr val="tx1"/>
-                </a:solidFill>
-                <a:latin typeface="Courier New" pitchFamily="49" charset="0"/>
-                <a:cs typeface="Courier New" pitchFamily="49" charset="0"/>
-              </a:rPr>
-              <a:t> &lt;</a:t>
-            </a:r>
-            <a:r>
-              <a:rPr lang="en-US" sz="1100" dirty="0" smtClean="0">
-                <a:solidFill>
-                  <a:schemeClr val="tx1"/>
-                </a:solidFill>
-                <a:latin typeface="Courier New" pitchFamily="49" charset="0"/>
-                <a:cs typeface="Courier New" pitchFamily="49" charset="0"/>
-              </a:rPr>
-              <a:t>prop name</a:t>
-            </a:r>
-            <a:r>
-              <a:rPr lang="en-US" sz="1100" dirty="0" smtClean="0">
-                <a:solidFill>
-                  <a:schemeClr val="tx1"/>
-                </a:solidFill>
-                <a:latin typeface="Courier New" pitchFamily="49" charset="0"/>
-                <a:cs typeface="Courier New" pitchFamily="49" charset="0"/>
-              </a:rPr>
-              <a:t>=“</a:t>
-            </a:r>
-            <a:r>
-              <a:rPr lang="en-US" sz="1100" dirty="0" err="1" smtClean="0">
-                <a:solidFill>
-                  <a:schemeClr val="tx1"/>
-                </a:solidFill>
-                <a:latin typeface="Courier New" pitchFamily="49" charset="0"/>
-                <a:cs typeface="Courier New" pitchFamily="49" charset="0"/>
-              </a:rPr>
-              <a:t>orgAbbrev</a:t>
-            </a:r>
-            <a:r>
-              <a:rPr lang="en-US" sz="1100" dirty="0" smtClean="0">
-                <a:solidFill>
-                  <a:schemeClr val="tx1"/>
-                </a:solidFill>
-                <a:latin typeface="Courier New" pitchFamily="49" charset="0"/>
-                <a:cs typeface="Courier New" pitchFamily="49" charset="0"/>
-              </a:rPr>
-              <a:t>”/&gt;</a:t>
-            </a:r>
-          </a:p>
-          <a:p>
-            <a:r>
-              <a:rPr lang="en-US" sz="1100" dirty="0" smtClean="0">
-                <a:solidFill>
-                  <a:schemeClr val="tx1"/>
-                </a:solidFill>
-                <a:latin typeface="Courier New" pitchFamily="49" charset="0"/>
-                <a:cs typeface="Courier New" pitchFamily="49" charset="0"/>
-              </a:rPr>
-              <a:t> </a:t>
-            </a:r>
-            <a:r>
-              <a:rPr lang="en-US" sz="1100" dirty="0" smtClean="0">
-                <a:solidFill>
-                  <a:schemeClr val="tx1"/>
-                </a:solidFill>
-                <a:latin typeface="Courier New" pitchFamily="49" charset="0"/>
-                <a:cs typeface="Courier New" pitchFamily="49" charset="0"/>
-              </a:rPr>
-              <a:t> &lt;prop name=“name”/&gt;</a:t>
-            </a:r>
-          </a:p>
-          <a:p>
-            <a:r>
-              <a:rPr lang="en-US" sz="1100" dirty="0" smtClean="0">
-                <a:solidFill>
-                  <a:schemeClr val="tx1"/>
-                </a:solidFill>
-                <a:latin typeface="Courier New" pitchFamily="49" charset="0"/>
-                <a:cs typeface="Courier New" pitchFamily="49" charset="0"/>
-              </a:rPr>
-              <a:t> </a:t>
-            </a:r>
-            <a:r>
-              <a:rPr lang="en-US" sz="1100" dirty="0" smtClean="0">
-                <a:solidFill>
-                  <a:schemeClr val="tx1"/>
-                </a:solidFill>
-                <a:latin typeface="Courier New" pitchFamily="49" charset="0"/>
-                <a:cs typeface="Courier New" pitchFamily="49" charset="0"/>
-              </a:rPr>
-              <a:t> &lt;prop name=“version”/&gt;</a:t>
-            </a:r>
-          </a:p>
-          <a:p>
-            <a:r>
-              <a:rPr lang="en-US" sz="1100" dirty="0" smtClean="0">
-                <a:solidFill>
-                  <a:schemeClr val="tx1"/>
-                </a:solidFill>
-                <a:latin typeface="Courier New" pitchFamily="49" charset="0"/>
-                <a:cs typeface="Courier New" pitchFamily="49" charset="0"/>
-              </a:rPr>
-              <a:t> </a:t>
-            </a:r>
-            <a:r>
-              <a:rPr lang="en-US" sz="1100" dirty="0" smtClean="0">
-                <a:solidFill>
-                  <a:schemeClr val="tx1"/>
-                </a:solidFill>
-                <a:latin typeface="Courier New" pitchFamily="49" charset="0"/>
-                <a:cs typeface="Courier New" pitchFamily="49" charset="0"/>
-              </a:rPr>
-              <a:t> &lt;</a:t>
-            </a:r>
-            <a:r>
-              <a:rPr lang="en-US" sz="1100" dirty="0" err="1" smtClean="0">
-                <a:solidFill>
-                  <a:schemeClr val="tx1"/>
-                </a:solidFill>
-                <a:latin typeface="Courier New" pitchFamily="49" charset="0"/>
-                <a:cs typeface="Courier New" pitchFamily="49" charset="0"/>
-              </a:rPr>
-              <a:t>graphPlanFile</a:t>
-            </a:r>
-            <a:r>
-              <a:rPr lang="en-US" sz="1100" dirty="0" smtClean="0">
-                <a:solidFill>
-                  <a:schemeClr val="tx1"/>
-                </a:solidFill>
-                <a:latin typeface="Courier New" pitchFamily="49" charset="0"/>
-                <a:cs typeface="Courier New" pitchFamily="49" charset="0"/>
-              </a:rPr>
-              <a:t> </a:t>
-            </a:r>
-            <a:r>
-              <a:rPr lang="en-US" sz="1100" dirty="0" smtClean="0">
-                <a:solidFill>
-                  <a:schemeClr val="tx1"/>
-                </a:solidFill>
-                <a:latin typeface="Courier New" pitchFamily="49" charset="0"/>
-                <a:cs typeface="Courier New" pitchFamily="49" charset="0"/>
-              </a:rPr>
-              <a:t>n</a:t>
-            </a:r>
-            <a:r>
-              <a:rPr lang="en-US" sz="1100" dirty="0" smtClean="0">
-                <a:solidFill>
-                  <a:schemeClr val="tx1"/>
-                </a:solidFill>
-                <a:latin typeface="Courier New" pitchFamily="49" charset="0"/>
-                <a:cs typeface="Courier New" pitchFamily="49" charset="0"/>
-              </a:rPr>
-              <a:t>ame=“dbXRefs.xml”/&gt;</a:t>
-            </a:r>
-          </a:p>
-          <a:p>
-            <a:r>
-              <a:rPr lang="en-US" sz="1100" dirty="0" smtClean="0">
-                <a:solidFill>
-                  <a:schemeClr val="tx1"/>
-                </a:solidFill>
-                <a:latin typeface="Courier New" pitchFamily="49" charset="0"/>
-                <a:cs typeface="Courier New" pitchFamily="49" charset="0"/>
-              </a:rPr>
-              <a:t> </a:t>
-            </a:r>
-            <a:r>
-              <a:rPr lang="en-US" sz="1100" dirty="0" smtClean="0">
-                <a:solidFill>
-                  <a:schemeClr val="tx1"/>
-                </a:solidFill>
-                <a:latin typeface="Courier New" pitchFamily="49" charset="0"/>
-                <a:cs typeface="Courier New" pitchFamily="49" charset="0"/>
-              </a:rPr>
-              <a:t> &lt;resource name=“${</a:t>
-            </a:r>
-            <a:r>
-              <a:rPr lang="en-US" sz="1100" dirty="0" err="1" smtClean="0">
-                <a:solidFill>
-                  <a:schemeClr val="tx1"/>
-                </a:solidFill>
-                <a:latin typeface="Courier New" pitchFamily="49" charset="0"/>
-                <a:cs typeface="Courier New" pitchFamily="49" charset="0"/>
-              </a:rPr>
-              <a:t>orgAbbrev</a:t>
-            </a:r>
-            <a:r>
-              <a:rPr lang="en-US" sz="1100" dirty="0" smtClean="0">
-                <a:solidFill>
-                  <a:schemeClr val="tx1"/>
-                </a:solidFill>
-                <a:latin typeface="Courier New" pitchFamily="49" charset="0"/>
-                <a:cs typeface="Courier New" pitchFamily="49" charset="0"/>
-              </a:rPr>
-              <a:t>}_${name}_</a:t>
-            </a:r>
-            <a:r>
-              <a:rPr lang="en-US" sz="1100" dirty="0" err="1" smtClean="0">
-                <a:solidFill>
-                  <a:schemeClr val="tx1"/>
-                </a:solidFill>
-                <a:latin typeface="Courier New" pitchFamily="49" charset="0"/>
-                <a:cs typeface="Courier New" pitchFamily="49" charset="0"/>
-              </a:rPr>
-              <a:t>dbxrefs</a:t>
-            </a:r>
-            <a:r>
-              <a:rPr lang="en-US" sz="1100" dirty="0" smtClean="0">
-                <a:solidFill>
-                  <a:schemeClr val="tx1"/>
-                </a:solidFill>
-                <a:latin typeface="Courier New" pitchFamily="49" charset="0"/>
-                <a:cs typeface="Courier New" pitchFamily="49" charset="0"/>
-              </a:rPr>
-              <a:t>”&gt;</a:t>
-            </a:r>
-          </a:p>
-          <a:p>
-            <a:r>
-              <a:rPr lang="en-US" sz="1100" dirty="0" smtClean="0">
-                <a:solidFill>
-                  <a:schemeClr val="tx1"/>
-                </a:solidFill>
-                <a:latin typeface="Courier New" pitchFamily="49" charset="0"/>
-                <a:cs typeface="Courier New" pitchFamily="49" charset="0"/>
-              </a:rPr>
-              <a:t> </a:t>
-            </a:r>
-            <a:r>
-              <a:rPr lang="en-US" sz="1100" dirty="0" smtClean="0">
-                <a:solidFill>
-                  <a:schemeClr val="tx1"/>
-                </a:solidFill>
-                <a:latin typeface="Courier New" pitchFamily="49" charset="0"/>
-                <a:cs typeface="Courier New" pitchFamily="49" charset="0"/>
-              </a:rPr>
-              <a:t>   &lt;</a:t>
-            </a:r>
-            <a:r>
-              <a:rPr lang="en-US" sz="1100" dirty="0" err="1" smtClean="0">
-                <a:solidFill>
-                  <a:schemeClr val="tx1"/>
-                </a:solidFill>
-                <a:latin typeface="Courier New" pitchFamily="49" charset="0"/>
-                <a:cs typeface="Courier New" pitchFamily="49" charset="0"/>
-              </a:rPr>
-              <a:t>manualGet</a:t>
-            </a:r>
-            <a:r>
-              <a:rPr lang="en-US" sz="1100" dirty="0" smtClean="0">
-                <a:solidFill>
-                  <a:schemeClr val="tx1"/>
-                </a:solidFill>
-                <a:latin typeface="Courier New" pitchFamily="49" charset="0"/>
-                <a:cs typeface="Courier New" pitchFamily="49" charset="0"/>
-              </a:rPr>
-              <a:t>/&gt;</a:t>
-            </a:r>
-          </a:p>
-          <a:p>
-            <a:r>
-              <a:rPr lang="en-US" sz="1100" dirty="0" smtClean="0">
-                <a:solidFill>
-                  <a:schemeClr val="tx1"/>
-                </a:solidFill>
-                <a:latin typeface="Courier New" pitchFamily="49" charset="0"/>
-                <a:cs typeface="Courier New" pitchFamily="49" charset="0"/>
-              </a:rPr>
-              <a:t> </a:t>
-            </a:r>
-            <a:r>
-              <a:rPr lang="en-US" sz="1100" dirty="0" smtClean="0">
-                <a:solidFill>
-                  <a:schemeClr val="tx1"/>
-                </a:solidFill>
-                <a:latin typeface="Courier New" pitchFamily="49" charset="0"/>
-                <a:cs typeface="Courier New" pitchFamily="49" charset="0"/>
-              </a:rPr>
-              <a:t>    …</a:t>
-            </a:r>
-          </a:p>
-          <a:p>
-            <a:r>
-              <a:rPr lang="en-US" sz="1100" dirty="0" smtClean="0">
-                <a:solidFill>
-                  <a:schemeClr val="tx1"/>
-                </a:solidFill>
-                <a:latin typeface="Courier New" pitchFamily="49" charset="0"/>
-                <a:cs typeface="Courier New" pitchFamily="49" charset="0"/>
-              </a:rPr>
-              <a:t> </a:t>
-            </a:r>
-            <a:r>
-              <a:rPr lang="en-US" sz="1100" dirty="0" smtClean="0">
-                <a:solidFill>
-                  <a:schemeClr val="tx1"/>
-                </a:solidFill>
-                <a:latin typeface="Courier New" pitchFamily="49" charset="0"/>
-                <a:cs typeface="Courier New" pitchFamily="49" charset="0"/>
-              </a:rPr>
-              <a:t> &lt;/resource&gt;</a:t>
-            </a:r>
-          </a:p>
-          <a:p>
-            <a:r>
-              <a:rPr lang="en-US" sz="1100" dirty="0" smtClean="0">
-                <a:solidFill>
-                  <a:schemeClr val="tx1"/>
-                </a:solidFill>
-                <a:latin typeface="Courier New" pitchFamily="49" charset="0"/>
-                <a:cs typeface="Courier New" pitchFamily="49" charset="0"/>
-              </a:rPr>
-              <a:t>&lt;/</a:t>
-            </a:r>
-            <a:r>
-              <a:rPr lang="en-US" sz="1100" dirty="0" err="1" smtClean="0">
-                <a:solidFill>
-                  <a:schemeClr val="tx1"/>
-                </a:solidFill>
-                <a:latin typeface="Courier New" pitchFamily="49" charset="0"/>
-                <a:cs typeface="Courier New" pitchFamily="49" charset="0"/>
-              </a:rPr>
-              <a:t>datasetClass</a:t>
-            </a:r>
-            <a:r>
-              <a:rPr lang="en-US" sz="1100" dirty="0" smtClean="0">
-                <a:solidFill>
-                  <a:schemeClr val="tx1"/>
-                </a:solidFill>
-                <a:latin typeface="Courier New" pitchFamily="49" charset="0"/>
-                <a:cs typeface="Courier New" pitchFamily="49" charset="0"/>
-              </a:rPr>
-              <a:t>&gt;</a:t>
-            </a:r>
-            <a:endParaRPr lang="en-US" sz="1100" dirty="0">
-              <a:solidFill>
-                <a:schemeClr val="tx1"/>
-              </a:solidFill>
-              <a:latin typeface="Courier New" pitchFamily="49" charset="0"/>
-              <a:cs typeface="Courier New" pitchFamily="49" charset="0"/>
-            </a:endParaRPr>
-          </a:p>
-        </p:txBody>
-      </p:sp>
-      <p:sp>
-        <p:nvSpPr>
-          <p:cNvPr id="5" name="Rectangle 4"/>
-          <p:cNvSpPr/>
-          <p:nvPr/>
-        </p:nvSpPr>
-        <p:spPr>
-          <a:xfrm>
-            <a:off x="2514600" y="152400"/>
-            <a:ext cx="4038600" cy="990600"/>
-          </a:xfrm>
-          <a:prstGeom prst="rect">
-            <a:avLst/>
-          </a:prstGeom>
-          <a:solidFill>
-            <a:schemeClr val="bg2"/>
-          </a:solidFill>
-        </p:spPr>
-        <p:style>
-          <a:lnRef idx="2">
-            <a:schemeClr val="accent1">
-              <a:shade val="50000"/>
-            </a:schemeClr>
-          </a:lnRef>
-          <a:fillRef idx="1">
-            <a:schemeClr val="accent1"/>
-          </a:fillRef>
-          <a:effectRef idx="0">
-            <a:schemeClr val="accent1"/>
-          </a:effectRef>
-          <a:fontRef idx="minor">
-            <a:schemeClr val="lt1"/>
-          </a:fontRef>
-        </p:style>
-        <p:txBody>
-          <a:bodyPr rtlCol="0" anchor="ctr"/>
-          <a:lstStyle/>
-          <a:p>
-            <a:r>
-              <a:rPr lang="en-US" sz="1100" dirty="0" smtClean="0">
-                <a:solidFill>
-                  <a:schemeClr val="tx1"/>
-                </a:solidFill>
-                <a:latin typeface="Courier New" pitchFamily="49" charset="0"/>
-                <a:cs typeface="Courier New" pitchFamily="49" charset="0"/>
-              </a:rPr>
-              <a:t>&lt;dataset class=“</a:t>
-            </a:r>
-            <a:r>
-              <a:rPr lang="en-US" sz="1100" dirty="0" err="1" smtClean="0">
-                <a:solidFill>
-                  <a:schemeClr val="tx1"/>
-                </a:solidFill>
-                <a:latin typeface="Courier New" pitchFamily="49" charset="0"/>
-                <a:cs typeface="Courier New" pitchFamily="49" charset="0"/>
-              </a:rPr>
-              <a:t>dbxrefs</a:t>
-            </a:r>
-            <a:r>
-              <a:rPr lang="en-US" sz="1100" dirty="0" smtClean="0">
-                <a:solidFill>
-                  <a:schemeClr val="tx1"/>
-                </a:solidFill>
-                <a:latin typeface="Courier New" pitchFamily="49" charset="0"/>
-                <a:cs typeface="Courier New" pitchFamily="49" charset="0"/>
-              </a:rPr>
-              <a:t>”&gt;</a:t>
-            </a:r>
-          </a:p>
-          <a:p>
-            <a:r>
-              <a:rPr lang="en-US" sz="1100" dirty="0" smtClean="0">
-                <a:solidFill>
-                  <a:schemeClr val="tx1"/>
-                </a:solidFill>
-                <a:latin typeface="Courier New" pitchFamily="49" charset="0"/>
-                <a:cs typeface="Courier New" pitchFamily="49" charset="0"/>
-              </a:rPr>
-              <a:t> </a:t>
-            </a:r>
-            <a:r>
-              <a:rPr lang="en-US" sz="1100" dirty="0" smtClean="0">
-                <a:solidFill>
-                  <a:schemeClr val="tx1"/>
-                </a:solidFill>
-                <a:latin typeface="Courier New" pitchFamily="49" charset="0"/>
-                <a:cs typeface="Courier New" pitchFamily="49" charset="0"/>
-              </a:rPr>
-              <a:t> &lt;prop name=“</a:t>
-            </a:r>
-            <a:r>
-              <a:rPr lang="en-US" sz="1100" dirty="0" err="1" smtClean="0">
-                <a:solidFill>
-                  <a:schemeClr val="tx1"/>
-                </a:solidFill>
-                <a:latin typeface="Courier New" pitchFamily="49" charset="0"/>
-                <a:cs typeface="Courier New" pitchFamily="49" charset="0"/>
-              </a:rPr>
-              <a:t>orgAbbrev</a:t>
-            </a:r>
-            <a:r>
-              <a:rPr lang="en-US" sz="1100" dirty="0" smtClean="0">
-                <a:solidFill>
-                  <a:schemeClr val="tx1"/>
-                </a:solidFill>
-                <a:latin typeface="Courier New" pitchFamily="49" charset="0"/>
-                <a:cs typeface="Courier New" pitchFamily="49" charset="0"/>
-              </a:rPr>
-              <a:t>”&gt;</a:t>
-            </a:r>
-            <a:r>
-              <a:rPr lang="en-US" sz="1100" dirty="0" err="1" smtClean="0">
-                <a:solidFill>
-                  <a:schemeClr val="tx1"/>
-                </a:solidFill>
-                <a:latin typeface="Courier New" pitchFamily="49" charset="0"/>
-                <a:cs typeface="Courier New" pitchFamily="49" charset="0"/>
-              </a:rPr>
-              <a:t>myOrg</a:t>
-            </a:r>
-            <a:r>
-              <a:rPr lang="en-US" sz="1100" dirty="0" smtClean="0">
-                <a:solidFill>
-                  <a:schemeClr val="tx1"/>
-                </a:solidFill>
-                <a:latin typeface="Courier New" pitchFamily="49" charset="0"/>
-                <a:cs typeface="Courier New" pitchFamily="49" charset="0"/>
-              </a:rPr>
-              <a:t>&lt;/prop&gt;</a:t>
-            </a:r>
-          </a:p>
-          <a:p>
-            <a:r>
-              <a:rPr lang="en-US" sz="1100" dirty="0" smtClean="0">
-                <a:solidFill>
-                  <a:schemeClr val="tx1"/>
-                </a:solidFill>
-                <a:latin typeface="Courier New" pitchFamily="49" charset="0"/>
-                <a:cs typeface="Courier New" pitchFamily="49" charset="0"/>
-              </a:rPr>
-              <a:t>  &lt;prop name=“name”&gt;</a:t>
-            </a:r>
-            <a:r>
-              <a:rPr lang="en-US" sz="1100" dirty="0" err="1" smtClean="0">
-                <a:solidFill>
-                  <a:schemeClr val="tx1"/>
-                </a:solidFill>
-                <a:latin typeface="Courier New" pitchFamily="49" charset="0"/>
-                <a:cs typeface="Courier New" pitchFamily="49" charset="0"/>
-              </a:rPr>
-              <a:t>uniprot</a:t>
-            </a:r>
-            <a:r>
-              <a:rPr lang="en-US" sz="1100" dirty="0" smtClean="0">
-                <a:solidFill>
-                  <a:schemeClr val="tx1"/>
-                </a:solidFill>
-                <a:latin typeface="Courier New" pitchFamily="49" charset="0"/>
-                <a:cs typeface="Courier New" pitchFamily="49" charset="0"/>
-              </a:rPr>
-              <a:t>&lt;/prop&gt;</a:t>
-            </a:r>
-          </a:p>
-          <a:p>
-            <a:r>
-              <a:rPr lang="en-US" sz="1100" dirty="0" smtClean="0">
-                <a:solidFill>
-                  <a:schemeClr val="tx1"/>
-                </a:solidFill>
-                <a:latin typeface="Courier New" pitchFamily="49" charset="0"/>
-                <a:cs typeface="Courier New" pitchFamily="49" charset="0"/>
-              </a:rPr>
-              <a:t> </a:t>
-            </a:r>
-            <a:r>
-              <a:rPr lang="en-US" sz="1100" dirty="0" smtClean="0">
-                <a:solidFill>
-                  <a:schemeClr val="tx1"/>
-                </a:solidFill>
-                <a:latin typeface="Courier New" pitchFamily="49" charset="0"/>
-                <a:cs typeface="Courier New" pitchFamily="49" charset="0"/>
-              </a:rPr>
-              <a:t> &lt;</a:t>
-            </a:r>
-            <a:r>
-              <a:rPr lang="en-US" sz="1100" dirty="0" smtClean="0">
-                <a:solidFill>
-                  <a:schemeClr val="tx1"/>
-                </a:solidFill>
-                <a:latin typeface="Courier New" pitchFamily="49" charset="0"/>
-                <a:cs typeface="Courier New" pitchFamily="49" charset="0"/>
-              </a:rPr>
-              <a:t>prop name</a:t>
-            </a:r>
-            <a:r>
-              <a:rPr lang="en-US" sz="1100" dirty="0" smtClean="0">
-                <a:solidFill>
-                  <a:schemeClr val="tx1"/>
-                </a:solidFill>
-                <a:latin typeface="Courier New" pitchFamily="49" charset="0"/>
-                <a:cs typeface="Courier New" pitchFamily="49" charset="0"/>
-              </a:rPr>
-              <a:t>=“version”&gt;2.0&lt;/</a:t>
-            </a:r>
-            <a:r>
-              <a:rPr lang="en-US" sz="1100" dirty="0" smtClean="0">
-                <a:solidFill>
-                  <a:schemeClr val="tx1"/>
-                </a:solidFill>
-                <a:latin typeface="Courier New" pitchFamily="49" charset="0"/>
-                <a:cs typeface="Courier New" pitchFamily="49" charset="0"/>
-              </a:rPr>
-              <a:t>prop&gt;</a:t>
-            </a:r>
-            <a:endParaRPr lang="en-US" sz="1100" dirty="0" smtClean="0">
-              <a:solidFill>
-                <a:schemeClr val="tx1"/>
-              </a:solidFill>
-              <a:latin typeface="Courier New" pitchFamily="49" charset="0"/>
-              <a:cs typeface="Courier New" pitchFamily="49" charset="0"/>
-            </a:endParaRPr>
-          </a:p>
-          <a:p>
-            <a:r>
-              <a:rPr lang="en-US" sz="1100" dirty="0" smtClean="0">
-                <a:solidFill>
-                  <a:schemeClr val="tx1"/>
-                </a:solidFill>
-                <a:latin typeface="Courier New" pitchFamily="49" charset="0"/>
-                <a:cs typeface="Courier New" pitchFamily="49" charset="0"/>
-              </a:rPr>
-              <a:t>&lt;/dataset&gt;</a:t>
-            </a:r>
-          </a:p>
-        </p:txBody>
-      </p:sp>
-      <p:sp>
-        <p:nvSpPr>
-          <p:cNvPr id="6" name="Rectangle 5"/>
-          <p:cNvSpPr/>
-          <p:nvPr/>
-        </p:nvSpPr>
-        <p:spPr>
-          <a:xfrm>
-            <a:off x="152400" y="4724399"/>
-            <a:ext cx="3657600" cy="1447800"/>
-          </a:xfrm>
-          <a:prstGeom prst="rect">
-            <a:avLst/>
-          </a:prstGeom>
-          <a:solidFill>
-            <a:schemeClr val="bg2"/>
-          </a:solidFill>
-        </p:spPr>
-        <p:style>
-          <a:lnRef idx="2">
-            <a:schemeClr val="accent1">
-              <a:shade val="50000"/>
-            </a:schemeClr>
-          </a:lnRef>
-          <a:fillRef idx="1">
-            <a:schemeClr val="accent1"/>
-          </a:fillRef>
-          <a:effectRef idx="0">
-            <a:schemeClr val="accent1"/>
-          </a:effectRef>
-          <a:fontRef idx="minor">
-            <a:schemeClr val="lt1"/>
-          </a:fontRef>
-        </p:style>
-        <p:txBody>
-          <a:bodyPr rtlCol="0" anchor="ctr"/>
-          <a:lstStyle/>
-          <a:p>
-            <a:r>
-              <a:rPr lang="en-US" sz="1100" dirty="0" smtClean="0">
-                <a:solidFill>
-                  <a:schemeClr val="tx1"/>
-                </a:solidFill>
-                <a:latin typeface="Courier New" pitchFamily="49" charset="0"/>
-                <a:cs typeface="Courier New" pitchFamily="49" charset="0"/>
-              </a:rPr>
-              <a:t>&lt;resources&gt;</a:t>
-            </a:r>
-          </a:p>
-          <a:p>
-            <a:r>
-              <a:rPr lang="en-US" sz="1100" dirty="0" smtClean="0">
-                <a:solidFill>
-                  <a:schemeClr val="tx1"/>
-                </a:solidFill>
-                <a:latin typeface="Courier New" pitchFamily="49" charset="0"/>
-                <a:cs typeface="Courier New" pitchFamily="49" charset="0"/>
-              </a:rPr>
-              <a:t>  &lt;resource name=“</a:t>
-            </a:r>
-            <a:r>
-              <a:rPr lang="en-US" sz="1100" dirty="0" err="1" smtClean="0">
-                <a:solidFill>
-                  <a:schemeClr val="tx1"/>
-                </a:solidFill>
-                <a:latin typeface="Courier New" pitchFamily="49" charset="0"/>
-                <a:cs typeface="Courier New" pitchFamily="49" charset="0"/>
-              </a:rPr>
-              <a:t>myOrg_uniprot_dbxrefs</a:t>
-            </a:r>
-            <a:r>
-              <a:rPr lang="en-US" sz="1100" dirty="0" smtClean="0">
-                <a:solidFill>
-                  <a:schemeClr val="tx1"/>
-                </a:solidFill>
-                <a:latin typeface="Courier New" pitchFamily="49" charset="0"/>
-                <a:cs typeface="Courier New" pitchFamily="49" charset="0"/>
-              </a:rPr>
-              <a:t>”&gt;</a:t>
-            </a:r>
-          </a:p>
-          <a:p>
-            <a:r>
-              <a:rPr lang="en-US" sz="1100" dirty="0" smtClean="0">
-                <a:solidFill>
-                  <a:schemeClr val="tx1"/>
-                </a:solidFill>
-                <a:latin typeface="Courier New" pitchFamily="49" charset="0"/>
-                <a:cs typeface="Courier New" pitchFamily="49" charset="0"/>
-              </a:rPr>
-              <a:t>   …</a:t>
-            </a:r>
-          </a:p>
-          <a:p>
-            <a:r>
-              <a:rPr lang="en-US" sz="1100" dirty="0" smtClean="0">
-                <a:solidFill>
-                  <a:schemeClr val="tx1"/>
-                </a:solidFill>
-                <a:latin typeface="Courier New" pitchFamily="49" charset="0"/>
-                <a:cs typeface="Courier New" pitchFamily="49" charset="0"/>
-              </a:rPr>
-              <a:t>  &lt;/resource&gt;</a:t>
-            </a:r>
-          </a:p>
-          <a:p>
-            <a:r>
-              <a:rPr lang="en-US" sz="1100" dirty="0" smtClean="0">
-                <a:solidFill>
-                  <a:schemeClr val="tx1"/>
-                </a:solidFill>
-                <a:latin typeface="Courier New" pitchFamily="49" charset="0"/>
-                <a:cs typeface="Courier New" pitchFamily="49" charset="0"/>
-              </a:rPr>
-              <a:t> </a:t>
-            </a:r>
-            <a:r>
-              <a:rPr lang="en-US" sz="1100" dirty="0" smtClean="0">
-                <a:solidFill>
-                  <a:schemeClr val="tx1"/>
-                </a:solidFill>
-                <a:latin typeface="Courier New" pitchFamily="49" charset="0"/>
-                <a:cs typeface="Courier New" pitchFamily="49" charset="0"/>
-              </a:rPr>
-              <a:t> …</a:t>
-            </a:r>
-          </a:p>
-          <a:p>
-            <a:r>
-              <a:rPr lang="en-US" sz="1100" dirty="0" smtClean="0">
-                <a:solidFill>
-                  <a:schemeClr val="tx1"/>
-                </a:solidFill>
-                <a:latin typeface="Courier New" pitchFamily="49" charset="0"/>
-                <a:cs typeface="Courier New" pitchFamily="49" charset="0"/>
-              </a:rPr>
-              <a:t>&lt;resource&gt;</a:t>
-            </a:r>
-            <a:endParaRPr lang="en-US" sz="1100" dirty="0">
-              <a:solidFill>
-                <a:schemeClr val="tx1"/>
-              </a:solidFill>
-              <a:latin typeface="Courier New" pitchFamily="49" charset="0"/>
-              <a:cs typeface="Courier New" pitchFamily="49" charset="0"/>
-            </a:endParaRPr>
-          </a:p>
-        </p:txBody>
-      </p:sp>
-      <p:sp>
-        <p:nvSpPr>
-          <p:cNvPr id="7" name="Rectangle 6"/>
-          <p:cNvSpPr/>
-          <p:nvPr/>
-        </p:nvSpPr>
-        <p:spPr>
-          <a:xfrm>
-            <a:off x="4648200" y="1828800"/>
-            <a:ext cx="4267200" cy="1905000"/>
-          </a:xfrm>
-          <a:prstGeom prst="rect">
-            <a:avLst/>
-          </a:prstGeom>
-          <a:solidFill>
-            <a:schemeClr val="bg2"/>
-          </a:solidFill>
-        </p:spPr>
-        <p:style>
-          <a:lnRef idx="2">
-            <a:schemeClr val="accent1">
-              <a:shade val="50000"/>
-            </a:schemeClr>
-          </a:lnRef>
-          <a:fillRef idx="1">
-            <a:schemeClr val="accent1"/>
-          </a:fillRef>
-          <a:effectRef idx="0">
-            <a:schemeClr val="accent1"/>
-          </a:effectRef>
-          <a:fontRef idx="minor">
-            <a:schemeClr val="lt1"/>
-          </a:fontRef>
-        </p:style>
-        <p:txBody>
-          <a:bodyPr lIns="0" rIns="0" rtlCol="0" anchor="ctr"/>
-          <a:lstStyle/>
-          <a:p>
-            <a:r>
-              <a:rPr lang="en-US" sz="1100" dirty="0" smtClean="0">
-                <a:solidFill>
-                  <a:schemeClr val="tx1"/>
-                </a:solidFill>
-                <a:latin typeface="Courier New" pitchFamily="49" charset="0"/>
-                <a:cs typeface="Courier New" pitchFamily="49" charset="0"/>
-              </a:rPr>
-              <a:t>&lt;workflow&gt;</a:t>
-            </a:r>
-          </a:p>
-          <a:p>
-            <a:r>
-              <a:rPr lang="en-US" sz="1100" dirty="0" smtClean="0">
-                <a:solidFill>
-                  <a:schemeClr val="tx1"/>
-                </a:solidFill>
-                <a:latin typeface="Courier New" pitchFamily="49" charset="0"/>
-                <a:cs typeface="Courier New" pitchFamily="49" charset="0"/>
-              </a:rPr>
-              <a:t> </a:t>
-            </a:r>
-            <a:r>
-              <a:rPr lang="en-US" sz="1100" dirty="0" smtClean="0">
-                <a:solidFill>
-                  <a:schemeClr val="tx1"/>
-                </a:solidFill>
-                <a:latin typeface="Courier New" pitchFamily="49" charset="0"/>
-                <a:cs typeface="Courier New" pitchFamily="49" charset="0"/>
-              </a:rPr>
-              <a:t> &lt;</a:t>
-            </a:r>
-            <a:r>
-              <a:rPr lang="en-US" sz="1100" dirty="0" err="1" smtClean="0">
-                <a:solidFill>
-                  <a:schemeClr val="tx1"/>
-                </a:solidFill>
-                <a:latin typeface="Courier New" pitchFamily="49" charset="0"/>
-                <a:cs typeface="Courier New" pitchFamily="49" charset="0"/>
-              </a:rPr>
-              <a:t>datasetTemplate</a:t>
-            </a:r>
-            <a:r>
-              <a:rPr lang="en-US" sz="1100" dirty="0" smtClean="0">
-                <a:solidFill>
-                  <a:schemeClr val="tx1"/>
-                </a:solidFill>
-                <a:latin typeface="Courier New" pitchFamily="49" charset="0"/>
-                <a:cs typeface="Courier New" pitchFamily="49" charset="0"/>
-              </a:rPr>
-              <a:t> </a:t>
-            </a:r>
-            <a:r>
-              <a:rPr lang="en-US" sz="1100" dirty="0" smtClean="0">
-                <a:solidFill>
-                  <a:schemeClr val="tx1"/>
-                </a:solidFill>
-                <a:latin typeface="Courier New" pitchFamily="49" charset="0"/>
-                <a:cs typeface="Courier New" pitchFamily="49" charset="0"/>
-              </a:rPr>
-              <a:t>class=“</a:t>
-            </a:r>
-            <a:r>
-              <a:rPr lang="en-US" sz="1100" dirty="0" err="1" smtClean="0">
-                <a:solidFill>
-                  <a:schemeClr val="tx1"/>
-                </a:solidFill>
-                <a:latin typeface="Courier New" pitchFamily="49" charset="0"/>
-                <a:cs typeface="Courier New" pitchFamily="49" charset="0"/>
-              </a:rPr>
-              <a:t>dbxrefs</a:t>
-            </a:r>
-            <a:r>
-              <a:rPr lang="en-US" sz="1100" dirty="0" smtClean="0">
-                <a:solidFill>
-                  <a:schemeClr val="tx1"/>
-                </a:solidFill>
-                <a:latin typeface="Courier New" pitchFamily="49" charset="0"/>
-                <a:cs typeface="Courier New" pitchFamily="49" charset="0"/>
-              </a:rPr>
-              <a:t>”&gt;</a:t>
-            </a:r>
-          </a:p>
-          <a:p>
-            <a:r>
-              <a:rPr lang="en-US" sz="1100" dirty="0" smtClean="0">
-                <a:solidFill>
-                  <a:schemeClr val="tx1"/>
-                </a:solidFill>
-                <a:latin typeface="Courier New" pitchFamily="49" charset="0"/>
-                <a:cs typeface="Courier New" pitchFamily="49" charset="0"/>
-              </a:rPr>
-              <a:t> </a:t>
-            </a:r>
-            <a:r>
-              <a:rPr lang="en-US" sz="1100" dirty="0" smtClean="0">
-                <a:solidFill>
-                  <a:schemeClr val="tx1"/>
-                </a:solidFill>
-                <a:latin typeface="Courier New" pitchFamily="49" charset="0"/>
-                <a:cs typeface="Courier New" pitchFamily="49" charset="0"/>
-              </a:rPr>
-              <a:t>   &lt;</a:t>
-            </a:r>
-            <a:r>
-              <a:rPr lang="en-US" sz="1100" dirty="0" smtClean="0">
-                <a:solidFill>
-                  <a:schemeClr val="tx1"/>
-                </a:solidFill>
-                <a:latin typeface="Courier New" pitchFamily="49" charset="0"/>
-                <a:cs typeface="Courier New" pitchFamily="49" charset="0"/>
-              </a:rPr>
-              <a:t>prop name=“</a:t>
-            </a:r>
-            <a:r>
-              <a:rPr lang="en-US" sz="1100" dirty="0" err="1" smtClean="0">
-                <a:solidFill>
-                  <a:schemeClr val="tx1"/>
-                </a:solidFill>
-                <a:latin typeface="Courier New" pitchFamily="49" charset="0"/>
-                <a:cs typeface="Courier New" pitchFamily="49" charset="0"/>
-              </a:rPr>
-              <a:t>orgAbbrev</a:t>
-            </a:r>
-            <a:r>
-              <a:rPr lang="en-US" sz="1100" dirty="0" smtClean="0">
-                <a:solidFill>
-                  <a:schemeClr val="tx1"/>
-                </a:solidFill>
-                <a:latin typeface="Courier New" pitchFamily="49" charset="0"/>
-                <a:cs typeface="Courier New" pitchFamily="49" charset="0"/>
-              </a:rPr>
-              <a:t>”/&gt;</a:t>
-            </a:r>
-          </a:p>
-          <a:p>
-            <a:r>
-              <a:rPr lang="en-US" sz="1100" dirty="0" smtClean="0">
-                <a:solidFill>
-                  <a:schemeClr val="tx1"/>
-                </a:solidFill>
-                <a:latin typeface="Courier New" pitchFamily="49" charset="0"/>
-                <a:cs typeface="Courier New" pitchFamily="49" charset="0"/>
-              </a:rPr>
-              <a:t>   </a:t>
-            </a:r>
-            <a:r>
-              <a:rPr lang="en-US" sz="1100" dirty="0" smtClean="0">
-                <a:solidFill>
-                  <a:schemeClr val="tx1"/>
-                </a:solidFill>
-                <a:latin typeface="Courier New" pitchFamily="49" charset="0"/>
-                <a:cs typeface="Courier New" pitchFamily="49" charset="0"/>
-              </a:rPr>
-              <a:t> &lt;</a:t>
-            </a:r>
-            <a:r>
-              <a:rPr lang="en-US" sz="1100" dirty="0" smtClean="0">
-                <a:solidFill>
-                  <a:schemeClr val="tx1"/>
-                </a:solidFill>
-                <a:latin typeface="Courier New" pitchFamily="49" charset="0"/>
-                <a:cs typeface="Courier New" pitchFamily="49" charset="0"/>
-              </a:rPr>
-              <a:t>prop name=“name”/&gt;</a:t>
-            </a:r>
-            <a:endParaRPr lang="en-US" sz="1100" dirty="0" smtClean="0">
-              <a:solidFill>
-                <a:schemeClr val="tx1"/>
-              </a:solidFill>
-              <a:latin typeface="Courier New" pitchFamily="49" charset="0"/>
-              <a:cs typeface="Courier New" pitchFamily="49" charset="0"/>
-            </a:endParaRPr>
-          </a:p>
-          <a:p>
-            <a:r>
-              <a:rPr lang="en-US" sz="1100" dirty="0" smtClean="0">
-                <a:solidFill>
-                  <a:schemeClr val="tx1"/>
-                </a:solidFill>
-                <a:latin typeface="Courier New" pitchFamily="49" charset="0"/>
-                <a:cs typeface="Courier New" pitchFamily="49" charset="0"/>
-              </a:rPr>
-              <a:t> </a:t>
-            </a:r>
-            <a:r>
-              <a:rPr lang="en-US" sz="1100" dirty="0" smtClean="0">
-                <a:solidFill>
-                  <a:schemeClr val="tx1"/>
-                </a:solidFill>
-                <a:latin typeface="Courier New" pitchFamily="49" charset="0"/>
-                <a:cs typeface="Courier New" pitchFamily="49" charset="0"/>
-              </a:rPr>
-              <a:t>   &lt;</a:t>
-            </a:r>
-            <a:r>
-              <a:rPr lang="en-US" sz="1100" dirty="0" err="1" smtClean="0">
-                <a:solidFill>
-                  <a:schemeClr val="tx1"/>
-                </a:solidFill>
-                <a:latin typeface="Courier New" pitchFamily="49" charset="0"/>
-                <a:cs typeface="Courier New" pitchFamily="49" charset="0"/>
-              </a:rPr>
-              <a:t>subgraph</a:t>
-            </a:r>
-            <a:r>
-              <a:rPr lang="en-US" sz="1100" dirty="0" smtClean="0">
-                <a:solidFill>
-                  <a:schemeClr val="tx1"/>
-                </a:solidFill>
-                <a:latin typeface="Courier New" pitchFamily="49" charset="0"/>
-                <a:cs typeface="Courier New" pitchFamily="49" charset="0"/>
-              </a:rPr>
-              <a:t> </a:t>
-            </a:r>
-            <a:r>
-              <a:rPr lang="en-US" sz="1100" dirty="0" smtClean="0">
-                <a:solidFill>
-                  <a:schemeClr val="tx1"/>
-                </a:solidFill>
-                <a:latin typeface="Courier New" pitchFamily="49" charset="0"/>
-                <a:cs typeface="Courier New" pitchFamily="49" charset="0"/>
-              </a:rPr>
-              <a:t>name</a:t>
-            </a:r>
-            <a:r>
-              <a:rPr lang="en-US" sz="1100" dirty="0" smtClean="0">
-                <a:solidFill>
-                  <a:schemeClr val="tx1"/>
-                </a:solidFill>
-                <a:latin typeface="Courier New" pitchFamily="49" charset="0"/>
-                <a:cs typeface="Courier New" pitchFamily="49" charset="0"/>
-              </a:rPr>
-              <a:t>=“${</a:t>
-            </a:r>
-            <a:r>
-              <a:rPr lang="en-US" sz="1100" dirty="0" err="1" smtClean="0">
-                <a:solidFill>
-                  <a:schemeClr val="tx1"/>
-                </a:solidFill>
-                <a:latin typeface="Courier New" pitchFamily="49" charset="0"/>
-                <a:cs typeface="Courier New" pitchFamily="49" charset="0"/>
-              </a:rPr>
-              <a:t>orgAbbrev</a:t>
-            </a:r>
-            <a:r>
-              <a:rPr lang="en-US" sz="1100" dirty="0" smtClean="0">
-                <a:solidFill>
-                  <a:schemeClr val="tx1"/>
-                </a:solidFill>
-                <a:latin typeface="Courier New" pitchFamily="49" charset="0"/>
-                <a:cs typeface="Courier New" pitchFamily="49" charset="0"/>
-              </a:rPr>
-              <a:t>}_${</a:t>
-            </a:r>
-            <a:r>
-              <a:rPr lang="en-US" sz="1100" dirty="0" smtClean="0">
-                <a:solidFill>
-                  <a:schemeClr val="tx1"/>
-                </a:solidFill>
-                <a:latin typeface="Courier New" pitchFamily="49" charset="0"/>
-                <a:cs typeface="Courier New" pitchFamily="49" charset="0"/>
-              </a:rPr>
-              <a:t>name}_</a:t>
-            </a:r>
-            <a:r>
-              <a:rPr lang="en-US" sz="1100" dirty="0" err="1" smtClean="0">
-                <a:solidFill>
-                  <a:schemeClr val="tx1"/>
-                </a:solidFill>
-                <a:latin typeface="Courier New" pitchFamily="49" charset="0"/>
-                <a:cs typeface="Courier New" pitchFamily="49" charset="0"/>
-              </a:rPr>
-              <a:t>dbxrefs</a:t>
-            </a:r>
-            <a:r>
-              <a:rPr lang="en-US" sz="1100" dirty="0" smtClean="0">
-                <a:solidFill>
-                  <a:schemeClr val="tx1"/>
-                </a:solidFill>
-                <a:latin typeface="Courier New" pitchFamily="49" charset="0"/>
-                <a:cs typeface="Courier New" pitchFamily="49" charset="0"/>
-              </a:rPr>
-              <a:t>”</a:t>
-            </a:r>
-          </a:p>
-          <a:p>
-            <a:r>
-              <a:rPr lang="en-US" sz="1100" dirty="0" smtClean="0">
-                <a:solidFill>
-                  <a:schemeClr val="tx1"/>
-                </a:solidFill>
-                <a:latin typeface="Courier New" pitchFamily="49" charset="0"/>
-                <a:cs typeface="Courier New" pitchFamily="49" charset="0"/>
-              </a:rPr>
-              <a:t> </a:t>
-            </a:r>
-            <a:r>
-              <a:rPr lang="en-US" sz="1100" dirty="0" smtClean="0">
-                <a:solidFill>
-                  <a:schemeClr val="tx1"/>
-                </a:solidFill>
-                <a:latin typeface="Courier New" pitchFamily="49" charset="0"/>
-                <a:cs typeface="Courier New" pitchFamily="49" charset="0"/>
-              </a:rPr>
-              <a:t>             </a:t>
-            </a:r>
-            <a:r>
-              <a:rPr lang="en-US" sz="1100" dirty="0" err="1" smtClean="0">
-                <a:solidFill>
-                  <a:schemeClr val="tx1"/>
-                </a:solidFill>
-                <a:latin typeface="Courier New" pitchFamily="49" charset="0"/>
-                <a:cs typeface="Courier New" pitchFamily="49" charset="0"/>
-              </a:rPr>
-              <a:t>xmlFile</a:t>
-            </a:r>
-            <a:r>
-              <a:rPr lang="en-US" sz="1100" dirty="0" smtClean="0">
-                <a:solidFill>
-                  <a:schemeClr val="tx1"/>
-                </a:solidFill>
-                <a:latin typeface="Courier New" pitchFamily="49" charset="0"/>
-                <a:cs typeface="Courier New" pitchFamily="49" charset="0"/>
-              </a:rPr>
-              <a:t>=“loadResources.xml”</a:t>
-            </a:r>
-            <a:r>
-              <a:rPr lang="en-US" sz="1100" dirty="0" smtClean="0">
-                <a:solidFill>
-                  <a:schemeClr val="tx1"/>
-                </a:solidFill>
-                <a:latin typeface="Courier New" pitchFamily="49" charset="0"/>
-                <a:cs typeface="Courier New" pitchFamily="49" charset="0"/>
-              </a:rPr>
-              <a:t>&gt;</a:t>
-            </a:r>
-          </a:p>
-          <a:p>
-            <a:r>
-              <a:rPr lang="en-US" sz="1100" dirty="0" smtClean="0">
-                <a:solidFill>
-                  <a:schemeClr val="tx1"/>
-                </a:solidFill>
-                <a:latin typeface="Courier New" pitchFamily="49" charset="0"/>
-                <a:cs typeface="Courier New" pitchFamily="49" charset="0"/>
-              </a:rPr>
-              <a:t> </a:t>
-            </a:r>
-            <a:r>
-              <a:rPr lang="en-US" sz="1100" dirty="0" smtClean="0">
-                <a:solidFill>
-                  <a:schemeClr val="tx1"/>
-                </a:solidFill>
-                <a:latin typeface="Courier New" pitchFamily="49" charset="0"/>
-                <a:cs typeface="Courier New" pitchFamily="49" charset="0"/>
-              </a:rPr>
-              <a:t>     &lt;</a:t>
-            </a:r>
-            <a:r>
-              <a:rPr lang="en-US" sz="1100" dirty="0" err="1" smtClean="0">
-                <a:solidFill>
-                  <a:schemeClr val="tx1"/>
-                </a:solidFill>
-                <a:latin typeface="Courier New" pitchFamily="49" charset="0"/>
-                <a:cs typeface="Courier New" pitchFamily="49" charset="0"/>
-              </a:rPr>
-              <a:t>paramValue</a:t>
-            </a:r>
-            <a:r>
-              <a:rPr lang="en-US" sz="1100" dirty="0" smtClean="0">
-                <a:solidFill>
-                  <a:schemeClr val="tx1"/>
-                </a:solidFill>
-                <a:latin typeface="Courier New" pitchFamily="49" charset="0"/>
-                <a:cs typeface="Courier New" pitchFamily="49" charset="0"/>
-              </a:rPr>
-              <a:t> </a:t>
-            </a:r>
-            <a:r>
-              <a:rPr lang="en-US" sz="1100" dirty="0" smtClean="0">
-                <a:solidFill>
-                  <a:schemeClr val="tx1"/>
-                </a:solidFill>
-                <a:latin typeface="Courier New" pitchFamily="49" charset="0"/>
-                <a:cs typeface="Courier New" pitchFamily="49" charset="0"/>
-              </a:rPr>
-              <a:t>name=“what”&gt;for&lt;/</a:t>
-            </a:r>
-            <a:r>
-              <a:rPr lang="en-US" sz="1100" dirty="0" err="1" smtClean="0">
-                <a:solidFill>
-                  <a:schemeClr val="tx1"/>
-                </a:solidFill>
-                <a:latin typeface="Courier New" pitchFamily="49" charset="0"/>
-                <a:cs typeface="Courier New" pitchFamily="49" charset="0"/>
-              </a:rPr>
-              <a:t>paramValue</a:t>
-            </a:r>
-            <a:r>
-              <a:rPr lang="en-US" sz="1100" dirty="0" smtClean="0">
-                <a:solidFill>
-                  <a:schemeClr val="tx1"/>
-                </a:solidFill>
-                <a:latin typeface="Courier New" pitchFamily="49" charset="0"/>
-                <a:cs typeface="Courier New" pitchFamily="49" charset="0"/>
-              </a:rPr>
-              <a:t>&gt;</a:t>
-            </a:r>
-          </a:p>
-          <a:p>
-            <a:r>
-              <a:rPr lang="en-US" sz="1100" dirty="0" smtClean="0">
-                <a:solidFill>
-                  <a:schemeClr val="tx1"/>
-                </a:solidFill>
-                <a:latin typeface="Courier New" pitchFamily="49" charset="0"/>
-                <a:cs typeface="Courier New" pitchFamily="49" charset="0"/>
-              </a:rPr>
-              <a:t> </a:t>
-            </a:r>
-            <a:r>
-              <a:rPr lang="en-US" sz="1100" dirty="0" smtClean="0">
-                <a:solidFill>
-                  <a:schemeClr val="tx1"/>
-                </a:solidFill>
-                <a:latin typeface="Courier New" pitchFamily="49" charset="0"/>
-                <a:cs typeface="Courier New" pitchFamily="49" charset="0"/>
-              </a:rPr>
-              <a:t>   &lt;/</a:t>
-            </a:r>
-            <a:r>
-              <a:rPr lang="en-US" sz="1100" dirty="0" err="1" smtClean="0">
-                <a:solidFill>
-                  <a:schemeClr val="tx1"/>
-                </a:solidFill>
-                <a:latin typeface="Courier New" pitchFamily="49" charset="0"/>
-                <a:cs typeface="Courier New" pitchFamily="49" charset="0"/>
-              </a:rPr>
-              <a:t>subgraph</a:t>
-            </a:r>
-            <a:r>
-              <a:rPr lang="en-US" sz="1100" dirty="0" smtClean="0">
-                <a:solidFill>
-                  <a:schemeClr val="tx1"/>
-                </a:solidFill>
-                <a:latin typeface="Courier New" pitchFamily="49" charset="0"/>
-                <a:cs typeface="Courier New" pitchFamily="49" charset="0"/>
-              </a:rPr>
-              <a:t>&gt;</a:t>
-            </a:r>
-          </a:p>
-          <a:p>
-            <a:r>
-              <a:rPr lang="en-US" sz="1100" dirty="0" smtClean="0">
-                <a:solidFill>
-                  <a:schemeClr val="tx1"/>
-                </a:solidFill>
-                <a:latin typeface="Courier New" pitchFamily="49" charset="0"/>
-                <a:cs typeface="Courier New" pitchFamily="49" charset="0"/>
-              </a:rPr>
-              <a:t> </a:t>
-            </a:r>
-            <a:r>
-              <a:rPr lang="en-US" sz="1100" dirty="0" smtClean="0">
-                <a:solidFill>
-                  <a:schemeClr val="tx1"/>
-                </a:solidFill>
-                <a:latin typeface="Courier New" pitchFamily="49" charset="0"/>
-                <a:cs typeface="Courier New" pitchFamily="49" charset="0"/>
-              </a:rPr>
-              <a:t> &lt;/</a:t>
-            </a:r>
-            <a:r>
-              <a:rPr lang="en-US" sz="1100" dirty="0" err="1" smtClean="0">
-                <a:solidFill>
-                  <a:schemeClr val="tx1"/>
-                </a:solidFill>
-                <a:latin typeface="Courier New" pitchFamily="49" charset="0"/>
-                <a:cs typeface="Courier New" pitchFamily="49" charset="0"/>
-              </a:rPr>
-              <a:t>datasetTemplate</a:t>
-            </a:r>
-            <a:r>
-              <a:rPr lang="en-US" sz="1100" dirty="0" smtClean="0">
-                <a:solidFill>
-                  <a:schemeClr val="tx1"/>
-                </a:solidFill>
-                <a:latin typeface="Courier New" pitchFamily="49" charset="0"/>
-                <a:cs typeface="Courier New" pitchFamily="49" charset="0"/>
-              </a:rPr>
-              <a:t>&gt;</a:t>
-            </a:r>
-          </a:p>
-          <a:p>
-            <a:r>
-              <a:rPr lang="en-US" sz="1100" dirty="0" smtClean="0">
-                <a:solidFill>
-                  <a:schemeClr val="tx1"/>
-                </a:solidFill>
-                <a:latin typeface="Courier New" pitchFamily="49" charset="0"/>
-                <a:cs typeface="Courier New" pitchFamily="49" charset="0"/>
-              </a:rPr>
-              <a:t> </a:t>
-            </a:r>
-            <a:r>
-              <a:rPr lang="en-US" sz="1100" dirty="0" smtClean="0">
-                <a:solidFill>
-                  <a:schemeClr val="tx1"/>
-                </a:solidFill>
-                <a:latin typeface="Courier New" pitchFamily="49" charset="0"/>
-                <a:cs typeface="Courier New" pitchFamily="49" charset="0"/>
-              </a:rPr>
-              <a:t>  ..</a:t>
-            </a:r>
-          </a:p>
-          <a:p>
-            <a:r>
-              <a:rPr lang="en-US" sz="1100" dirty="0" smtClean="0">
-                <a:solidFill>
-                  <a:schemeClr val="tx1"/>
-                </a:solidFill>
-                <a:latin typeface="Courier New" pitchFamily="49" charset="0"/>
-                <a:cs typeface="Courier New" pitchFamily="49" charset="0"/>
-              </a:rPr>
-              <a:t>&lt;/workflow&gt;</a:t>
-            </a:r>
-          </a:p>
-        </p:txBody>
-      </p:sp>
-      <p:sp>
-        <p:nvSpPr>
-          <p:cNvPr id="8" name="Rectangle 7"/>
-          <p:cNvSpPr/>
-          <p:nvPr/>
-        </p:nvSpPr>
-        <p:spPr>
-          <a:xfrm>
-            <a:off x="4989443" y="4648199"/>
-            <a:ext cx="954157" cy="381000"/>
-          </a:xfrm>
-          <a:prstGeom prst="rect">
-            <a:avLst/>
-          </a:prstGeom>
-          <a:solidFill>
-            <a:schemeClr val="bg1"/>
-          </a:solidFill>
-        </p:spPr>
-        <p:style>
-          <a:lnRef idx="2">
-            <a:schemeClr val="accent1">
-              <a:shade val="50000"/>
-            </a:schemeClr>
-          </a:lnRef>
-          <a:fillRef idx="1">
-            <a:schemeClr val="accent1"/>
-          </a:fillRef>
-          <a:effectRef idx="0">
-            <a:schemeClr val="accent1"/>
-          </a:effectRef>
-          <a:fontRef idx="minor">
-            <a:schemeClr val="lt1"/>
-          </a:fontRef>
-        </p:style>
-        <p:txBody>
-          <a:bodyPr rtlCol="0" anchor="ctr"/>
-          <a:lstStyle/>
-          <a:p>
-            <a:pPr algn="ctr"/>
-            <a:r>
-              <a:rPr lang="en-US" sz="1100" dirty="0" smtClean="0">
-                <a:solidFill>
-                  <a:schemeClr val="tx1"/>
-                </a:solidFill>
-                <a:latin typeface="Courier New" pitchFamily="49" charset="0"/>
-                <a:cs typeface="Courier New" pitchFamily="49" charset="0"/>
-              </a:rPr>
-              <a:t>Top Level Graph</a:t>
-            </a:r>
-            <a:endParaRPr lang="en-US" sz="1100" dirty="0">
-              <a:solidFill>
-                <a:schemeClr val="tx1"/>
-              </a:solidFill>
-              <a:latin typeface="Courier New" pitchFamily="49" charset="0"/>
-              <a:cs typeface="Courier New" pitchFamily="49" charset="0"/>
-            </a:endParaRPr>
-          </a:p>
-        </p:txBody>
-      </p:sp>
-      <p:sp>
-        <p:nvSpPr>
-          <p:cNvPr id="107" name="Oval 106"/>
-          <p:cNvSpPr/>
-          <p:nvPr/>
-        </p:nvSpPr>
-        <p:spPr>
-          <a:xfrm>
-            <a:off x="5715000" y="76200"/>
-            <a:ext cx="1447800" cy="457200"/>
-          </a:xfrm>
-          <a:prstGeom prst="ellipse">
-            <a:avLst/>
-          </a:prstGeom>
-          <a:solidFill>
-            <a:schemeClr val="accent4">
-              <a:lumMod val="75000"/>
-            </a:schemeClr>
-          </a:solidFill>
-        </p:spPr>
-        <p:style>
-          <a:lnRef idx="2">
-            <a:schemeClr val="accent1">
-              <a:shade val="50000"/>
-            </a:schemeClr>
-          </a:lnRef>
-          <a:fillRef idx="1">
-            <a:schemeClr val="accent1"/>
-          </a:fillRef>
-          <a:effectRef idx="0">
-            <a:schemeClr val="accent1"/>
-          </a:effectRef>
-          <a:fontRef idx="minor">
-            <a:schemeClr val="lt1"/>
-          </a:fontRef>
-        </p:style>
-        <p:txBody>
-          <a:bodyPr rtlCol="0" anchor="ctr"/>
-          <a:lstStyle/>
-          <a:p>
-            <a:pPr algn="ctr"/>
-            <a:r>
-              <a:rPr lang="en-US" sz="1400" dirty="0" smtClean="0"/>
-              <a:t>Datasets</a:t>
-            </a:r>
-            <a:endParaRPr lang="en-US" sz="1400" dirty="0"/>
-          </a:p>
-        </p:txBody>
-      </p:sp>
-      <p:sp>
-        <p:nvSpPr>
-          <p:cNvPr id="108" name="Oval 107"/>
-          <p:cNvSpPr/>
-          <p:nvPr/>
-        </p:nvSpPr>
-        <p:spPr>
-          <a:xfrm>
-            <a:off x="3124200" y="1524000"/>
-            <a:ext cx="1447800" cy="457200"/>
-          </a:xfrm>
-          <a:prstGeom prst="ellipse">
-            <a:avLst/>
-          </a:prstGeom>
-          <a:solidFill>
-            <a:schemeClr val="accent4">
-              <a:lumMod val="75000"/>
-            </a:schemeClr>
-          </a:solidFill>
-        </p:spPr>
-        <p:style>
-          <a:lnRef idx="2">
-            <a:schemeClr val="accent1">
-              <a:shade val="50000"/>
-            </a:schemeClr>
-          </a:lnRef>
-          <a:fillRef idx="1">
-            <a:schemeClr val="accent1"/>
-          </a:fillRef>
-          <a:effectRef idx="0">
-            <a:schemeClr val="accent1"/>
-          </a:effectRef>
-          <a:fontRef idx="minor">
-            <a:schemeClr val="lt1"/>
-          </a:fontRef>
-        </p:style>
-        <p:txBody>
-          <a:bodyPr rtlCol="0" anchor="ctr"/>
-          <a:lstStyle/>
-          <a:p>
-            <a:pPr algn="ctr"/>
-            <a:r>
-              <a:rPr lang="en-US" sz="1400" dirty="0" smtClean="0"/>
-              <a:t>Dataset Classes</a:t>
-            </a:r>
-            <a:endParaRPr lang="en-US" sz="1400" dirty="0"/>
-          </a:p>
-        </p:txBody>
-      </p:sp>
-      <p:sp>
-        <p:nvSpPr>
-          <p:cNvPr id="109" name="Oval 108"/>
-          <p:cNvSpPr/>
-          <p:nvPr/>
-        </p:nvSpPr>
-        <p:spPr>
-          <a:xfrm>
-            <a:off x="7543800" y="1600200"/>
-            <a:ext cx="1447800" cy="457200"/>
-          </a:xfrm>
-          <a:prstGeom prst="ellipse">
-            <a:avLst/>
-          </a:prstGeom>
-          <a:solidFill>
-            <a:schemeClr val="accent4">
-              <a:lumMod val="75000"/>
-            </a:schemeClr>
-          </a:solidFill>
-        </p:spPr>
-        <p:style>
-          <a:lnRef idx="2">
-            <a:schemeClr val="accent1">
-              <a:shade val="50000"/>
-            </a:schemeClr>
-          </a:lnRef>
-          <a:fillRef idx="1">
-            <a:schemeClr val="accent1"/>
-          </a:fillRef>
-          <a:effectRef idx="0">
-            <a:schemeClr val="accent1"/>
-          </a:effectRef>
-          <a:fontRef idx="minor">
-            <a:schemeClr val="lt1"/>
-          </a:fontRef>
-        </p:style>
-        <p:txBody>
-          <a:bodyPr rtlCol="0" anchor="ctr"/>
-          <a:lstStyle/>
-          <a:p>
-            <a:pPr algn="ctr"/>
-            <a:r>
-              <a:rPr lang="en-US" sz="1400" dirty="0" smtClean="0"/>
-              <a:t>Workflow Plan</a:t>
-            </a:r>
-            <a:endParaRPr lang="en-US" sz="1400" dirty="0"/>
-          </a:p>
-        </p:txBody>
-      </p:sp>
-      <p:sp>
-        <p:nvSpPr>
-          <p:cNvPr id="114" name="TextBox 113"/>
-          <p:cNvSpPr txBox="1"/>
-          <p:nvPr/>
-        </p:nvSpPr>
-        <p:spPr>
-          <a:xfrm>
-            <a:off x="3733800" y="3810000"/>
-            <a:ext cx="1752600" cy="369332"/>
-          </a:xfrm>
-          <a:prstGeom prst="rect">
-            <a:avLst/>
-          </a:prstGeom>
-          <a:noFill/>
-        </p:spPr>
-        <p:txBody>
-          <a:bodyPr wrap="square" rtlCol="0">
-            <a:spAutoFit/>
+            <a:off x="457200" y="1371600"/>
+            <a:ext cx="8229600" cy="4754563"/>
+          </a:xfrm>
+        </p:spPr>
+        <p:txBody>
+          <a:bodyPr>
+            <a:normAutofit/>
           </a:bodyPr>
           <a:lstStyle/>
           <a:p>
             <a:r>
-              <a:rPr lang="en-US" dirty="0" smtClean="0"/>
-              <a:t>Code generator</a:t>
-            </a:r>
-            <a:endParaRPr lang="en-US" dirty="0"/>
-          </a:p>
-        </p:txBody>
-      </p:sp>
-      <p:sp>
-        <p:nvSpPr>
-          <p:cNvPr id="118" name="Rectangle 117"/>
-          <p:cNvSpPr/>
-          <p:nvPr/>
-        </p:nvSpPr>
-        <p:spPr>
-          <a:xfrm>
-            <a:off x="4532243" y="5181599"/>
-            <a:ext cx="954157" cy="381000"/>
-          </a:xfrm>
-          <a:prstGeom prst="rect">
-            <a:avLst/>
-          </a:prstGeom>
-          <a:solidFill>
-            <a:schemeClr val="bg1"/>
-          </a:solidFill>
-        </p:spPr>
-        <p:style>
-          <a:lnRef idx="2">
-            <a:schemeClr val="accent1">
-              <a:shade val="50000"/>
-            </a:schemeClr>
-          </a:lnRef>
-          <a:fillRef idx="1">
-            <a:schemeClr val="accent1"/>
-          </a:fillRef>
-          <a:effectRef idx="0">
-            <a:schemeClr val="accent1"/>
-          </a:effectRef>
-          <a:fontRef idx="minor">
-            <a:schemeClr val="lt1"/>
-          </a:fontRef>
-        </p:style>
-        <p:txBody>
-          <a:bodyPr rtlCol="0" anchor="ctr"/>
-          <a:lstStyle/>
-          <a:p>
-            <a:pPr algn="ctr"/>
-            <a:r>
-              <a:rPr lang="en-US" sz="1100" dirty="0" smtClean="0">
-                <a:solidFill>
-                  <a:schemeClr val="tx1"/>
-                </a:solidFill>
-                <a:latin typeface="Courier New" pitchFamily="49" charset="0"/>
-                <a:cs typeface="Courier New" pitchFamily="49" charset="0"/>
-              </a:rPr>
-              <a:t>Another Graph</a:t>
-            </a:r>
-            <a:endParaRPr lang="en-US" sz="1100" dirty="0">
-              <a:solidFill>
-                <a:schemeClr val="tx1"/>
-              </a:solidFill>
-              <a:latin typeface="Courier New" pitchFamily="49" charset="0"/>
-              <a:cs typeface="Courier New" pitchFamily="49" charset="0"/>
-            </a:endParaRPr>
-          </a:p>
-        </p:txBody>
-      </p:sp>
-      <p:sp>
-        <p:nvSpPr>
-          <p:cNvPr id="120" name="Rectangle 119"/>
-          <p:cNvSpPr/>
-          <p:nvPr/>
-        </p:nvSpPr>
-        <p:spPr>
-          <a:xfrm>
-            <a:off x="5903843" y="5181599"/>
-            <a:ext cx="954157" cy="381000"/>
-          </a:xfrm>
-          <a:prstGeom prst="rect">
-            <a:avLst/>
-          </a:prstGeom>
-          <a:solidFill>
-            <a:schemeClr val="bg1"/>
-          </a:solidFill>
-        </p:spPr>
-        <p:style>
-          <a:lnRef idx="2">
-            <a:schemeClr val="accent1">
-              <a:shade val="50000"/>
-            </a:schemeClr>
-          </a:lnRef>
-          <a:fillRef idx="1">
-            <a:schemeClr val="accent1"/>
-          </a:fillRef>
-          <a:effectRef idx="0">
-            <a:schemeClr val="accent1"/>
-          </a:effectRef>
-          <a:fontRef idx="minor">
-            <a:schemeClr val="lt1"/>
-          </a:fontRef>
-        </p:style>
-        <p:txBody>
-          <a:bodyPr rtlCol="0" anchor="ctr"/>
-          <a:lstStyle/>
-          <a:p>
-            <a:pPr algn="ctr"/>
-            <a:r>
-              <a:rPr lang="en-US" sz="1100" dirty="0" smtClean="0">
-                <a:solidFill>
-                  <a:schemeClr val="tx1"/>
-                </a:solidFill>
-                <a:latin typeface="Courier New" pitchFamily="49" charset="0"/>
-                <a:cs typeface="Courier New" pitchFamily="49" charset="0"/>
-              </a:rPr>
-              <a:t>Another Graph</a:t>
-            </a:r>
-            <a:endParaRPr lang="en-US" sz="1100" dirty="0">
-              <a:solidFill>
-                <a:schemeClr val="tx1"/>
-              </a:solidFill>
-              <a:latin typeface="Courier New" pitchFamily="49" charset="0"/>
-              <a:cs typeface="Courier New" pitchFamily="49" charset="0"/>
-            </a:endParaRPr>
-          </a:p>
-        </p:txBody>
-      </p:sp>
-      <p:sp>
-        <p:nvSpPr>
-          <p:cNvPr id="121" name="Rectangle 120"/>
-          <p:cNvSpPr/>
-          <p:nvPr/>
-        </p:nvSpPr>
-        <p:spPr>
-          <a:xfrm>
-            <a:off x="5334000" y="5791200"/>
-            <a:ext cx="3657600" cy="914400"/>
-          </a:xfrm>
-          <a:prstGeom prst="rect">
-            <a:avLst/>
-          </a:prstGeom>
-          <a:solidFill>
-            <a:schemeClr val="bg2"/>
-          </a:solidFill>
-        </p:spPr>
-        <p:style>
-          <a:lnRef idx="2">
-            <a:schemeClr val="accent1">
-              <a:shade val="50000"/>
-            </a:schemeClr>
-          </a:lnRef>
-          <a:fillRef idx="1">
-            <a:schemeClr val="accent1"/>
-          </a:fillRef>
-          <a:effectRef idx="0">
-            <a:schemeClr val="accent1"/>
-          </a:effectRef>
-          <a:fontRef idx="minor">
-            <a:schemeClr val="lt1"/>
-          </a:fontRef>
-        </p:style>
-        <p:txBody>
-          <a:bodyPr rtlCol="0" anchor="ctr"/>
-          <a:lstStyle/>
-          <a:p>
-            <a:r>
-              <a:rPr lang="en-US" sz="1100" dirty="0" smtClean="0">
-                <a:solidFill>
-                  <a:schemeClr val="tx1"/>
-                </a:solidFill>
-                <a:latin typeface="Courier New" pitchFamily="49" charset="0"/>
-                <a:cs typeface="Courier New" pitchFamily="49" charset="0"/>
-              </a:rPr>
-              <a:t>&lt;workflow&gt;</a:t>
-            </a:r>
-          </a:p>
-          <a:p>
-            <a:r>
-              <a:rPr lang="en-US" sz="1100" dirty="0" smtClean="0">
-                <a:solidFill>
-                  <a:schemeClr val="tx1"/>
-                </a:solidFill>
-                <a:latin typeface="Courier New" pitchFamily="49" charset="0"/>
-                <a:cs typeface="Courier New" pitchFamily="49" charset="0"/>
-              </a:rPr>
-              <a:t> </a:t>
-            </a:r>
-            <a:r>
-              <a:rPr lang="en-US" sz="1100" dirty="0" smtClean="0">
-                <a:solidFill>
-                  <a:schemeClr val="tx1"/>
-                </a:solidFill>
-                <a:latin typeface="Courier New" pitchFamily="49" charset="0"/>
-                <a:cs typeface="Courier New" pitchFamily="49" charset="0"/>
-              </a:rPr>
-              <a:t> </a:t>
-            </a:r>
-            <a:r>
-              <a:rPr lang="en-US" sz="1100" dirty="0" smtClean="0">
-                <a:solidFill>
-                  <a:schemeClr val="tx1"/>
-                </a:solidFill>
-                <a:latin typeface="Courier New" pitchFamily="49" charset="0"/>
-                <a:cs typeface="Courier New" pitchFamily="49" charset="0"/>
-              </a:rPr>
-              <a:t>&lt;step&gt;</a:t>
-            </a:r>
-          </a:p>
-          <a:p>
-            <a:r>
-              <a:rPr lang="en-US" sz="1100" dirty="0" smtClean="0">
-                <a:solidFill>
-                  <a:schemeClr val="tx1"/>
-                </a:solidFill>
-                <a:latin typeface="Courier New" pitchFamily="49" charset="0"/>
-                <a:cs typeface="Courier New" pitchFamily="49" charset="0"/>
-              </a:rPr>
-              <a:t>  &lt;</a:t>
-            </a:r>
-            <a:r>
-              <a:rPr lang="en-US" sz="1100" dirty="0" err="1" smtClean="0">
-                <a:solidFill>
-                  <a:schemeClr val="tx1"/>
-                </a:solidFill>
-                <a:latin typeface="Courier New" pitchFamily="49" charset="0"/>
-                <a:cs typeface="Courier New" pitchFamily="49" charset="0"/>
-              </a:rPr>
-              <a:t>subgraph</a:t>
-            </a:r>
-            <a:r>
-              <a:rPr lang="en-US" sz="1100" dirty="0" smtClean="0">
-                <a:solidFill>
-                  <a:schemeClr val="tx1"/>
-                </a:solidFill>
-                <a:latin typeface="Courier New" pitchFamily="49" charset="0"/>
-                <a:cs typeface="Courier New" pitchFamily="49" charset="0"/>
-              </a:rPr>
-              <a:t> </a:t>
-            </a:r>
-            <a:r>
-              <a:rPr lang="en-US" sz="1100" dirty="0" smtClean="0">
-                <a:solidFill>
-                  <a:schemeClr val="tx1"/>
-                </a:solidFill>
-                <a:latin typeface="Courier New" pitchFamily="49" charset="0"/>
-                <a:cs typeface="Courier New" pitchFamily="49" charset="0"/>
-              </a:rPr>
-              <a:t>name=“</a:t>
-            </a:r>
-            <a:r>
-              <a:rPr lang="en-US" sz="1100" dirty="0" err="1" smtClean="0">
-                <a:solidFill>
-                  <a:schemeClr val="tx1"/>
-                </a:solidFill>
-                <a:latin typeface="Courier New" pitchFamily="49" charset="0"/>
-                <a:cs typeface="Courier New" pitchFamily="49" charset="0"/>
-              </a:rPr>
-              <a:t>myOrg_uniprot_dbxrefs</a:t>
-            </a:r>
-            <a:r>
-              <a:rPr lang="en-US" sz="1100" dirty="0" smtClean="0">
-                <a:solidFill>
-                  <a:schemeClr val="tx1"/>
-                </a:solidFill>
-                <a:latin typeface="Courier New" pitchFamily="49" charset="0"/>
-                <a:cs typeface="Courier New" pitchFamily="49" charset="0"/>
-              </a:rPr>
-              <a:t>”&gt;</a:t>
-            </a:r>
-            <a:endParaRPr lang="en-US" sz="1100" dirty="0" smtClean="0">
-              <a:solidFill>
-                <a:schemeClr val="tx1"/>
-              </a:solidFill>
-              <a:latin typeface="Courier New" pitchFamily="49" charset="0"/>
-              <a:cs typeface="Courier New" pitchFamily="49" charset="0"/>
-            </a:endParaRPr>
-          </a:p>
-          <a:p>
-            <a:r>
-              <a:rPr lang="en-US" sz="1100" dirty="0" smtClean="0">
-                <a:solidFill>
-                  <a:schemeClr val="tx1"/>
-                </a:solidFill>
-                <a:latin typeface="Courier New" pitchFamily="49" charset="0"/>
-                <a:cs typeface="Courier New" pitchFamily="49" charset="0"/>
-              </a:rPr>
-              <a:t>  &lt;step&gt;</a:t>
-            </a:r>
-          </a:p>
-          <a:p>
-            <a:r>
-              <a:rPr lang="en-US" sz="1100" dirty="0" smtClean="0">
-                <a:solidFill>
-                  <a:schemeClr val="tx1"/>
-                </a:solidFill>
-                <a:latin typeface="Courier New" pitchFamily="49" charset="0"/>
-                <a:cs typeface="Courier New" pitchFamily="49" charset="0"/>
-              </a:rPr>
-              <a:t>&lt;/workflow&gt;</a:t>
-            </a:r>
-            <a:endParaRPr lang="en-US" sz="1100" dirty="0">
-              <a:solidFill>
-                <a:schemeClr val="tx1"/>
-              </a:solidFill>
-              <a:latin typeface="Courier New" pitchFamily="49" charset="0"/>
-              <a:cs typeface="Courier New" pitchFamily="49" charset="0"/>
-            </a:endParaRPr>
-          </a:p>
-        </p:txBody>
-      </p:sp>
-      <p:sp>
-        <p:nvSpPr>
-          <p:cNvPr id="122" name="Rectangle 121"/>
-          <p:cNvSpPr/>
-          <p:nvPr/>
-        </p:nvSpPr>
-        <p:spPr>
-          <a:xfrm>
-            <a:off x="4227443" y="5715000"/>
-            <a:ext cx="954157" cy="381000"/>
-          </a:xfrm>
-          <a:prstGeom prst="rect">
-            <a:avLst/>
-          </a:prstGeom>
-          <a:solidFill>
-            <a:schemeClr val="bg1"/>
-          </a:solidFill>
-        </p:spPr>
-        <p:style>
-          <a:lnRef idx="2">
-            <a:schemeClr val="accent1">
-              <a:shade val="50000"/>
-            </a:schemeClr>
-          </a:lnRef>
-          <a:fillRef idx="1">
-            <a:schemeClr val="accent1"/>
-          </a:fillRef>
-          <a:effectRef idx="0">
-            <a:schemeClr val="accent1"/>
-          </a:effectRef>
-          <a:fontRef idx="minor">
-            <a:schemeClr val="lt1"/>
-          </a:fontRef>
-        </p:style>
-        <p:txBody>
-          <a:bodyPr rtlCol="0" anchor="ctr"/>
-          <a:lstStyle/>
-          <a:p>
-            <a:pPr algn="ctr"/>
-            <a:r>
-              <a:rPr lang="en-US" sz="1100" dirty="0" smtClean="0">
-                <a:solidFill>
-                  <a:schemeClr val="tx1"/>
-                </a:solidFill>
-                <a:latin typeface="Courier New" pitchFamily="49" charset="0"/>
-                <a:cs typeface="Courier New" pitchFamily="49" charset="0"/>
-              </a:rPr>
-              <a:t>Another Graph</a:t>
-            </a:r>
-            <a:endParaRPr lang="en-US" sz="1100" dirty="0">
-              <a:solidFill>
-                <a:schemeClr val="tx1"/>
-              </a:solidFill>
-              <a:latin typeface="Courier New" pitchFamily="49" charset="0"/>
-              <a:cs typeface="Courier New" pitchFamily="49" charset="0"/>
-            </a:endParaRPr>
-          </a:p>
-        </p:txBody>
-      </p:sp>
-      <p:cxnSp>
-        <p:nvCxnSpPr>
-          <p:cNvPr id="124" name="Straight Arrow Connector 123"/>
-          <p:cNvCxnSpPr>
-            <a:stCxn id="8" idx="2"/>
-            <a:endCxn id="118" idx="0"/>
-          </p:cNvCxnSpPr>
-          <p:nvPr/>
-        </p:nvCxnSpPr>
-        <p:spPr>
-          <a:xfrm rot="5400000">
-            <a:off x="5161722" y="4876799"/>
-            <a:ext cx="152400" cy="457200"/>
-          </a:xfrm>
-          <a:prstGeom prst="straightConnector1">
-            <a:avLst/>
-          </a:prstGeom>
-          <a:ln w="25400">
-            <a:tailEnd type="arrow"/>
-          </a:ln>
-        </p:spPr>
-        <p:style>
-          <a:lnRef idx="1">
-            <a:schemeClr val="accent1"/>
-          </a:lnRef>
-          <a:fillRef idx="0">
-            <a:schemeClr val="accent1"/>
-          </a:fillRef>
-          <a:effectRef idx="0">
-            <a:schemeClr val="accent1"/>
-          </a:effectRef>
-          <a:fontRef idx="minor">
-            <a:schemeClr val="tx1"/>
-          </a:fontRef>
-        </p:style>
-      </p:cxnSp>
-      <p:cxnSp>
-        <p:nvCxnSpPr>
-          <p:cNvPr id="126" name="Straight Arrow Connector 125"/>
-          <p:cNvCxnSpPr>
-            <a:stCxn id="8" idx="2"/>
-            <a:endCxn id="120" idx="0"/>
-          </p:cNvCxnSpPr>
-          <p:nvPr/>
-        </p:nvCxnSpPr>
-        <p:spPr>
-          <a:xfrm rot="16200000" flipH="1">
-            <a:off x="5847522" y="4648199"/>
-            <a:ext cx="152400" cy="914400"/>
-          </a:xfrm>
-          <a:prstGeom prst="straightConnector1">
-            <a:avLst/>
-          </a:prstGeom>
-          <a:ln w="25400">
-            <a:tailEnd type="arrow"/>
-          </a:ln>
-        </p:spPr>
-        <p:style>
-          <a:lnRef idx="1">
-            <a:schemeClr val="accent1"/>
-          </a:lnRef>
-          <a:fillRef idx="0">
-            <a:schemeClr val="accent1"/>
-          </a:fillRef>
-          <a:effectRef idx="0">
-            <a:schemeClr val="accent1"/>
-          </a:effectRef>
-          <a:fontRef idx="minor">
-            <a:schemeClr val="tx1"/>
-          </a:fontRef>
-        </p:style>
-      </p:cxnSp>
-      <p:cxnSp>
-        <p:nvCxnSpPr>
-          <p:cNvPr id="129" name="Straight Arrow Connector 128"/>
-          <p:cNvCxnSpPr>
-            <a:stCxn id="118" idx="2"/>
-            <a:endCxn id="122" idx="0"/>
-          </p:cNvCxnSpPr>
-          <p:nvPr/>
-        </p:nvCxnSpPr>
-        <p:spPr>
-          <a:xfrm rot="5400000">
-            <a:off x="4780722" y="5486399"/>
-            <a:ext cx="152401" cy="304800"/>
-          </a:xfrm>
-          <a:prstGeom prst="straightConnector1">
-            <a:avLst/>
-          </a:prstGeom>
-          <a:ln w="25400">
-            <a:tailEnd type="arrow"/>
-          </a:ln>
-        </p:spPr>
-        <p:style>
-          <a:lnRef idx="1">
-            <a:schemeClr val="accent1"/>
-          </a:lnRef>
-          <a:fillRef idx="0">
-            <a:schemeClr val="accent1"/>
-          </a:fillRef>
-          <a:effectRef idx="0">
-            <a:schemeClr val="accent1"/>
-          </a:effectRef>
-          <a:fontRef idx="minor">
-            <a:schemeClr val="tx1"/>
-          </a:fontRef>
-        </p:style>
-      </p:cxnSp>
-      <p:cxnSp>
-        <p:nvCxnSpPr>
-          <p:cNvPr id="132" name="Straight Arrow Connector 131"/>
-          <p:cNvCxnSpPr>
-            <a:stCxn id="120" idx="2"/>
-            <a:endCxn id="121" idx="0"/>
-          </p:cNvCxnSpPr>
-          <p:nvPr/>
-        </p:nvCxnSpPr>
-        <p:spPr>
-          <a:xfrm rot="16200000" flipH="1">
-            <a:off x="6657561" y="5285960"/>
-            <a:ext cx="228601" cy="781878"/>
-          </a:xfrm>
-          <a:prstGeom prst="straightConnector1">
-            <a:avLst/>
-          </a:prstGeom>
-          <a:ln w="25400">
-            <a:tailEnd type="arrow"/>
-          </a:ln>
-        </p:spPr>
-        <p:style>
-          <a:lnRef idx="1">
-            <a:schemeClr val="accent1"/>
-          </a:lnRef>
-          <a:fillRef idx="0">
-            <a:schemeClr val="accent1"/>
-          </a:fillRef>
-          <a:effectRef idx="0">
-            <a:schemeClr val="accent1"/>
-          </a:effectRef>
-          <a:fontRef idx="minor">
-            <a:schemeClr val="tx1"/>
-          </a:fontRef>
-        </p:style>
-      </p:cxnSp>
-      <p:sp>
-        <p:nvSpPr>
-          <p:cNvPr id="135" name="Rectangle 134"/>
-          <p:cNvSpPr/>
-          <p:nvPr/>
-        </p:nvSpPr>
-        <p:spPr>
-          <a:xfrm>
-            <a:off x="4038600" y="914400"/>
-            <a:ext cx="1143000" cy="228600"/>
-          </a:xfrm>
-          <a:prstGeom prst="rect">
-            <a:avLst/>
-          </a:prstGeom>
-        </p:spPr>
-        <p:style>
-          <a:lnRef idx="2">
-            <a:schemeClr val="accent1">
-              <a:shade val="50000"/>
-            </a:schemeClr>
-          </a:lnRef>
-          <a:fillRef idx="1">
-            <a:schemeClr val="accent1"/>
-          </a:fillRef>
-          <a:effectRef idx="0">
-            <a:schemeClr val="accent1"/>
-          </a:effectRef>
-          <a:fontRef idx="minor">
-            <a:schemeClr val="lt1"/>
-          </a:fontRef>
-        </p:style>
-        <p:txBody>
-          <a:bodyPr rtlCol="0" anchor="ctr"/>
-          <a:lstStyle/>
-          <a:p>
-            <a:pPr algn="ctr"/>
+              <a:rPr lang="en-US" sz="2000" dirty="0" smtClean="0"/>
+              <a:t>A dataset class tells us:</a:t>
+            </a:r>
+          </a:p>
+          <a:p>
+            <a:pPr lvl="1"/>
+            <a:r>
+              <a:rPr lang="en-US" sz="1600" dirty="0" smtClean="0"/>
+              <a:t>How to handle a particular type of dataset</a:t>
+            </a:r>
+          </a:p>
+          <a:p>
+            <a:pPr lvl="1"/>
+            <a:r>
+              <a:rPr lang="en-US" sz="1600" dirty="0" smtClean="0"/>
+              <a:t>Exactly how to put it into manual delivery</a:t>
+            </a:r>
+          </a:p>
+          <a:p>
+            <a:pPr lvl="2"/>
             <a:r>
               <a:rPr lang="en-US" sz="1200" dirty="0" smtClean="0"/>
-              <a:t>myOrg.xml</a:t>
-            </a:r>
-            <a:endParaRPr lang="en-US" sz="1200" dirty="0"/>
-          </a:p>
-        </p:txBody>
-      </p:sp>
-      <p:sp>
-        <p:nvSpPr>
-          <p:cNvPr id="136" name="Rectangle 135"/>
-          <p:cNvSpPr/>
-          <p:nvPr/>
-        </p:nvSpPr>
-        <p:spPr>
-          <a:xfrm>
-            <a:off x="1981200" y="3505200"/>
-            <a:ext cx="1143000" cy="228600"/>
-          </a:xfrm>
-          <a:prstGeom prst="rect">
-            <a:avLst/>
-          </a:prstGeom>
-        </p:spPr>
-        <p:style>
-          <a:lnRef idx="2">
-            <a:schemeClr val="accent1">
-              <a:shade val="50000"/>
-            </a:schemeClr>
-          </a:lnRef>
-          <a:fillRef idx="1">
-            <a:schemeClr val="accent1"/>
-          </a:fillRef>
-          <a:effectRef idx="0">
-            <a:schemeClr val="accent1"/>
-          </a:effectRef>
-          <a:fontRef idx="minor">
-            <a:schemeClr val="lt1"/>
-          </a:fontRef>
-        </p:style>
-        <p:txBody>
-          <a:bodyPr rtlCol="0" anchor="ctr"/>
-          <a:lstStyle/>
-          <a:p>
-            <a:pPr algn="ctr"/>
+              <a:t>(it specifies the API for manual delivery)</a:t>
+            </a:r>
+          </a:p>
+          <a:p>
+            <a:pPr lvl="1"/>
+            <a:r>
+              <a:rPr lang="en-US" sz="1600" dirty="0" smtClean="0"/>
+              <a:t>How to put it in the database</a:t>
+            </a:r>
+          </a:p>
+          <a:p>
+            <a:pPr lvl="2"/>
             <a:r>
               <a:rPr lang="en-US" sz="1200" dirty="0" smtClean="0"/>
-              <a:t>classes.xml</a:t>
-            </a:r>
-            <a:endParaRPr lang="en-US" sz="1200" dirty="0"/>
-          </a:p>
-        </p:txBody>
-      </p:sp>
-      <p:sp>
-        <p:nvSpPr>
-          <p:cNvPr id="137" name="Rectangle 136"/>
-          <p:cNvSpPr/>
-          <p:nvPr/>
-        </p:nvSpPr>
-        <p:spPr>
-          <a:xfrm>
-            <a:off x="6096000" y="3505200"/>
-            <a:ext cx="1143000" cy="228600"/>
-          </a:xfrm>
-          <a:prstGeom prst="rect">
-            <a:avLst/>
-          </a:prstGeom>
-        </p:spPr>
-        <p:style>
-          <a:lnRef idx="2">
-            <a:schemeClr val="accent1">
-              <a:shade val="50000"/>
-            </a:schemeClr>
-          </a:lnRef>
-          <a:fillRef idx="1">
-            <a:schemeClr val="accent1"/>
-          </a:fillRef>
-          <a:effectRef idx="0">
-            <a:schemeClr val="accent1"/>
-          </a:effectRef>
-          <a:fontRef idx="minor">
-            <a:schemeClr val="lt1"/>
-          </a:fontRef>
-        </p:style>
-        <p:txBody>
-          <a:bodyPr rtlCol="0" anchor="ctr"/>
-          <a:lstStyle/>
-          <a:p>
-            <a:pPr algn="ctr"/>
+              <a:t>(resource XML)</a:t>
+            </a:r>
+          </a:p>
+          <a:p>
+            <a:pPr lvl="1"/>
+            <a:r>
+              <a:rPr lang="en-US" sz="1600" dirty="0" smtClean="0"/>
+              <a:t>How to process it in the workflow</a:t>
+            </a:r>
+          </a:p>
+          <a:p>
+            <a:pPr lvl="2"/>
             <a:r>
               <a:rPr lang="en-US" sz="1200" dirty="0" smtClean="0"/>
-              <a:t>dbXRefs.xml</a:t>
-            </a:r>
-            <a:endParaRPr lang="en-US" sz="1200" dirty="0"/>
-          </a:p>
-        </p:txBody>
-      </p:sp>
-      <p:sp>
-        <p:nvSpPr>
-          <p:cNvPr id="141" name="Rectangle 140"/>
-          <p:cNvSpPr/>
-          <p:nvPr/>
-        </p:nvSpPr>
-        <p:spPr>
-          <a:xfrm>
-            <a:off x="1371600" y="5943599"/>
-            <a:ext cx="1143000" cy="228600"/>
-          </a:xfrm>
-          <a:prstGeom prst="rect">
-            <a:avLst/>
-          </a:prstGeom>
-        </p:spPr>
-        <p:style>
-          <a:lnRef idx="2">
-            <a:schemeClr val="accent1">
-              <a:shade val="50000"/>
-            </a:schemeClr>
-          </a:lnRef>
-          <a:fillRef idx="1">
-            <a:schemeClr val="accent1"/>
-          </a:fillRef>
-          <a:effectRef idx="0">
-            <a:schemeClr val="accent1"/>
-          </a:effectRef>
-          <a:fontRef idx="minor">
-            <a:schemeClr val="lt1"/>
-          </a:fontRef>
-        </p:style>
-        <p:txBody>
-          <a:bodyPr rtlCol="0" anchor="ctr"/>
-          <a:lstStyle/>
-          <a:p>
-            <a:pPr algn="ctr"/>
-            <a:r>
-              <a:rPr lang="en-US" sz="1200" dirty="0" smtClean="0"/>
-              <a:t>myOrg.xml</a:t>
-            </a:r>
-            <a:endParaRPr lang="en-US" sz="1200" dirty="0"/>
-          </a:p>
-        </p:txBody>
-      </p:sp>
-      <p:sp>
-        <p:nvSpPr>
-          <p:cNvPr id="142" name="Rectangle 141"/>
-          <p:cNvSpPr/>
-          <p:nvPr/>
-        </p:nvSpPr>
-        <p:spPr>
-          <a:xfrm>
-            <a:off x="6553200" y="6477000"/>
-            <a:ext cx="1524000" cy="228600"/>
-          </a:xfrm>
-          <a:prstGeom prst="rect">
-            <a:avLst/>
-          </a:prstGeom>
-        </p:spPr>
-        <p:style>
-          <a:lnRef idx="2">
-            <a:schemeClr val="accent1">
-              <a:shade val="50000"/>
-            </a:schemeClr>
-          </a:lnRef>
-          <a:fillRef idx="1">
-            <a:schemeClr val="accent1"/>
-          </a:fillRef>
-          <a:effectRef idx="0">
-            <a:schemeClr val="accent1"/>
-          </a:effectRef>
-          <a:fontRef idx="minor">
-            <a:schemeClr val="lt1"/>
-          </a:fontRef>
-        </p:style>
-        <p:txBody>
-          <a:bodyPr rtlCol="0" anchor="ctr"/>
-          <a:lstStyle/>
-          <a:p>
-            <a:pPr algn="ctr"/>
-            <a:r>
-              <a:rPr lang="en-US" sz="1200" dirty="0" err="1" smtClean="0"/>
-              <a:t>myOrg</a:t>
-            </a:r>
-            <a:r>
-              <a:rPr lang="en-US" sz="1200" dirty="0" smtClean="0"/>
-              <a:t>/dbXRefs.xml</a:t>
-            </a:r>
-            <a:endParaRPr lang="en-US" sz="1200" dirty="0"/>
-          </a:p>
-        </p:txBody>
-      </p:sp>
-      <p:sp>
-        <p:nvSpPr>
-          <p:cNvPr id="143" name="Oval 142"/>
-          <p:cNvSpPr/>
-          <p:nvPr/>
-        </p:nvSpPr>
-        <p:spPr>
-          <a:xfrm>
-            <a:off x="2590800" y="4495799"/>
-            <a:ext cx="1447800" cy="457200"/>
-          </a:xfrm>
-          <a:prstGeom prst="ellipse">
-            <a:avLst/>
-          </a:prstGeom>
-          <a:solidFill>
-            <a:schemeClr val="accent4">
-              <a:lumMod val="75000"/>
-            </a:schemeClr>
-          </a:solidFill>
-        </p:spPr>
-        <p:style>
-          <a:lnRef idx="2">
-            <a:schemeClr val="accent1">
-              <a:shade val="50000"/>
-            </a:schemeClr>
-          </a:lnRef>
-          <a:fillRef idx="1">
-            <a:schemeClr val="accent1"/>
-          </a:fillRef>
-          <a:effectRef idx="0">
-            <a:schemeClr val="accent1"/>
-          </a:effectRef>
-          <a:fontRef idx="minor">
-            <a:schemeClr val="lt1"/>
-          </a:fontRef>
-        </p:style>
-        <p:txBody>
-          <a:bodyPr rtlCol="0" anchor="ctr"/>
-          <a:lstStyle/>
-          <a:p>
-            <a:pPr algn="ctr"/>
-            <a:r>
-              <a:rPr lang="en-US" sz="1400" dirty="0" smtClean="0"/>
-              <a:t>Resources</a:t>
-            </a:r>
-            <a:endParaRPr lang="en-US" sz="1400" dirty="0"/>
-          </a:p>
-        </p:txBody>
-      </p:sp>
-      <p:sp>
-        <p:nvSpPr>
-          <p:cNvPr id="144" name="Oval 143"/>
-          <p:cNvSpPr/>
-          <p:nvPr/>
-        </p:nvSpPr>
-        <p:spPr>
-          <a:xfrm>
-            <a:off x="7620000" y="5562600"/>
-            <a:ext cx="1447800" cy="457200"/>
-          </a:xfrm>
-          <a:prstGeom prst="ellipse">
-            <a:avLst/>
-          </a:prstGeom>
-          <a:solidFill>
-            <a:schemeClr val="accent4">
-              <a:lumMod val="75000"/>
-            </a:schemeClr>
-          </a:solidFill>
-        </p:spPr>
-        <p:style>
-          <a:lnRef idx="2">
-            <a:schemeClr val="accent1">
-              <a:shade val="50000"/>
-            </a:schemeClr>
-          </a:lnRef>
-          <a:fillRef idx="1">
-            <a:schemeClr val="accent1"/>
-          </a:fillRef>
-          <a:effectRef idx="0">
-            <a:schemeClr val="accent1"/>
-          </a:effectRef>
-          <a:fontRef idx="minor">
-            <a:schemeClr val="lt1"/>
-          </a:fontRef>
-        </p:style>
-        <p:txBody>
-          <a:bodyPr rtlCol="0" anchor="ctr"/>
-          <a:lstStyle/>
-          <a:p>
-            <a:pPr algn="ctr"/>
-            <a:r>
-              <a:rPr lang="en-US" sz="1400" dirty="0" smtClean="0"/>
-              <a:t>Workflow</a:t>
-            </a:r>
-          </a:p>
-          <a:p>
-            <a:pPr algn="ctr"/>
-            <a:r>
-              <a:rPr lang="en-US" sz="1400" dirty="0" smtClean="0"/>
-              <a:t>Graph</a:t>
-            </a:r>
-            <a:endParaRPr lang="en-US" sz="1400" dirty="0"/>
-          </a:p>
-        </p:txBody>
-      </p:sp>
-      <p:sp>
-        <p:nvSpPr>
-          <p:cNvPr id="157" name="Bent-Up Arrow 156"/>
-          <p:cNvSpPr/>
-          <p:nvPr/>
-        </p:nvSpPr>
-        <p:spPr>
-          <a:xfrm flipV="1">
-            <a:off x="533400" y="2743200"/>
-            <a:ext cx="1447800" cy="2362200"/>
-          </a:xfrm>
-          <a:prstGeom prst="bentUpArrow">
-            <a:avLst>
-              <a:gd name="adj1" fmla="val 12368"/>
-              <a:gd name="adj2" fmla="val 14173"/>
-              <a:gd name="adj3" fmla="val 16880"/>
-            </a:avLst>
-          </a:prstGeom>
-          <a:solidFill>
-            <a:schemeClr val="accent2">
-              <a:lumMod val="40000"/>
-              <a:lumOff val="60000"/>
-              <a:alpha val="28000"/>
-            </a:schemeClr>
-          </a:solidFill>
-          <a:ln w="12700"/>
-        </p:spPr>
-        <p:style>
-          <a:lnRef idx="2">
-            <a:schemeClr val="accent1">
-              <a:shade val="50000"/>
-            </a:schemeClr>
-          </a:lnRef>
-          <a:fillRef idx="1">
-            <a:schemeClr val="accent1"/>
-          </a:fillRef>
-          <a:effectRef idx="0">
-            <a:schemeClr val="accent1"/>
-          </a:effectRef>
-          <a:fontRef idx="minor">
-            <a:schemeClr val="lt1"/>
-          </a:fontRef>
-        </p:style>
-        <p:txBody>
-          <a:bodyPr rtlCol="0" anchor="ctr"/>
-          <a:lstStyle/>
-          <a:p>
-            <a:pPr algn="ctr"/>
-            <a:endParaRPr lang="en-US"/>
-          </a:p>
-        </p:txBody>
-      </p:sp>
-      <p:sp>
-        <p:nvSpPr>
-          <p:cNvPr id="158" name="Right Arrow 157"/>
-          <p:cNvSpPr/>
-          <p:nvPr/>
-        </p:nvSpPr>
-        <p:spPr>
-          <a:xfrm>
-            <a:off x="533400" y="2514600"/>
-            <a:ext cx="4419600" cy="304800"/>
-          </a:xfrm>
-          <a:prstGeom prst="rightArrow">
-            <a:avLst/>
-          </a:prstGeom>
-          <a:solidFill>
-            <a:schemeClr val="accent2">
-              <a:lumMod val="40000"/>
-              <a:lumOff val="60000"/>
-              <a:alpha val="28000"/>
-            </a:schemeClr>
-          </a:solidFill>
-          <a:ln w="12700"/>
-        </p:spPr>
-        <p:style>
-          <a:lnRef idx="2">
-            <a:schemeClr val="accent1">
-              <a:shade val="50000"/>
-            </a:schemeClr>
-          </a:lnRef>
-          <a:fillRef idx="1">
-            <a:schemeClr val="accent1"/>
-          </a:fillRef>
-          <a:effectRef idx="0">
-            <a:schemeClr val="accent1"/>
-          </a:effectRef>
-          <a:fontRef idx="minor">
-            <a:schemeClr val="lt1"/>
-          </a:fontRef>
-        </p:style>
-        <p:txBody>
-          <a:bodyPr rtlCol="0" anchor="ctr"/>
-          <a:lstStyle/>
-          <a:p>
-            <a:pPr algn="ctr"/>
-            <a:endParaRPr lang="en-US"/>
-          </a:p>
-        </p:txBody>
-      </p:sp>
-      <p:sp>
-        <p:nvSpPr>
-          <p:cNvPr id="160" name="TextBox 159"/>
-          <p:cNvSpPr txBox="1"/>
-          <p:nvPr/>
-        </p:nvSpPr>
-        <p:spPr>
-          <a:xfrm>
-            <a:off x="2819400" y="6477000"/>
-            <a:ext cx="1600200" cy="369332"/>
-          </a:xfrm>
-          <a:prstGeom prst="rect">
-            <a:avLst/>
-          </a:prstGeom>
-          <a:noFill/>
-        </p:spPr>
-        <p:txBody>
-          <a:bodyPr wrap="square" rtlCol="0">
-            <a:spAutoFit/>
-          </a:bodyPr>
-          <a:lstStyle/>
-          <a:p>
-            <a:pPr algn="ctr"/>
-            <a:r>
-              <a:rPr lang="en-US" i="1" dirty="0" smtClean="0"/>
-              <a:t>Generated files</a:t>
-            </a:r>
-            <a:endParaRPr lang="en-US" i="1" dirty="0"/>
-          </a:p>
-        </p:txBody>
-      </p:sp>
-      <p:cxnSp>
-        <p:nvCxnSpPr>
-          <p:cNvPr id="162" name="Curved Connector 161"/>
-          <p:cNvCxnSpPr>
-            <a:stCxn id="160" idx="1"/>
-            <a:endCxn id="141" idx="2"/>
-          </p:cNvCxnSpPr>
-          <p:nvPr/>
-        </p:nvCxnSpPr>
-        <p:spPr>
-          <a:xfrm rot="10800000">
-            <a:off x="1943100" y="6172200"/>
-            <a:ext cx="876300" cy="489467"/>
-          </a:xfrm>
-          <a:prstGeom prst="curvedConnector2">
-            <a:avLst/>
-          </a:prstGeom>
-          <a:ln>
-            <a:tailEnd type="arrow"/>
-          </a:ln>
-        </p:spPr>
-        <p:style>
-          <a:lnRef idx="1">
-            <a:schemeClr val="accent1"/>
-          </a:lnRef>
-          <a:fillRef idx="0">
-            <a:schemeClr val="accent1"/>
-          </a:fillRef>
-          <a:effectRef idx="0">
-            <a:schemeClr val="accent1"/>
-          </a:effectRef>
-          <a:fontRef idx="minor">
-            <a:schemeClr val="tx1"/>
-          </a:fontRef>
-        </p:style>
-      </p:cxnSp>
-      <p:cxnSp>
-        <p:nvCxnSpPr>
-          <p:cNvPr id="164" name="Curved Connector 161"/>
-          <p:cNvCxnSpPr>
-            <a:endCxn id="121" idx="1"/>
-          </p:cNvCxnSpPr>
-          <p:nvPr/>
-        </p:nvCxnSpPr>
-        <p:spPr>
-          <a:xfrm flipV="1">
-            <a:off x="4495800" y="6248400"/>
-            <a:ext cx="838200" cy="413266"/>
-          </a:xfrm>
-          <a:prstGeom prst="curvedConnector3">
-            <a:avLst>
-              <a:gd name="adj1" fmla="val 50000"/>
-            </a:avLst>
-          </a:prstGeom>
-          <a:ln>
-            <a:tailEnd type="arrow"/>
-          </a:ln>
-        </p:spPr>
-        <p:style>
-          <a:lnRef idx="1">
-            <a:schemeClr val="accent1"/>
-          </a:lnRef>
-          <a:fillRef idx="0">
-            <a:schemeClr val="accent1"/>
-          </a:fillRef>
-          <a:effectRef idx="0">
-            <a:schemeClr val="accent1"/>
-          </a:effectRef>
-          <a:fontRef idx="minor">
-            <a:schemeClr val="tx1"/>
-          </a:fontRef>
-        </p:style>
-      </p:cxnSp>
-      <p:sp>
-        <p:nvSpPr>
-          <p:cNvPr id="170" name="Bent-Up Arrow 169"/>
-          <p:cNvSpPr/>
-          <p:nvPr/>
-        </p:nvSpPr>
-        <p:spPr>
-          <a:xfrm flipV="1">
-            <a:off x="5105400" y="2514600"/>
-            <a:ext cx="2514600" cy="3733800"/>
-          </a:xfrm>
-          <a:prstGeom prst="bentUpArrow">
-            <a:avLst>
-              <a:gd name="adj1" fmla="val 6285"/>
-              <a:gd name="adj2" fmla="val 7915"/>
-              <a:gd name="adj3" fmla="val 9792"/>
-            </a:avLst>
-          </a:prstGeom>
-          <a:solidFill>
-            <a:schemeClr val="accent2">
-              <a:lumMod val="40000"/>
-              <a:lumOff val="60000"/>
-              <a:alpha val="28000"/>
-            </a:schemeClr>
-          </a:solidFill>
-          <a:ln w="12700"/>
-        </p:spPr>
-        <p:style>
-          <a:lnRef idx="2">
-            <a:schemeClr val="accent1">
-              <a:shade val="50000"/>
-            </a:schemeClr>
-          </a:lnRef>
-          <a:fillRef idx="1">
-            <a:schemeClr val="accent1"/>
-          </a:fillRef>
-          <a:effectRef idx="0">
-            <a:schemeClr val="accent1"/>
-          </a:effectRef>
-          <a:fontRef idx="minor">
-            <a:schemeClr val="lt1"/>
-          </a:fontRef>
-        </p:style>
-        <p:txBody>
-          <a:bodyPr rtlCol="0" anchor="ctr"/>
-          <a:lstStyle/>
-          <a:p>
-            <a:pPr algn="ctr"/>
-            <a:endParaRPr lang="en-US"/>
-          </a:p>
-        </p:txBody>
-      </p:sp>
-      <p:sp>
-        <p:nvSpPr>
-          <p:cNvPr id="171" name="Bent-Up Arrow 170"/>
-          <p:cNvSpPr/>
-          <p:nvPr/>
-        </p:nvSpPr>
-        <p:spPr>
-          <a:xfrm flipH="1" flipV="1">
-            <a:off x="1981200" y="228600"/>
-            <a:ext cx="2667000" cy="1676400"/>
-          </a:xfrm>
-          <a:prstGeom prst="bentUpArrow">
-            <a:avLst>
-              <a:gd name="adj1" fmla="val 10132"/>
-              <a:gd name="adj2" fmla="val 11564"/>
-              <a:gd name="adj3" fmla="val 16880"/>
-            </a:avLst>
-          </a:prstGeom>
-          <a:solidFill>
-            <a:schemeClr val="accent2">
-              <a:lumMod val="40000"/>
-              <a:lumOff val="60000"/>
-              <a:alpha val="28000"/>
-            </a:schemeClr>
-          </a:solidFill>
-          <a:ln w="12700"/>
-        </p:spPr>
-        <p:style>
-          <a:lnRef idx="2">
-            <a:schemeClr val="accent1">
-              <a:shade val="50000"/>
-            </a:schemeClr>
-          </a:lnRef>
-          <a:fillRef idx="1">
-            <a:schemeClr val="accent1"/>
-          </a:fillRef>
-          <a:effectRef idx="0">
-            <a:schemeClr val="accent1"/>
-          </a:effectRef>
-          <a:fontRef idx="minor">
-            <a:schemeClr val="lt1"/>
-          </a:fontRef>
-        </p:style>
-        <p:txBody>
-          <a:bodyPr rtlCol="0" anchor="ctr"/>
-          <a:lstStyle/>
-          <a:p>
-            <a:pPr algn="ctr"/>
-            <a:endParaRPr lang="en-US"/>
+              <a:t>(graph XML)</a:t>
+            </a:r>
           </a:p>
         </p:txBody>
       </p:sp>
@@ -5927,14 +3207,736 @@
       </p:grpSpPr>
       <p:sp>
         <p:nvSpPr>
-          <p:cNvPr id="17" name="Rounded Rectangle 16"/>
+          <p:cNvPr id="4" name="Title 3"/>
+          <p:cNvSpPr>
+            <a:spLocks noGrp="1"/>
+          </p:cNvSpPr>
+          <p:nvPr>
+            <p:ph type="title"/>
+          </p:nvPr>
+        </p:nvSpPr>
+        <p:spPr>
+          <a:xfrm>
+            <a:off x="457200" y="274638"/>
+            <a:ext cx="8229600" cy="868362"/>
+          </a:xfrm>
+        </p:spPr>
+        <p:txBody>
+          <a:bodyPr/>
+          <a:lstStyle/>
+          <a:p>
+            <a:r>
+              <a:rPr lang="en-US" sz="3200" dirty="0" smtClean="0"/>
+              <a:t>Human Roles</a:t>
+            </a:r>
+            <a:endParaRPr lang="en-US" sz="3200" dirty="0"/>
+          </a:p>
+        </p:txBody>
+      </p:sp>
+      <p:sp>
+        <p:nvSpPr>
+          <p:cNvPr id="5" name="Content Placeholder 4"/>
+          <p:cNvSpPr>
+            <a:spLocks noGrp="1"/>
+          </p:cNvSpPr>
+          <p:nvPr>
+            <p:ph idx="1"/>
+          </p:nvPr>
+        </p:nvSpPr>
+        <p:spPr>
+          <a:xfrm>
+            <a:off x="457200" y="1371600"/>
+            <a:ext cx="8229600" cy="4754563"/>
+          </a:xfrm>
+        </p:spPr>
+        <p:txBody>
+          <a:bodyPr>
+            <a:normAutofit lnSpcReduction="10000"/>
+          </a:bodyPr>
+          <a:lstStyle/>
+          <a:p>
+            <a:endParaRPr lang="en-US" sz="2000" dirty="0" smtClean="0"/>
+          </a:p>
+          <a:p>
+            <a:r>
+              <a:rPr lang="en-US" sz="2000" dirty="0" smtClean="0"/>
+              <a:t>Dataset Integrator</a:t>
+            </a:r>
+            <a:endParaRPr lang="en-US" sz="2000" dirty="0" smtClean="0"/>
+          </a:p>
+          <a:p>
+            <a:pPr lvl="1"/>
+            <a:r>
+              <a:rPr lang="en-US" sz="1800" dirty="0" smtClean="0"/>
+              <a:t>Puts datasets into manual delivery (conforming to the dataset class API)</a:t>
+            </a:r>
+          </a:p>
+          <a:p>
+            <a:pPr lvl="1"/>
+            <a:r>
+              <a:rPr lang="en-US" sz="1800" dirty="0" smtClean="0"/>
+              <a:t>Provides a specification of each dataset for the workflow.</a:t>
+            </a:r>
+            <a:endParaRPr lang="en-US" sz="2000" dirty="0" smtClean="0"/>
+          </a:p>
+          <a:p>
+            <a:r>
+              <a:rPr lang="en-US" sz="2000" dirty="0" smtClean="0"/>
+              <a:t>Workflow Pilot</a:t>
+            </a:r>
+          </a:p>
+          <a:p>
+            <a:pPr lvl="1"/>
+            <a:r>
+              <a:rPr lang="en-US" sz="1800" dirty="0" smtClean="0"/>
+              <a:t>Configures the workflow</a:t>
+            </a:r>
+          </a:p>
+          <a:p>
+            <a:pPr lvl="1"/>
+            <a:r>
+              <a:rPr lang="en-US" sz="1800" dirty="0" smtClean="0"/>
+              <a:t>Runs the workflow</a:t>
+            </a:r>
+          </a:p>
+          <a:p>
+            <a:r>
+              <a:rPr lang="en-US" sz="2000" dirty="0" smtClean="0"/>
+              <a:t>Workflow Developer</a:t>
+            </a:r>
+          </a:p>
+          <a:p>
+            <a:pPr lvl="1"/>
+            <a:r>
+              <a:rPr lang="en-US" sz="1800" dirty="0" smtClean="0"/>
+              <a:t>Writes </a:t>
+            </a:r>
+            <a:r>
+              <a:rPr lang="en-US" sz="1800" i="1" dirty="0" smtClean="0"/>
+              <a:t>dataset classes</a:t>
+            </a:r>
+          </a:p>
+          <a:p>
+            <a:pPr lvl="1"/>
+            <a:r>
+              <a:rPr lang="en-US" sz="1800" dirty="0" smtClean="0"/>
+              <a:t>Writes </a:t>
+            </a:r>
+            <a:r>
+              <a:rPr lang="en-US" sz="1800" i="1" dirty="0" smtClean="0"/>
+              <a:t>graph files</a:t>
+            </a:r>
+          </a:p>
+          <a:p>
+            <a:pPr lvl="1"/>
+            <a:r>
+              <a:rPr lang="en-US" sz="1800" dirty="0" smtClean="0"/>
+              <a:t>Writes</a:t>
+            </a:r>
+            <a:r>
+              <a:rPr lang="en-US" sz="1800" i="1" dirty="0" smtClean="0"/>
+              <a:t> step classes</a:t>
+            </a:r>
+          </a:p>
+          <a:p>
+            <a:pPr lvl="1"/>
+            <a:r>
+              <a:rPr lang="en-US" sz="1800" dirty="0" smtClean="0"/>
+              <a:t>Writes</a:t>
+            </a:r>
+            <a:r>
+              <a:rPr lang="en-US" sz="1800" i="1" dirty="0" smtClean="0"/>
+              <a:t> </a:t>
+            </a:r>
+            <a:r>
+              <a:rPr lang="en-US" sz="1800" i="1" dirty="0" err="1" smtClean="0"/>
+              <a:t>plugins</a:t>
+            </a:r>
+            <a:endParaRPr lang="en-US" sz="1800" i="1" dirty="0" smtClean="0"/>
+          </a:p>
+          <a:p>
+            <a:r>
+              <a:rPr lang="en-US" sz="2200" dirty="0" err="1" smtClean="0"/>
+              <a:t>ReFlow</a:t>
+            </a:r>
+            <a:r>
+              <a:rPr lang="en-US" sz="2200" dirty="0" smtClean="0"/>
+              <a:t> Developer</a:t>
+            </a:r>
+          </a:p>
+          <a:p>
+            <a:pPr lvl="1"/>
+            <a:r>
+              <a:rPr lang="en-US" sz="1800" dirty="0" smtClean="0"/>
+              <a:t>Develops  underlying workflow system</a:t>
+            </a:r>
+          </a:p>
+          <a:p>
+            <a:endParaRPr lang="en-US" sz="2000" i="1" dirty="0"/>
+          </a:p>
+        </p:txBody>
+      </p:sp>
+    </p:spTree>
+  </p:cSld>
+  <p:clrMapOvr>
+    <a:masterClrMapping/>
+  </p:clrMapOvr>
+  <p:timing>
+    <p:tnLst>
+      <p:par>
+        <p:cTn id="1" dur="indefinite" restart="never" nodeType="tmRoot"/>
+      </p:par>
+    </p:tnLst>
+  </p:timing>
+</p:sld>
+</file>
+
+<file path=ppt/slides/slide3.xml><?xml version="1.0" encoding="utf-8"?>
+<p:sld xmlns:a="http://schemas.openxmlformats.org/drawingml/2006/main" xmlns:r="http://schemas.openxmlformats.org/officeDocument/2006/relationships" xmlns:p="http://schemas.openxmlformats.org/presentationml/2006/main">
+  <p:cSld>
+    <p:spTree>
+      <p:nvGrpSpPr>
+        <p:cNvPr id="1" name=""/>
+        <p:cNvGrpSpPr/>
+        <p:nvPr/>
+      </p:nvGrpSpPr>
+      <p:grpSpPr>
+        <a:xfrm>
+          <a:off x="0" y="0"/>
+          <a:ext cx="0" cy="0"/>
+          <a:chOff x="0" y="0"/>
+          <a:chExt cx="0" cy="0"/>
+        </a:xfrm>
+      </p:grpSpPr>
+      <p:sp>
+        <p:nvSpPr>
+          <p:cNvPr id="4" name="Title 3"/>
+          <p:cNvSpPr>
+            <a:spLocks noGrp="1"/>
+          </p:cNvSpPr>
+          <p:nvPr>
+            <p:ph type="title"/>
+          </p:nvPr>
+        </p:nvSpPr>
+        <p:spPr>
+          <a:xfrm>
+            <a:off x="457200" y="274638"/>
+            <a:ext cx="8229600" cy="868362"/>
+          </a:xfrm>
+        </p:spPr>
+        <p:txBody>
+          <a:bodyPr/>
+          <a:lstStyle/>
+          <a:p>
+            <a:r>
+              <a:rPr lang="en-US" sz="3200" dirty="0" smtClean="0"/>
+              <a:t>Organism Abbrev</a:t>
+            </a:r>
+            <a:endParaRPr lang="en-US" sz="3200" dirty="0"/>
+          </a:p>
+        </p:txBody>
+      </p:sp>
+      <p:sp>
+        <p:nvSpPr>
+          <p:cNvPr id="5" name="Content Placeholder 4"/>
+          <p:cNvSpPr>
+            <a:spLocks noGrp="1"/>
+          </p:cNvSpPr>
+          <p:nvPr>
+            <p:ph idx="1"/>
+          </p:nvPr>
+        </p:nvSpPr>
+        <p:spPr>
+          <a:xfrm>
+            <a:off x="457200" y="1371600"/>
+            <a:ext cx="8229600" cy="4754563"/>
+          </a:xfrm>
+        </p:spPr>
+        <p:txBody>
+          <a:bodyPr>
+            <a:normAutofit/>
+          </a:bodyPr>
+          <a:lstStyle/>
+          <a:p>
+            <a:endParaRPr lang="en-US" sz="2000" dirty="0" smtClean="0"/>
+          </a:p>
+          <a:p>
+            <a:r>
+              <a:rPr lang="en-US" sz="2000" dirty="0" smtClean="0"/>
+              <a:t>Throughout the workflow system, we use a unique, stable “identifier” for an organism:  its </a:t>
+            </a:r>
+            <a:r>
+              <a:rPr lang="en-US" sz="2000" i="1" dirty="0" smtClean="0"/>
+              <a:t>organism abbrev</a:t>
+            </a:r>
+            <a:endParaRPr lang="en-US" sz="2000" i="1" dirty="0" smtClean="0"/>
+          </a:p>
+          <a:p>
+            <a:r>
+              <a:rPr lang="en-US" sz="2000" dirty="0" smtClean="0"/>
+              <a:t>We do not use things like </a:t>
+            </a:r>
+            <a:r>
+              <a:rPr lang="en-US" sz="2000" dirty="0" err="1" smtClean="0"/>
+              <a:t>taxon</a:t>
+            </a:r>
+            <a:r>
+              <a:rPr lang="en-US" sz="2000" dirty="0" smtClean="0"/>
+              <a:t> IDs, scientific names, etc.</a:t>
+            </a:r>
+          </a:p>
+          <a:p>
+            <a:r>
+              <a:rPr lang="en-US" sz="2000" dirty="0" smtClean="0"/>
+              <a:t>Examples:</a:t>
+            </a:r>
+          </a:p>
+          <a:p>
+            <a:pPr lvl="1"/>
+            <a:r>
+              <a:rPr lang="en-US" sz="1800" dirty="0" smtClean="0"/>
+              <a:t>tgonME49</a:t>
+            </a:r>
+          </a:p>
+          <a:p>
+            <a:pPr lvl="1"/>
+            <a:r>
+              <a:rPr lang="en-US" sz="1800" dirty="0" smtClean="0"/>
+              <a:t>pfal3D7</a:t>
+            </a:r>
+          </a:p>
+          <a:p>
+            <a:pPr lvl="1"/>
+            <a:r>
+              <a:rPr lang="en-US" sz="1800" dirty="0" err="1" smtClean="0"/>
+              <a:t>ncanLIV</a:t>
+            </a:r>
+            <a:endParaRPr lang="en-US" sz="1800" dirty="0" smtClean="0"/>
+          </a:p>
+          <a:p>
+            <a:r>
+              <a:rPr lang="en-US" sz="2000" dirty="0" smtClean="0"/>
+              <a:t>It always includes:</a:t>
+            </a:r>
+          </a:p>
+          <a:p>
+            <a:pPr lvl="1"/>
+            <a:r>
+              <a:rPr lang="en-US" sz="1600" dirty="0" smtClean="0"/>
+              <a:t>One letter for the genus</a:t>
+            </a:r>
+          </a:p>
+          <a:p>
+            <a:pPr lvl="1"/>
+            <a:r>
+              <a:rPr lang="en-US" sz="1600" dirty="0" smtClean="0"/>
+              <a:t>Three letters for the species</a:t>
+            </a:r>
+          </a:p>
+          <a:p>
+            <a:pPr lvl="1"/>
+            <a:r>
+              <a:rPr lang="en-US" sz="1600" dirty="0" smtClean="0"/>
+              <a:t>The strain</a:t>
+            </a:r>
+          </a:p>
+          <a:p>
+            <a:r>
+              <a:rPr lang="en-US" sz="1800" dirty="0" smtClean="0"/>
+              <a:t>Once it is set, it does not change, even if we adjust the name of the organism</a:t>
+            </a:r>
+          </a:p>
+          <a:p>
+            <a:endParaRPr lang="en-US" sz="2000" i="1" dirty="0"/>
+          </a:p>
+        </p:txBody>
+      </p:sp>
+    </p:spTree>
+  </p:cSld>
+  <p:clrMapOvr>
+    <a:masterClrMapping/>
+  </p:clrMapOvr>
+  <p:timing>
+    <p:tnLst>
+      <p:par>
+        <p:cTn id="1" dur="indefinite" restart="never" nodeType="tmRoot"/>
+      </p:par>
+    </p:tnLst>
+  </p:timing>
+</p:sld>
+</file>
+
+<file path=ppt/slides/slide4.xml><?xml version="1.0" encoding="utf-8"?>
+<p:sld xmlns:a="http://schemas.openxmlformats.org/drawingml/2006/main" xmlns:r="http://schemas.openxmlformats.org/officeDocument/2006/relationships" xmlns:p="http://schemas.openxmlformats.org/presentationml/2006/main">
+  <p:cSld>
+    <p:spTree>
+      <p:nvGrpSpPr>
+        <p:cNvPr id="1" name=""/>
+        <p:cNvGrpSpPr/>
+        <p:nvPr/>
+      </p:nvGrpSpPr>
+      <p:grpSpPr>
+        <a:xfrm>
+          <a:off x="0" y="0"/>
+          <a:ext cx="0" cy="0"/>
+          <a:chOff x="0" y="0"/>
+          <a:chExt cx="0" cy="0"/>
+        </a:xfrm>
+      </p:grpSpPr>
+      <p:sp>
+        <p:nvSpPr>
+          <p:cNvPr id="4" name="Title 3"/>
+          <p:cNvSpPr>
+            <a:spLocks noGrp="1"/>
+          </p:cNvSpPr>
+          <p:nvPr>
+            <p:ph type="title"/>
+          </p:nvPr>
+        </p:nvSpPr>
+        <p:spPr>
+          <a:xfrm>
+            <a:off x="457200" y="274638"/>
+            <a:ext cx="8229600" cy="868362"/>
+          </a:xfrm>
+        </p:spPr>
+        <p:txBody>
+          <a:bodyPr/>
+          <a:lstStyle/>
+          <a:p>
+            <a:r>
+              <a:rPr lang="en-US" sz="3200" dirty="0" smtClean="0"/>
+              <a:t>Manual Delivery</a:t>
+            </a:r>
+            <a:endParaRPr lang="en-US" sz="3200" dirty="0"/>
+          </a:p>
+        </p:txBody>
+      </p:sp>
+      <p:sp>
+        <p:nvSpPr>
+          <p:cNvPr id="5" name="Content Placeholder 4"/>
+          <p:cNvSpPr>
+            <a:spLocks noGrp="1"/>
+          </p:cNvSpPr>
+          <p:nvPr>
+            <p:ph idx="1"/>
+          </p:nvPr>
+        </p:nvSpPr>
+        <p:spPr>
+          <a:xfrm>
+            <a:off x="457200" y="1371600"/>
+            <a:ext cx="8229600" cy="4754563"/>
+          </a:xfrm>
+        </p:spPr>
+        <p:txBody>
+          <a:bodyPr>
+            <a:normAutofit/>
+          </a:bodyPr>
+          <a:lstStyle/>
+          <a:p>
+            <a:endParaRPr lang="en-US" sz="2000" dirty="0" smtClean="0"/>
+          </a:p>
+          <a:p>
+            <a:r>
+              <a:rPr lang="en-US" sz="1800" dirty="0" smtClean="0"/>
+              <a:t>Manual delivery has a very specific structure:</a:t>
+            </a:r>
+            <a:endParaRPr lang="en-US" sz="1800" i="1" dirty="0" smtClean="0">
+              <a:latin typeface="Courier New" pitchFamily="49" charset="0"/>
+              <a:cs typeface="Courier New" pitchFamily="49" charset="0"/>
+            </a:endParaRPr>
+          </a:p>
+          <a:p>
+            <a:pPr lvl="1">
+              <a:buNone/>
+            </a:pPr>
+            <a:r>
+              <a:rPr lang="en-US" sz="1600" dirty="0" err="1" smtClean="0">
+                <a:latin typeface="Courier New" pitchFamily="49" charset="0"/>
+                <a:cs typeface="Courier New" pitchFamily="49" charset="0"/>
+              </a:rPr>
+              <a:t>manualDelivery</a:t>
+            </a:r>
+            <a:r>
+              <a:rPr lang="en-US" sz="1600" dirty="0" smtClean="0">
+                <a:latin typeface="Courier New" pitchFamily="49" charset="0"/>
+                <a:cs typeface="Courier New" pitchFamily="49" charset="0"/>
+              </a:rPr>
+              <a:t>/</a:t>
+            </a:r>
+          </a:p>
+          <a:p>
+            <a:pPr lvl="2">
+              <a:buNone/>
+            </a:pPr>
+            <a:r>
+              <a:rPr lang="en-US" sz="1600" dirty="0" smtClean="0">
+                <a:latin typeface="Courier New" pitchFamily="49" charset="0"/>
+                <a:cs typeface="Courier New" pitchFamily="49" charset="0"/>
+              </a:rPr>
+              <a:t>project/</a:t>
+            </a:r>
+          </a:p>
+          <a:p>
+            <a:pPr lvl="3">
+              <a:buNone/>
+            </a:pPr>
+            <a:r>
+              <a:rPr lang="en-US" sz="1600" dirty="0" err="1" smtClean="0">
+                <a:latin typeface="Courier New" pitchFamily="49" charset="0"/>
+                <a:cs typeface="Courier New" pitchFamily="49" charset="0"/>
+              </a:rPr>
+              <a:t>organismAbbrev</a:t>
+            </a:r>
+            <a:r>
+              <a:rPr lang="en-US" sz="1600" dirty="0" smtClean="0">
+                <a:latin typeface="Courier New" pitchFamily="49" charset="0"/>
+                <a:cs typeface="Courier New" pitchFamily="49" charset="0"/>
+              </a:rPr>
+              <a:t>/</a:t>
+            </a:r>
+          </a:p>
+          <a:p>
+            <a:pPr lvl="4">
+              <a:buNone/>
+            </a:pPr>
+            <a:r>
+              <a:rPr lang="en-US" sz="1600" dirty="0" smtClean="0">
+                <a:latin typeface="Courier New" pitchFamily="49" charset="0"/>
+                <a:cs typeface="Courier New" pitchFamily="49" charset="0"/>
+              </a:rPr>
+              <a:t>c</a:t>
+            </a:r>
+            <a:r>
+              <a:rPr lang="en-US" sz="1600" dirty="0" smtClean="0">
+                <a:latin typeface="Courier New" pitchFamily="49" charset="0"/>
+                <a:cs typeface="Courier New" pitchFamily="49" charset="0"/>
+              </a:rPr>
+              <a:t>ategory/</a:t>
+            </a:r>
+          </a:p>
+          <a:p>
+            <a:pPr lvl="5">
+              <a:buNone/>
+            </a:pPr>
+            <a:r>
+              <a:rPr lang="en-US" sz="1600" dirty="0" err="1" smtClean="0">
+                <a:latin typeface="Courier New" pitchFamily="49" charset="0"/>
+                <a:cs typeface="Courier New" pitchFamily="49" charset="0"/>
+              </a:rPr>
+              <a:t>datasetName</a:t>
+            </a:r>
+            <a:r>
+              <a:rPr lang="en-US" sz="1600" dirty="0" smtClean="0">
+                <a:latin typeface="Courier New" pitchFamily="49" charset="0"/>
+                <a:cs typeface="Courier New" pitchFamily="49" charset="0"/>
+              </a:rPr>
+              <a:t>/</a:t>
+            </a:r>
+          </a:p>
+          <a:p>
+            <a:pPr lvl="6">
+              <a:buNone/>
+            </a:pPr>
+            <a:r>
+              <a:rPr lang="en-US" sz="1600" dirty="0" err="1" smtClean="0">
+                <a:latin typeface="Courier New" pitchFamily="49" charset="0"/>
+                <a:cs typeface="Courier New" pitchFamily="49" charset="0"/>
+              </a:rPr>
+              <a:t>d</a:t>
+            </a:r>
+            <a:r>
+              <a:rPr lang="en-US" sz="1600" dirty="0" err="1" smtClean="0">
+                <a:latin typeface="Courier New" pitchFamily="49" charset="0"/>
+                <a:cs typeface="Courier New" pitchFamily="49" charset="0"/>
+              </a:rPr>
+              <a:t>atasetVersion</a:t>
+            </a:r>
+            <a:r>
+              <a:rPr lang="en-US" sz="1600" dirty="0" smtClean="0">
+                <a:latin typeface="Courier New" pitchFamily="49" charset="0"/>
+                <a:cs typeface="Courier New" pitchFamily="49" charset="0"/>
+              </a:rPr>
+              <a:t>/</a:t>
+            </a:r>
+          </a:p>
+          <a:p>
+            <a:pPr lvl="7">
+              <a:buNone/>
+            </a:pPr>
+            <a:r>
+              <a:rPr lang="en-US" sz="1600" dirty="0" smtClean="0">
+                <a:latin typeface="Courier New" pitchFamily="49" charset="0"/>
+                <a:cs typeface="Courier New" pitchFamily="49" charset="0"/>
+              </a:rPr>
+              <a:t>f</a:t>
+            </a:r>
+            <a:r>
+              <a:rPr lang="en-US" sz="1600" dirty="0" smtClean="0">
+                <a:latin typeface="Courier New" pitchFamily="49" charset="0"/>
+                <a:cs typeface="Courier New" pitchFamily="49" charset="0"/>
+              </a:rPr>
+              <a:t>inal/</a:t>
+            </a:r>
+          </a:p>
+          <a:p>
+            <a:pPr lvl="7">
+              <a:buNone/>
+            </a:pPr>
+            <a:r>
+              <a:rPr lang="en-US" sz="1600" dirty="0" err="1" smtClean="0">
+                <a:latin typeface="Courier New" pitchFamily="49" charset="0"/>
+                <a:cs typeface="Courier New" pitchFamily="49" charset="0"/>
+              </a:rPr>
+              <a:t>fromProvider</a:t>
+            </a:r>
+            <a:r>
+              <a:rPr lang="en-US" sz="1600" dirty="0" smtClean="0">
+                <a:latin typeface="Courier New" pitchFamily="49" charset="0"/>
+                <a:cs typeface="Courier New" pitchFamily="49" charset="0"/>
+              </a:rPr>
+              <a:t>/</a:t>
+            </a:r>
+          </a:p>
+          <a:p>
+            <a:pPr lvl="7">
+              <a:buNone/>
+            </a:pPr>
+            <a:r>
+              <a:rPr lang="en-US" sz="1600" dirty="0" smtClean="0">
+                <a:latin typeface="Courier New" pitchFamily="49" charset="0"/>
+                <a:cs typeface="Courier New" pitchFamily="49" charset="0"/>
+              </a:rPr>
+              <a:t>w</a:t>
+            </a:r>
+            <a:r>
+              <a:rPr lang="en-US" sz="1600" dirty="0" smtClean="0">
+                <a:latin typeface="Courier New" pitchFamily="49" charset="0"/>
+                <a:cs typeface="Courier New" pitchFamily="49" charset="0"/>
+              </a:rPr>
+              <a:t>orkspace/</a:t>
+            </a:r>
+          </a:p>
+          <a:p>
+            <a:pPr lvl="7">
+              <a:buNone/>
+            </a:pPr>
+            <a:r>
+              <a:rPr lang="en-US" sz="1600" dirty="0" smtClean="0">
+                <a:latin typeface="Courier New" pitchFamily="49" charset="0"/>
+                <a:cs typeface="Courier New" pitchFamily="49" charset="0"/>
+              </a:rPr>
+              <a:t>README</a:t>
+            </a:r>
+          </a:p>
+          <a:p>
+            <a:r>
+              <a:rPr lang="en-US" sz="1800" dirty="0" smtClean="0">
+                <a:latin typeface="Courier New" pitchFamily="49" charset="0"/>
+                <a:cs typeface="Courier New" pitchFamily="49" charset="0"/>
+              </a:rPr>
+              <a:t>final/</a:t>
+            </a:r>
+            <a:r>
+              <a:rPr lang="en-US" sz="1800" dirty="0" smtClean="0">
+                <a:latin typeface="Calibri" pitchFamily="34" charset="0"/>
+                <a:cs typeface="Calibri" pitchFamily="34" charset="0"/>
+              </a:rPr>
+              <a:t> contains </a:t>
+            </a:r>
+            <a:r>
+              <a:rPr lang="en-US" sz="1800" i="1" dirty="0" smtClean="0">
+                <a:latin typeface="Calibri" pitchFamily="34" charset="0"/>
+                <a:cs typeface="Calibri" pitchFamily="34" charset="0"/>
+              </a:rPr>
+              <a:t>standard file names </a:t>
+            </a:r>
+            <a:r>
+              <a:rPr lang="en-US" sz="1800" dirty="0" smtClean="0">
+                <a:latin typeface="Calibri" pitchFamily="34" charset="0"/>
+                <a:cs typeface="Calibri" pitchFamily="34" charset="0"/>
+              </a:rPr>
+              <a:t>that conform to the dataset class API</a:t>
+            </a:r>
+          </a:p>
+          <a:p>
+            <a:pPr lvl="1"/>
+            <a:r>
+              <a:rPr lang="en-US" sz="1400" dirty="0" err="1" smtClean="0">
+                <a:latin typeface="Calibri" pitchFamily="34" charset="0"/>
+                <a:cs typeface="Calibri" pitchFamily="34" charset="0"/>
+              </a:rPr>
+              <a:t>Eg</a:t>
+            </a:r>
+            <a:r>
+              <a:rPr lang="en-US" sz="1400" dirty="0" smtClean="0">
+                <a:latin typeface="Calibri" pitchFamily="34" charset="0"/>
+                <a:cs typeface="Calibri" pitchFamily="34" charset="0"/>
+              </a:rPr>
+              <a:t>:  SNPs.gff</a:t>
+            </a:r>
+          </a:p>
+          <a:p>
+            <a:pPr lvl="1"/>
+            <a:r>
+              <a:rPr lang="en-US" sz="1400" dirty="0" smtClean="0">
+                <a:latin typeface="Calibri" pitchFamily="34" charset="0"/>
+                <a:cs typeface="Calibri" pitchFamily="34" charset="0"/>
+              </a:rPr>
+              <a:t>They never have the name of the provider or any other dataset specific info</a:t>
+            </a:r>
+          </a:p>
+        </p:txBody>
+      </p:sp>
+    </p:spTree>
+  </p:cSld>
+  <p:clrMapOvr>
+    <a:masterClrMapping/>
+  </p:clrMapOvr>
+  <p:timing>
+    <p:tnLst>
+      <p:par>
+        <p:cTn id="1" dur="indefinite" restart="never" nodeType="tmRoot"/>
+      </p:par>
+    </p:tnLst>
+  </p:timing>
+</p:sld>
+</file>
+
+<file path=ppt/slides/slide5.xml><?xml version="1.0" encoding="utf-8"?>
+<p:sld xmlns:a="http://schemas.openxmlformats.org/drawingml/2006/main" xmlns:r="http://schemas.openxmlformats.org/officeDocument/2006/relationships" xmlns:p="http://schemas.openxmlformats.org/presentationml/2006/main">
+  <p:cSld>
+    <p:bg>
+      <p:bgPr>
+        <a:solidFill>
+          <a:schemeClr val="bg1"/>
+        </a:solidFill>
+        <a:effectLst/>
+      </p:bgPr>
+    </p:bg>
+    <p:spTree>
+      <p:nvGrpSpPr>
+        <p:cNvPr id="1" name=""/>
+        <p:cNvGrpSpPr/>
+        <p:nvPr/>
+      </p:nvGrpSpPr>
+      <p:grpSpPr>
+        <a:xfrm>
+          <a:off x="0" y="0"/>
+          <a:ext cx="0" cy="0"/>
+          <a:chOff x="0" y="0"/>
+          <a:chExt cx="0" cy="0"/>
+        </a:xfrm>
+      </p:grpSpPr>
+      <p:sp>
+        <p:nvSpPr>
+          <p:cNvPr id="110" name="Rounded Rectangle 109"/>
           <p:cNvSpPr/>
           <p:nvPr/>
         </p:nvSpPr>
         <p:spPr>
           <a:xfrm>
-            <a:off x="4114800" y="2895600"/>
-            <a:ext cx="4648200" cy="3657600"/>
+            <a:off x="76200" y="1447800"/>
+            <a:ext cx="8991600" cy="2743200"/>
           </a:xfrm>
           <a:prstGeom prst="roundRect">
             <a:avLst/>
@@ -5945,6 +3947,10 @@
               <a:lumOff val="80000"/>
             </a:schemeClr>
           </a:solidFill>
+          <a:ln w="12700">
+            <a:noFill/>
+            <a:prstDash val="solid"/>
+          </a:ln>
         </p:spPr>
         <p:style>
           <a:lnRef idx="2">
@@ -5967,126 +3973,2426 @@
           <a:lstStyle/>
           <a:p>
             <a:pPr algn="ctr"/>
-            <a:endParaRPr lang="en-US" dirty="0" smtClean="0"/>
-          </a:p>
-          <a:p>
-            <a:pPr algn="ctr"/>
-            <a:endParaRPr lang="en-US" dirty="0" smtClean="0"/>
-          </a:p>
-          <a:p>
-            <a:pPr algn="ctr"/>
-            <a:endParaRPr lang="en-US" dirty="0" smtClean="0"/>
-          </a:p>
-          <a:p>
-            <a:pPr algn="ctr"/>
-            <a:endParaRPr lang="en-US" dirty="0" smtClean="0"/>
-          </a:p>
-          <a:p>
-            <a:pPr algn="ctr"/>
-            <a:endParaRPr lang="en-US" dirty="0" smtClean="0"/>
-          </a:p>
-          <a:p>
-            <a:pPr algn="ctr"/>
-            <a:endParaRPr lang="en-US" dirty="0" smtClean="0">
-              <a:solidFill>
-                <a:schemeClr val="bg2">
-                  <a:lumMod val="10000"/>
-                </a:schemeClr>
-              </a:solidFill>
-            </a:endParaRPr>
-          </a:p>
-          <a:p>
-            <a:pPr algn="ctr"/>
-            <a:endParaRPr lang="en-US" dirty="0" smtClean="0">
-              <a:solidFill>
-                <a:schemeClr val="bg2">
-                  <a:lumMod val="10000"/>
-                </a:schemeClr>
-              </a:solidFill>
-            </a:endParaRPr>
-          </a:p>
-          <a:p>
-            <a:pPr algn="ctr"/>
-            <a:endParaRPr lang="en-US" dirty="0" smtClean="0">
-              <a:solidFill>
-                <a:schemeClr val="bg2">
-                  <a:lumMod val="10000"/>
-                </a:schemeClr>
-              </a:solidFill>
-            </a:endParaRPr>
-          </a:p>
-          <a:p>
-            <a:pPr algn="ctr"/>
-            <a:endParaRPr lang="en-US" dirty="0" smtClean="0">
-              <a:solidFill>
-                <a:schemeClr val="bg2">
-                  <a:lumMod val="10000"/>
-                </a:schemeClr>
-              </a:solidFill>
-            </a:endParaRPr>
-          </a:p>
-          <a:p>
-            <a:pPr algn="ctr"/>
-            <a:endParaRPr lang="en-US" dirty="0" smtClean="0">
-              <a:solidFill>
-                <a:schemeClr val="bg2">
-                  <a:lumMod val="10000"/>
-                </a:schemeClr>
-              </a:solidFill>
-            </a:endParaRPr>
-          </a:p>
-          <a:p>
-            <a:pPr algn="ctr"/>
-            <a:endParaRPr lang="en-US" dirty="0" smtClean="0">
-              <a:solidFill>
-                <a:schemeClr val="bg2">
-                  <a:lumMod val="10000"/>
-                </a:schemeClr>
-              </a:solidFill>
-            </a:endParaRPr>
-          </a:p>
-          <a:p>
-            <a:pPr algn="ctr"/>
-            <a:endParaRPr lang="en-US" dirty="0" smtClean="0">
-              <a:solidFill>
-                <a:schemeClr val="bg2">
-                  <a:lumMod val="10000"/>
-                </a:schemeClr>
-              </a:solidFill>
-            </a:endParaRPr>
-          </a:p>
-          <a:p>
-            <a:pPr algn="ctr"/>
-            <a:r>
-              <a:rPr lang="en-US" dirty="0" smtClean="0">
-                <a:solidFill>
-                  <a:schemeClr val="bg2">
-                    <a:lumMod val="10000"/>
-                  </a:schemeClr>
-                </a:solidFill>
-              </a:rPr>
-              <a:t>Graph Files</a:t>
-            </a:r>
-            <a:endParaRPr lang="en-US" dirty="0">
-              <a:solidFill>
-                <a:schemeClr val="bg2">
-                  <a:lumMod val="10000"/>
-                </a:schemeClr>
-              </a:solidFill>
-            </a:endParaRPr>
-          </a:p>
-        </p:txBody>
-      </p:sp>
-      <p:sp>
-        <p:nvSpPr>
-          <p:cNvPr id="16" name="Rounded Rectangle 15"/>
+            <a:endParaRPr lang="en-US"/>
+          </a:p>
+        </p:txBody>
+      </p:sp>
+      <p:sp>
+        <p:nvSpPr>
+          <p:cNvPr id="4" name="Rectangle 3"/>
           <p:cNvSpPr/>
           <p:nvPr/>
         </p:nvSpPr>
         <p:spPr>
           <a:xfrm>
-            <a:off x="152400" y="2895600"/>
-            <a:ext cx="3352800" cy="3657600"/>
+            <a:off x="228600" y="1752600"/>
+            <a:ext cx="4267200" cy="1981200"/>
+          </a:xfrm>
+          <a:prstGeom prst="rect">
+            <a:avLst/>
+          </a:prstGeom>
+          <a:solidFill>
+            <a:schemeClr val="bg2"/>
+          </a:solidFill>
+        </p:spPr>
+        <p:style>
+          <a:lnRef idx="2">
+            <a:schemeClr val="accent1">
+              <a:shade val="50000"/>
+            </a:schemeClr>
+          </a:lnRef>
+          <a:fillRef idx="1">
+            <a:schemeClr val="accent1"/>
+          </a:fillRef>
+          <a:effectRef idx="0">
+            <a:schemeClr val="accent1"/>
+          </a:effectRef>
+          <a:fontRef idx="minor">
+            <a:schemeClr val="lt1"/>
+          </a:fontRef>
+        </p:style>
+        <p:txBody>
+          <a:bodyPr rtlCol="0" anchor="ctr"/>
+          <a:lstStyle/>
+          <a:p>
+            <a:r>
+              <a:rPr lang="en-US" sz="1100" dirty="0" smtClean="0">
+                <a:solidFill>
+                  <a:schemeClr val="tx1"/>
+                </a:solidFill>
+                <a:latin typeface="Courier New" pitchFamily="49" charset="0"/>
+                <a:cs typeface="Courier New" pitchFamily="49" charset="0"/>
+              </a:rPr>
+              <a:t>&lt;</a:t>
+            </a:r>
+            <a:r>
+              <a:rPr lang="en-US" sz="1100" dirty="0" err="1" smtClean="0">
+                <a:solidFill>
+                  <a:schemeClr val="tx1"/>
+                </a:solidFill>
+                <a:latin typeface="Courier New" pitchFamily="49" charset="0"/>
+                <a:cs typeface="Courier New" pitchFamily="49" charset="0"/>
+              </a:rPr>
+              <a:t>datasetClass</a:t>
+            </a:r>
+            <a:r>
+              <a:rPr lang="en-US" sz="1100" dirty="0" smtClean="0">
+                <a:solidFill>
+                  <a:schemeClr val="tx1"/>
+                </a:solidFill>
+                <a:latin typeface="Courier New" pitchFamily="49" charset="0"/>
+                <a:cs typeface="Courier New" pitchFamily="49" charset="0"/>
+              </a:rPr>
+              <a:t> name=“</a:t>
+            </a:r>
+            <a:r>
+              <a:rPr lang="en-US" sz="1100" dirty="0" err="1" smtClean="0">
+                <a:solidFill>
+                  <a:schemeClr val="tx1"/>
+                </a:solidFill>
+                <a:latin typeface="Courier New" pitchFamily="49" charset="0"/>
+                <a:cs typeface="Courier New" pitchFamily="49" charset="0"/>
+              </a:rPr>
+              <a:t>dbxrefs</a:t>
+            </a:r>
+            <a:r>
+              <a:rPr lang="en-US" sz="1100" dirty="0" smtClean="0">
+                <a:solidFill>
+                  <a:schemeClr val="tx1"/>
+                </a:solidFill>
+                <a:latin typeface="Courier New" pitchFamily="49" charset="0"/>
+                <a:cs typeface="Courier New" pitchFamily="49" charset="0"/>
+              </a:rPr>
+              <a:t>”&gt;</a:t>
+            </a:r>
+          </a:p>
+          <a:p>
+            <a:r>
+              <a:rPr lang="en-US" sz="1100" dirty="0" smtClean="0">
+                <a:solidFill>
+                  <a:schemeClr val="tx1"/>
+                </a:solidFill>
+                <a:latin typeface="Courier New" pitchFamily="49" charset="0"/>
+                <a:cs typeface="Courier New" pitchFamily="49" charset="0"/>
+              </a:rPr>
+              <a:t>  &lt;prop name=“</a:t>
+            </a:r>
+            <a:r>
+              <a:rPr lang="en-US" sz="1100" dirty="0" err="1" smtClean="0">
+                <a:solidFill>
+                  <a:schemeClr val="tx1"/>
+                </a:solidFill>
+                <a:latin typeface="Courier New" pitchFamily="49" charset="0"/>
+                <a:cs typeface="Courier New" pitchFamily="49" charset="0"/>
+              </a:rPr>
+              <a:t>orgAbbrev</a:t>
+            </a:r>
+            <a:r>
+              <a:rPr lang="en-US" sz="1100" dirty="0" smtClean="0">
+                <a:solidFill>
+                  <a:schemeClr val="tx1"/>
+                </a:solidFill>
+                <a:latin typeface="Courier New" pitchFamily="49" charset="0"/>
+                <a:cs typeface="Courier New" pitchFamily="49" charset="0"/>
+              </a:rPr>
+              <a:t>”/&gt;</a:t>
+            </a:r>
+          </a:p>
+          <a:p>
+            <a:r>
+              <a:rPr lang="en-US" sz="1100" dirty="0" smtClean="0">
+                <a:solidFill>
+                  <a:schemeClr val="tx1"/>
+                </a:solidFill>
+                <a:latin typeface="Courier New" pitchFamily="49" charset="0"/>
+                <a:cs typeface="Courier New" pitchFamily="49" charset="0"/>
+              </a:rPr>
+              <a:t>  &lt;prop name=“name”/&gt;</a:t>
+            </a:r>
+          </a:p>
+          <a:p>
+            <a:r>
+              <a:rPr lang="en-US" sz="1100" dirty="0" smtClean="0">
+                <a:solidFill>
+                  <a:schemeClr val="tx1"/>
+                </a:solidFill>
+                <a:latin typeface="Courier New" pitchFamily="49" charset="0"/>
+                <a:cs typeface="Courier New" pitchFamily="49" charset="0"/>
+              </a:rPr>
+              <a:t>  &lt;prop name=“version”/&gt;</a:t>
+            </a:r>
+          </a:p>
+          <a:p>
+            <a:r>
+              <a:rPr lang="en-US" sz="1100" dirty="0" smtClean="0">
+                <a:solidFill>
+                  <a:schemeClr val="tx1"/>
+                </a:solidFill>
+                <a:latin typeface="Courier New" pitchFamily="49" charset="0"/>
+                <a:cs typeface="Courier New" pitchFamily="49" charset="0"/>
+              </a:rPr>
+              <a:t>  &lt;</a:t>
+            </a:r>
+            <a:r>
+              <a:rPr lang="en-US" sz="1100" dirty="0" err="1" smtClean="0">
+                <a:solidFill>
+                  <a:schemeClr val="tx1"/>
+                </a:solidFill>
+                <a:latin typeface="Courier New" pitchFamily="49" charset="0"/>
+                <a:cs typeface="Courier New" pitchFamily="49" charset="0"/>
+              </a:rPr>
+              <a:t>graphPlanFile</a:t>
+            </a:r>
+            <a:r>
+              <a:rPr lang="en-US" sz="1100" dirty="0" smtClean="0">
+                <a:solidFill>
+                  <a:schemeClr val="tx1"/>
+                </a:solidFill>
+                <a:latin typeface="Courier New" pitchFamily="49" charset="0"/>
+                <a:cs typeface="Courier New" pitchFamily="49" charset="0"/>
+              </a:rPr>
+              <a:t> name=“dbXRefs.xml”/&gt;</a:t>
+            </a:r>
+          </a:p>
+          <a:p>
+            <a:r>
+              <a:rPr lang="en-US" sz="1100" dirty="0" smtClean="0">
+                <a:solidFill>
+                  <a:schemeClr val="tx1"/>
+                </a:solidFill>
+                <a:latin typeface="Courier New" pitchFamily="49" charset="0"/>
+                <a:cs typeface="Courier New" pitchFamily="49" charset="0"/>
+              </a:rPr>
+              <a:t>  &lt;resource name=“${</a:t>
+            </a:r>
+            <a:r>
+              <a:rPr lang="en-US" sz="1100" dirty="0" err="1" smtClean="0">
+                <a:solidFill>
+                  <a:schemeClr val="tx1"/>
+                </a:solidFill>
+                <a:latin typeface="Courier New" pitchFamily="49" charset="0"/>
+                <a:cs typeface="Courier New" pitchFamily="49" charset="0"/>
+              </a:rPr>
+              <a:t>orgAbbrev</a:t>
+            </a:r>
+            <a:r>
+              <a:rPr lang="en-US" sz="1100" dirty="0" smtClean="0">
+                <a:solidFill>
+                  <a:schemeClr val="tx1"/>
+                </a:solidFill>
+                <a:latin typeface="Courier New" pitchFamily="49" charset="0"/>
+                <a:cs typeface="Courier New" pitchFamily="49" charset="0"/>
+              </a:rPr>
+              <a:t>}_${name}_</a:t>
+            </a:r>
+            <a:r>
+              <a:rPr lang="en-US" sz="1100" dirty="0" err="1" smtClean="0">
+                <a:solidFill>
+                  <a:schemeClr val="tx1"/>
+                </a:solidFill>
+                <a:latin typeface="Courier New" pitchFamily="49" charset="0"/>
+                <a:cs typeface="Courier New" pitchFamily="49" charset="0"/>
+              </a:rPr>
+              <a:t>dbxrefs</a:t>
+            </a:r>
+            <a:r>
+              <a:rPr lang="en-US" sz="1100" dirty="0" smtClean="0">
+                <a:solidFill>
+                  <a:schemeClr val="tx1"/>
+                </a:solidFill>
+                <a:latin typeface="Courier New" pitchFamily="49" charset="0"/>
+                <a:cs typeface="Courier New" pitchFamily="49" charset="0"/>
+              </a:rPr>
+              <a:t>”&gt;</a:t>
+            </a:r>
+          </a:p>
+          <a:p>
+            <a:r>
+              <a:rPr lang="en-US" sz="1100" dirty="0" smtClean="0">
+                <a:solidFill>
+                  <a:schemeClr val="tx1"/>
+                </a:solidFill>
+                <a:latin typeface="Courier New" pitchFamily="49" charset="0"/>
+                <a:cs typeface="Courier New" pitchFamily="49" charset="0"/>
+              </a:rPr>
+              <a:t>    &lt;</a:t>
+            </a:r>
+            <a:r>
+              <a:rPr lang="en-US" sz="1100" dirty="0" err="1" smtClean="0">
+                <a:solidFill>
+                  <a:schemeClr val="tx1"/>
+                </a:solidFill>
+                <a:latin typeface="Courier New" pitchFamily="49" charset="0"/>
+                <a:cs typeface="Courier New" pitchFamily="49" charset="0"/>
+              </a:rPr>
+              <a:t>manualGet</a:t>
+            </a:r>
+            <a:r>
+              <a:rPr lang="en-US" sz="1100" dirty="0" smtClean="0">
+                <a:solidFill>
+                  <a:schemeClr val="tx1"/>
+                </a:solidFill>
+                <a:latin typeface="Courier New" pitchFamily="49" charset="0"/>
+                <a:cs typeface="Courier New" pitchFamily="49" charset="0"/>
+              </a:rPr>
+              <a:t>/&gt;</a:t>
+            </a:r>
+          </a:p>
+          <a:p>
+            <a:r>
+              <a:rPr lang="en-US" sz="1100" dirty="0" smtClean="0">
+                <a:solidFill>
+                  <a:schemeClr val="tx1"/>
+                </a:solidFill>
+                <a:latin typeface="Courier New" pitchFamily="49" charset="0"/>
+                <a:cs typeface="Courier New" pitchFamily="49" charset="0"/>
+              </a:rPr>
+              <a:t>     …</a:t>
+            </a:r>
+          </a:p>
+          <a:p>
+            <a:r>
+              <a:rPr lang="en-US" sz="1100" dirty="0" smtClean="0">
+                <a:solidFill>
+                  <a:schemeClr val="tx1"/>
+                </a:solidFill>
+                <a:latin typeface="Courier New" pitchFamily="49" charset="0"/>
+                <a:cs typeface="Courier New" pitchFamily="49" charset="0"/>
+              </a:rPr>
+              <a:t>  &lt;/resource&gt;</a:t>
+            </a:r>
+          </a:p>
+          <a:p>
+            <a:r>
+              <a:rPr lang="en-US" sz="1100" dirty="0" smtClean="0">
+                <a:solidFill>
+                  <a:schemeClr val="tx1"/>
+                </a:solidFill>
+                <a:latin typeface="Courier New" pitchFamily="49" charset="0"/>
+                <a:cs typeface="Courier New" pitchFamily="49" charset="0"/>
+              </a:rPr>
+              <a:t>&lt;/</a:t>
+            </a:r>
+            <a:r>
+              <a:rPr lang="en-US" sz="1100" dirty="0" err="1" smtClean="0">
+                <a:solidFill>
+                  <a:schemeClr val="tx1"/>
+                </a:solidFill>
+                <a:latin typeface="Courier New" pitchFamily="49" charset="0"/>
+                <a:cs typeface="Courier New" pitchFamily="49" charset="0"/>
+              </a:rPr>
+              <a:t>datasetClass</a:t>
+            </a:r>
+            <a:r>
+              <a:rPr lang="en-US" sz="1100" dirty="0" smtClean="0">
+                <a:solidFill>
+                  <a:schemeClr val="tx1"/>
+                </a:solidFill>
+                <a:latin typeface="Courier New" pitchFamily="49" charset="0"/>
+                <a:cs typeface="Courier New" pitchFamily="49" charset="0"/>
+              </a:rPr>
+              <a:t>&gt;</a:t>
+            </a:r>
+            <a:endParaRPr lang="en-US" sz="1100" dirty="0">
+              <a:solidFill>
+                <a:schemeClr val="tx1"/>
+              </a:solidFill>
+              <a:latin typeface="Courier New" pitchFamily="49" charset="0"/>
+              <a:cs typeface="Courier New" pitchFamily="49" charset="0"/>
+            </a:endParaRPr>
+          </a:p>
+        </p:txBody>
+      </p:sp>
+      <p:sp>
+        <p:nvSpPr>
+          <p:cNvPr id="5" name="Rectangle 4"/>
+          <p:cNvSpPr/>
+          <p:nvPr/>
+        </p:nvSpPr>
+        <p:spPr>
+          <a:xfrm>
+            <a:off x="2514600" y="152400"/>
+            <a:ext cx="4038600" cy="990600"/>
+          </a:xfrm>
+          <a:prstGeom prst="rect">
+            <a:avLst/>
+          </a:prstGeom>
+          <a:solidFill>
+            <a:schemeClr val="bg2"/>
+          </a:solidFill>
+        </p:spPr>
+        <p:style>
+          <a:lnRef idx="2">
+            <a:schemeClr val="accent1">
+              <a:shade val="50000"/>
+            </a:schemeClr>
+          </a:lnRef>
+          <a:fillRef idx="1">
+            <a:schemeClr val="accent1"/>
+          </a:fillRef>
+          <a:effectRef idx="0">
+            <a:schemeClr val="accent1"/>
+          </a:effectRef>
+          <a:fontRef idx="minor">
+            <a:schemeClr val="lt1"/>
+          </a:fontRef>
+        </p:style>
+        <p:txBody>
+          <a:bodyPr rtlCol="0" anchor="ctr"/>
+          <a:lstStyle/>
+          <a:p>
+            <a:r>
+              <a:rPr lang="en-US" sz="1100" dirty="0" smtClean="0">
+                <a:solidFill>
+                  <a:schemeClr val="tx1"/>
+                </a:solidFill>
+                <a:latin typeface="Courier New" pitchFamily="49" charset="0"/>
+                <a:cs typeface="Courier New" pitchFamily="49" charset="0"/>
+              </a:rPr>
+              <a:t>&lt;dataset class=“</a:t>
+            </a:r>
+            <a:r>
+              <a:rPr lang="en-US" sz="1100" dirty="0" err="1" smtClean="0">
+                <a:solidFill>
+                  <a:schemeClr val="tx1"/>
+                </a:solidFill>
+                <a:latin typeface="Courier New" pitchFamily="49" charset="0"/>
+                <a:cs typeface="Courier New" pitchFamily="49" charset="0"/>
+              </a:rPr>
+              <a:t>dbxrefs</a:t>
+            </a:r>
+            <a:r>
+              <a:rPr lang="en-US" sz="1100" dirty="0" smtClean="0">
+                <a:solidFill>
+                  <a:schemeClr val="tx1"/>
+                </a:solidFill>
+                <a:latin typeface="Courier New" pitchFamily="49" charset="0"/>
+                <a:cs typeface="Courier New" pitchFamily="49" charset="0"/>
+              </a:rPr>
+              <a:t>”&gt;</a:t>
+            </a:r>
+          </a:p>
+          <a:p>
+            <a:r>
+              <a:rPr lang="en-US" sz="1100" dirty="0" smtClean="0">
+                <a:solidFill>
+                  <a:schemeClr val="tx1"/>
+                </a:solidFill>
+                <a:latin typeface="Courier New" pitchFamily="49" charset="0"/>
+                <a:cs typeface="Courier New" pitchFamily="49" charset="0"/>
+              </a:rPr>
+              <a:t>  &lt;prop name=“</a:t>
+            </a:r>
+            <a:r>
+              <a:rPr lang="en-US" sz="1100" dirty="0" err="1" smtClean="0">
+                <a:solidFill>
+                  <a:schemeClr val="tx1"/>
+                </a:solidFill>
+                <a:latin typeface="Courier New" pitchFamily="49" charset="0"/>
+                <a:cs typeface="Courier New" pitchFamily="49" charset="0"/>
+              </a:rPr>
+              <a:t>orgAbbrev</a:t>
+            </a:r>
+            <a:r>
+              <a:rPr lang="en-US" sz="1100" dirty="0" smtClean="0">
+                <a:solidFill>
+                  <a:schemeClr val="tx1"/>
+                </a:solidFill>
+                <a:latin typeface="Courier New" pitchFamily="49" charset="0"/>
+                <a:cs typeface="Courier New" pitchFamily="49" charset="0"/>
+              </a:rPr>
+              <a:t>”&gt;</a:t>
+            </a:r>
+            <a:r>
+              <a:rPr lang="en-US" sz="1100" dirty="0" err="1" smtClean="0">
+                <a:solidFill>
+                  <a:schemeClr val="tx1"/>
+                </a:solidFill>
+                <a:latin typeface="Courier New" pitchFamily="49" charset="0"/>
+                <a:cs typeface="Courier New" pitchFamily="49" charset="0"/>
+              </a:rPr>
+              <a:t>myOrg</a:t>
+            </a:r>
+            <a:r>
+              <a:rPr lang="en-US" sz="1100" dirty="0" smtClean="0">
+                <a:solidFill>
+                  <a:schemeClr val="tx1"/>
+                </a:solidFill>
+                <a:latin typeface="Courier New" pitchFamily="49" charset="0"/>
+                <a:cs typeface="Courier New" pitchFamily="49" charset="0"/>
+              </a:rPr>
+              <a:t>&lt;/prop&gt;</a:t>
+            </a:r>
+          </a:p>
+          <a:p>
+            <a:r>
+              <a:rPr lang="en-US" sz="1100" dirty="0" smtClean="0">
+                <a:solidFill>
+                  <a:schemeClr val="tx1"/>
+                </a:solidFill>
+                <a:latin typeface="Courier New" pitchFamily="49" charset="0"/>
+                <a:cs typeface="Courier New" pitchFamily="49" charset="0"/>
+              </a:rPr>
+              <a:t>  &lt;prop name=“name”&gt;</a:t>
+            </a:r>
+            <a:r>
+              <a:rPr lang="en-US" sz="1100" dirty="0" err="1" smtClean="0">
+                <a:solidFill>
+                  <a:schemeClr val="tx1"/>
+                </a:solidFill>
+                <a:latin typeface="Courier New" pitchFamily="49" charset="0"/>
+                <a:cs typeface="Courier New" pitchFamily="49" charset="0"/>
+              </a:rPr>
+              <a:t>uniprot</a:t>
+            </a:r>
+            <a:r>
+              <a:rPr lang="en-US" sz="1100" dirty="0" smtClean="0">
+                <a:solidFill>
+                  <a:schemeClr val="tx1"/>
+                </a:solidFill>
+                <a:latin typeface="Courier New" pitchFamily="49" charset="0"/>
+                <a:cs typeface="Courier New" pitchFamily="49" charset="0"/>
+              </a:rPr>
+              <a:t>&lt;/prop&gt;</a:t>
+            </a:r>
+          </a:p>
+          <a:p>
+            <a:r>
+              <a:rPr lang="en-US" sz="1100" dirty="0" smtClean="0">
+                <a:solidFill>
+                  <a:schemeClr val="tx1"/>
+                </a:solidFill>
+                <a:latin typeface="Courier New" pitchFamily="49" charset="0"/>
+                <a:cs typeface="Courier New" pitchFamily="49" charset="0"/>
+              </a:rPr>
+              <a:t>  &lt;prop name=“version”&gt;2.0&lt;/prop&gt;</a:t>
+            </a:r>
+          </a:p>
+          <a:p>
+            <a:r>
+              <a:rPr lang="en-US" sz="1100" dirty="0" smtClean="0">
+                <a:solidFill>
+                  <a:schemeClr val="tx1"/>
+                </a:solidFill>
+                <a:latin typeface="Courier New" pitchFamily="49" charset="0"/>
+                <a:cs typeface="Courier New" pitchFamily="49" charset="0"/>
+              </a:rPr>
+              <a:t>&lt;/dataset&gt;</a:t>
+            </a:r>
+          </a:p>
+        </p:txBody>
+      </p:sp>
+      <p:sp>
+        <p:nvSpPr>
+          <p:cNvPr id="6" name="Rectangle 5"/>
+          <p:cNvSpPr/>
+          <p:nvPr/>
+        </p:nvSpPr>
+        <p:spPr>
+          <a:xfrm>
+            <a:off x="152400" y="4724399"/>
+            <a:ext cx="3657600" cy="1447800"/>
+          </a:xfrm>
+          <a:prstGeom prst="rect">
+            <a:avLst/>
+          </a:prstGeom>
+          <a:solidFill>
+            <a:schemeClr val="bg2"/>
+          </a:solidFill>
+        </p:spPr>
+        <p:style>
+          <a:lnRef idx="2">
+            <a:schemeClr val="accent1">
+              <a:shade val="50000"/>
+            </a:schemeClr>
+          </a:lnRef>
+          <a:fillRef idx="1">
+            <a:schemeClr val="accent1"/>
+          </a:fillRef>
+          <a:effectRef idx="0">
+            <a:schemeClr val="accent1"/>
+          </a:effectRef>
+          <a:fontRef idx="minor">
+            <a:schemeClr val="lt1"/>
+          </a:fontRef>
+        </p:style>
+        <p:txBody>
+          <a:bodyPr rtlCol="0" anchor="ctr"/>
+          <a:lstStyle/>
+          <a:p>
+            <a:r>
+              <a:rPr lang="en-US" sz="1100" dirty="0" smtClean="0">
+                <a:solidFill>
+                  <a:schemeClr val="tx1"/>
+                </a:solidFill>
+                <a:latin typeface="Courier New" pitchFamily="49" charset="0"/>
+                <a:cs typeface="Courier New" pitchFamily="49" charset="0"/>
+              </a:rPr>
+              <a:t>&lt;resources&gt;</a:t>
+            </a:r>
+          </a:p>
+          <a:p>
+            <a:r>
+              <a:rPr lang="en-US" sz="1100" dirty="0" smtClean="0">
+                <a:solidFill>
+                  <a:schemeClr val="tx1"/>
+                </a:solidFill>
+                <a:latin typeface="Courier New" pitchFamily="49" charset="0"/>
+                <a:cs typeface="Courier New" pitchFamily="49" charset="0"/>
+              </a:rPr>
+              <a:t>  &lt;resource name=“</a:t>
+            </a:r>
+            <a:r>
+              <a:rPr lang="en-US" sz="1100" dirty="0" err="1" smtClean="0">
+                <a:solidFill>
+                  <a:schemeClr val="tx1"/>
+                </a:solidFill>
+                <a:latin typeface="Courier New" pitchFamily="49" charset="0"/>
+                <a:cs typeface="Courier New" pitchFamily="49" charset="0"/>
+              </a:rPr>
+              <a:t>myOrg_uniprot_dbxrefs</a:t>
+            </a:r>
+            <a:r>
+              <a:rPr lang="en-US" sz="1100" dirty="0" smtClean="0">
+                <a:solidFill>
+                  <a:schemeClr val="tx1"/>
+                </a:solidFill>
+                <a:latin typeface="Courier New" pitchFamily="49" charset="0"/>
+                <a:cs typeface="Courier New" pitchFamily="49" charset="0"/>
+              </a:rPr>
+              <a:t>”&gt;</a:t>
+            </a:r>
+          </a:p>
+          <a:p>
+            <a:r>
+              <a:rPr lang="en-US" sz="1100" dirty="0" smtClean="0">
+                <a:solidFill>
+                  <a:schemeClr val="tx1"/>
+                </a:solidFill>
+                <a:latin typeface="Courier New" pitchFamily="49" charset="0"/>
+                <a:cs typeface="Courier New" pitchFamily="49" charset="0"/>
+              </a:rPr>
+              <a:t>   …</a:t>
+            </a:r>
+          </a:p>
+          <a:p>
+            <a:r>
+              <a:rPr lang="en-US" sz="1100" dirty="0" smtClean="0">
+                <a:solidFill>
+                  <a:schemeClr val="tx1"/>
+                </a:solidFill>
+                <a:latin typeface="Courier New" pitchFamily="49" charset="0"/>
+                <a:cs typeface="Courier New" pitchFamily="49" charset="0"/>
+              </a:rPr>
+              <a:t>  &lt;/resource&gt;</a:t>
+            </a:r>
+          </a:p>
+          <a:p>
+            <a:r>
+              <a:rPr lang="en-US" sz="1100" dirty="0" smtClean="0">
+                <a:solidFill>
+                  <a:schemeClr val="tx1"/>
+                </a:solidFill>
+                <a:latin typeface="Courier New" pitchFamily="49" charset="0"/>
+                <a:cs typeface="Courier New" pitchFamily="49" charset="0"/>
+              </a:rPr>
+              <a:t>  …</a:t>
+            </a:r>
+          </a:p>
+          <a:p>
+            <a:r>
+              <a:rPr lang="en-US" sz="1100" dirty="0" smtClean="0">
+                <a:solidFill>
+                  <a:schemeClr val="tx1"/>
+                </a:solidFill>
+                <a:latin typeface="Courier New" pitchFamily="49" charset="0"/>
+                <a:cs typeface="Courier New" pitchFamily="49" charset="0"/>
+              </a:rPr>
+              <a:t>&lt;resource&gt;</a:t>
+            </a:r>
+            <a:endParaRPr lang="en-US" sz="1100" dirty="0">
+              <a:solidFill>
+                <a:schemeClr val="tx1"/>
+              </a:solidFill>
+              <a:latin typeface="Courier New" pitchFamily="49" charset="0"/>
+              <a:cs typeface="Courier New" pitchFamily="49" charset="0"/>
+            </a:endParaRPr>
+          </a:p>
+        </p:txBody>
+      </p:sp>
+      <p:sp>
+        <p:nvSpPr>
+          <p:cNvPr id="7" name="Rectangle 6"/>
+          <p:cNvSpPr/>
+          <p:nvPr/>
+        </p:nvSpPr>
+        <p:spPr>
+          <a:xfrm>
+            <a:off x="4648200" y="1828800"/>
+            <a:ext cx="4267200" cy="1905000"/>
+          </a:xfrm>
+          <a:prstGeom prst="rect">
+            <a:avLst/>
+          </a:prstGeom>
+          <a:solidFill>
+            <a:schemeClr val="bg2"/>
+          </a:solidFill>
+        </p:spPr>
+        <p:style>
+          <a:lnRef idx="2">
+            <a:schemeClr val="accent1">
+              <a:shade val="50000"/>
+            </a:schemeClr>
+          </a:lnRef>
+          <a:fillRef idx="1">
+            <a:schemeClr val="accent1"/>
+          </a:fillRef>
+          <a:effectRef idx="0">
+            <a:schemeClr val="accent1"/>
+          </a:effectRef>
+          <a:fontRef idx="minor">
+            <a:schemeClr val="lt1"/>
+          </a:fontRef>
+        </p:style>
+        <p:txBody>
+          <a:bodyPr lIns="0" rIns="0" rtlCol="0" anchor="ctr"/>
+          <a:lstStyle/>
+          <a:p>
+            <a:r>
+              <a:rPr lang="en-US" sz="1100" dirty="0" smtClean="0">
+                <a:solidFill>
+                  <a:schemeClr val="tx1"/>
+                </a:solidFill>
+                <a:latin typeface="Courier New" pitchFamily="49" charset="0"/>
+                <a:cs typeface="Courier New" pitchFamily="49" charset="0"/>
+              </a:rPr>
+              <a:t>&lt;workflow&gt;</a:t>
+            </a:r>
+          </a:p>
+          <a:p>
+            <a:r>
+              <a:rPr lang="en-US" sz="1100" dirty="0" smtClean="0">
+                <a:solidFill>
+                  <a:schemeClr val="tx1"/>
+                </a:solidFill>
+                <a:latin typeface="Courier New" pitchFamily="49" charset="0"/>
+                <a:cs typeface="Courier New" pitchFamily="49" charset="0"/>
+              </a:rPr>
+              <a:t>  &lt;</a:t>
+            </a:r>
+            <a:r>
+              <a:rPr lang="en-US" sz="1100" dirty="0" err="1" smtClean="0">
+                <a:solidFill>
+                  <a:schemeClr val="tx1"/>
+                </a:solidFill>
+                <a:latin typeface="Courier New" pitchFamily="49" charset="0"/>
+                <a:cs typeface="Courier New" pitchFamily="49" charset="0"/>
+              </a:rPr>
+              <a:t>datasetTemplate</a:t>
+            </a:r>
+            <a:r>
+              <a:rPr lang="en-US" sz="1100" dirty="0" smtClean="0">
+                <a:solidFill>
+                  <a:schemeClr val="tx1"/>
+                </a:solidFill>
+                <a:latin typeface="Courier New" pitchFamily="49" charset="0"/>
+                <a:cs typeface="Courier New" pitchFamily="49" charset="0"/>
+              </a:rPr>
+              <a:t> class=“</a:t>
+            </a:r>
+            <a:r>
+              <a:rPr lang="en-US" sz="1100" dirty="0" err="1" smtClean="0">
+                <a:solidFill>
+                  <a:schemeClr val="tx1"/>
+                </a:solidFill>
+                <a:latin typeface="Courier New" pitchFamily="49" charset="0"/>
+                <a:cs typeface="Courier New" pitchFamily="49" charset="0"/>
+              </a:rPr>
+              <a:t>dbxrefs</a:t>
+            </a:r>
+            <a:r>
+              <a:rPr lang="en-US" sz="1100" dirty="0" smtClean="0">
+                <a:solidFill>
+                  <a:schemeClr val="tx1"/>
+                </a:solidFill>
+                <a:latin typeface="Courier New" pitchFamily="49" charset="0"/>
+                <a:cs typeface="Courier New" pitchFamily="49" charset="0"/>
+              </a:rPr>
+              <a:t>”&gt;</a:t>
+            </a:r>
+          </a:p>
+          <a:p>
+            <a:r>
+              <a:rPr lang="en-US" sz="1100" dirty="0" smtClean="0">
+                <a:solidFill>
+                  <a:schemeClr val="tx1"/>
+                </a:solidFill>
+                <a:latin typeface="Courier New" pitchFamily="49" charset="0"/>
+                <a:cs typeface="Courier New" pitchFamily="49" charset="0"/>
+              </a:rPr>
+              <a:t>    &lt;prop name=“</a:t>
+            </a:r>
+            <a:r>
+              <a:rPr lang="en-US" sz="1100" dirty="0" err="1" smtClean="0">
+                <a:solidFill>
+                  <a:schemeClr val="tx1"/>
+                </a:solidFill>
+                <a:latin typeface="Courier New" pitchFamily="49" charset="0"/>
+                <a:cs typeface="Courier New" pitchFamily="49" charset="0"/>
+              </a:rPr>
+              <a:t>orgAbbrev</a:t>
+            </a:r>
+            <a:r>
+              <a:rPr lang="en-US" sz="1100" dirty="0" smtClean="0">
+                <a:solidFill>
+                  <a:schemeClr val="tx1"/>
+                </a:solidFill>
+                <a:latin typeface="Courier New" pitchFamily="49" charset="0"/>
+                <a:cs typeface="Courier New" pitchFamily="49" charset="0"/>
+              </a:rPr>
+              <a:t>”/&gt;</a:t>
+            </a:r>
+          </a:p>
+          <a:p>
+            <a:r>
+              <a:rPr lang="en-US" sz="1100" dirty="0" smtClean="0">
+                <a:solidFill>
+                  <a:schemeClr val="tx1"/>
+                </a:solidFill>
+                <a:latin typeface="Courier New" pitchFamily="49" charset="0"/>
+                <a:cs typeface="Courier New" pitchFamily="49" charset="0"/>
+              </a:rPr>
+              <a:t>    &lt;prop name=“name”/&gt;</a:t>
+            </a:r>
+          </a:p>
+          <a:p>
+            <a:r>
+              <a:rPr lang="en-US" sz="1100" dirty="0" smtClean="0">
+                <a:solidFill>
+                  <a:schemeClr val="tx1"/>
+                </a:solidFill>
+                <a:latin typeface="Courier New" pitchFamily="49" charset="0"/>
+                <a:cs typeface="Courier New" pitchFamily="49" charset="0"/>
+              </a:rPr>
+              <a:t>    &lt;</a:t>
+            </a:r>
+            <a:r>
+              <a:rPr lang="en-US" sz="1100" dirty="0" err="1" smtClean="0">
+                <a:solidFill>
+                  <a:schemeClr val="tx1"/>
+                </a:solidFill>
+                <a:latin typeface="Courier New" pitchFamily="49" charset="0"/>
+                <a:cs typeface="Courier New" pitchFamily="49" charset="0"/>
+              </a:rPr>
+              <a:t>subgraph</a:t>
+            </a:r>
+            <a:r>
+              <a:rPr lang="en-US" sz="1100" dirty="0" smtClean="0">
+                <a:solidFill>
+                  <a:schemeClr val="tx1"/>
+                </a:solidFill>
+                <a:latin typeface="Courier New" pitchFamily="49" charset="0"/>
+                <a:cs typeface="Courier New" pitchFamily="49" charset="0"/>
+              </a:rPr>
+              <a:t> name=“${</a:t>
+            </a:r>
+            <a:r>
+              <a:rPr lang="en-US" sz="1100" dirty="0" err="1" smtClean="0">
+                <a:solidFill>
+                  <a:schemeClr val="tx1"/>
+                </a:solidFill>
+                <a:latin typeface="Courier New" pitchFamily="49" charset="0"/>
+                <a:cs typeface="Courier New" pitchFamily="49" charset="0"/>
+              </a:rPr>
+              <a:t>orgAbbrev</a:t>
+            </a:r>
+            <a:r>
+              <a:rPr lang="en-US" sz="1100" dirty="0" smtClean="0">
+                <a:solidFill>
+                  <a:schemeClr val="tx1"/>
+                </a:solidFill>
+                <a:latin typeface="Courier New" pitchFamily="49" charset="0"/>
+                <a:cs typeface="Courier New" pitchFamily="49" charset="0"/>
+              </a:rPr>
+              <a:t>}_${name}_</a:t>
+            </a:r>
+            <a:r>
+              <a:rPr lang="en-US" sz="1100" dirty="0" err="1" smtClean="0">
+                <a:solidFill>
+                  <a:schemeClr val="tx1"/>
+                </a:solidFill>
+                <a:latin typeface="Courier New" pitchFamily="49" charset="0"/>
+                <a:cs typeface="Courier New" pitchFamily="49" charset="0"/>
+              </a:rPr>
+              <a:t>dbxrefs</a:t>
+            </a:r>
+            <a:r>
+              <a:rPr lang="en-US" sz="1100" dirty="0" smtClean="0">
+                <a:solidFill>
+                  <a:schemeClr val="tx1"/>
+                </a:solidFill>
+                <a:latin typeface="Courier New" pitchFamily="49" charset="0"/>
+                <a:cs typeface="Courier New" pitchFamily="49" charset="0"/>
+              </a:rPr>
+              <a:t>”</a:t>
+            </a:r>
+          </a:p>
+          <a:p>
+            <a:r>
+              <a:rPr lang="en-US" sz="1100" dirty="0" smtClean="0">
+                <a:solidFill>
+                  <a:schemeClr val="tx1"/>
+                </a:solidFill>
+                <a:latin typeface="Courier New" pitchFamily="49" charset="0"/>
+                <a:cs typeface="Courier New" pitchFamily="49" charset="0"/>
+              </a:rPr>
+              <a:t>              </a:t>
+            </a:r>
+            <a:r>
+              <a:rPr lang="en-US" sz="1100" dirty="0" err="1" smtClean="0">
+                <a:solidFill>
+                  <a:schemeClr val="tx1"/>
+                </a:solidFill>
+                <a:latin typeface="Courier New" pitchFamily="49" charset="0"/>
+                <a:cs typeface="Courier New" pitchFamily="49" charset="0"/>
+              </a:rPr>
+              <a:t>xmlFile</a:t>
+            </a:r>
+            <a:r>
+              <a:rPr lang="en-US" sz="1100" dirty="0" smtClean="0">
+                <a:solidFill>
+                  <a:schemeClr val="tx1"/>
+                </a:solidFill>
+                <a:latin typeface="Courier New" pitchFamily="49" charset="0"/>
+                <a:cs typeface="Courier New" pitchFamily="49" charset="0"/>
+              </a:rPr>
+              <a:t>=“loadResources.xml”&gt;</a:t>
+            </a:r>
+          </a:p>
+          <a:p>
+            <a:r>
+              <a:rPr lang="en-US" sz="1100" dirty="0" smtClean="0">
+                <a:solidFill>
+                  <a:schemeClr val="tx1"/>
+                </a:solidFill>
+                <a:latin typeface="Courier New" pitchFamily="49" charset="0"/>
+                <a:cs typeface="Courier New" pitchFamily="49" charset="0"/>
+              </a:rPr>
+              <a:t>      &lt;</a:t>
+            </a:r>
+            <a:r>
+              <a:rPr lang="en-US" sz="1100" dirty="0" err="1" smtClean="0">
+                <a:solidFill>
+                  <a:schemeClr val="tx1"/>
+                </a:solidFill>
+                <a:latin typeface="Courier New" pitchFamily="49" charset="0"/>
+                <a:cs typeface="Courier New" pitchFamily="49" charset="0"/>
+              </a:rPr>
+              <a:t>paramValue</a:t>
+            </a:r>
+            <a:r>
+              <a:rPr lang="en-US" sz="1100" dirty="0" smtClean="0">
+                <a:solidFill>
+                  <a:schemeClr val="tx1"/>
+                </a:solidFill>
+                <a:latin typeface="Courier New" pitchFamily="49" charset="0"/>
+                <a:cs typeface="Courier New" pitchFamily="49" charset="0"/>
+              </a:rPr>
+              <a:t> name=“what”&gt;for&lt;/</a:t>
+            </a:r>
+            <a:r>
+              <a:rPr lang="en-US" sz="1100" dirty="0" err="1" smtClean="0">
+                <a:solidFill>
+                  <a:schemeClr val="tx1"/>
+                </a:solidFill>
+                <a:latin typeface="Courier New" pitchFamily="49" charset="0"/>
+                <a:cs typeface="Courier New" pitchFamily="49" charset="0"/>
+              </a:rPr>
+              <a:t>paramValue</a:t>
+            </a:r>
+            <a:r>
+              <a:rPr lang="en-US" sz="1100" dirty="0" smtClean="0">
+                <a:solidFill>
+                  <a:schemeClr val="tx1"/>
+                </a:solidFill>
+                <a:latin typeface="Courier New" pitchFamily="49" charset="0"/>
+                <a:cs typeface="Courier New" pitchFamily="49" charset="0"/>
+              </a:rPr>
+              <a:t>&gt;</a:t>
+            </a:r>
+          </a:p>
+          <a:p>
+            <a:r>
+              <a:rPr lang="en-US" sz="1100" dirty="0" smtClean="0">
+                <a:solidFill>
+                  <a:schemeClr val="tx1"/>
+                </a:solidFill>
+                <a:latin typeface="Courier New" pitchFamily="49" charset="0"/>
+                <a:cs typeface="Courier New" pitchFamily="49" charset="0"/>
+              </a:rPr>
+              <a:t>    &lt;/</a:t>
+            </a:r>
+            <a:r>
+              <a:rPr lang="en-US" sz="1100" dirty="0" err="1" smtClean="0">
+                <a:solidFill>
+                  <a:schemeClr val="tx1"/>
+                </a:solidFill>
+                <a:latin typeface="Courier New" pitchFamily="49" charset="0"/>
+                <a:cs typeface="Courier New" pitchFamily="49" charset="0"/>
+              </a:rPr>
+              <a:t>subgraph</a:t>
+            </a:r>
+            <a:r>
+              <a:rPr lang="en-US" sz="1100" dirty="0" smtClean="0">
+                <a:solidFill>
+                  <a:schemeClr val="tx1"/>
+                </a:solidFill>
+                <a:latin typeface="Courier New" pitchFamily="49" charset="0"/>
+                <a:cs typeface="Courier New" pitchFamily="49" charset="0"/>
+              </a:rPr>
+              <a:t>&gt;</a:t>
+            </a:r>
+          </a:p>
+          <a:p>
+            <a:r>
+              <a:rPr lang="en-US" sz="1100" dirty="0" smtClean="0">
+                <a:solidFill>
+                  <a:schemeClr val="tx1"/>
+                </a:solidFill>
+                <a:latin typeface="Courier New" pitchFamily="49" charset="0"/>
+                <a:cs typeface="Courier New" pitchFamily="49" charset="0"/>
+              </a:rPr>
+              <a:t>  &lt;/</a:t>
+            </a:r>
+            <a:r>
+              <a:rPr lang="en-US" sz="1100" dirty="0" err="1" smtClean="0">
+                <a:solidFill>
+                  <a:schemeClr val="tx1"/>
+                </a:solidFill>
+                <a:latin typeface="Courier New" pitchFamily="49" charset="0"/>
+                <a:cs typeface="Courier New" pitchFamily="49" charset="0"/>
+              </a:rPr>
+              <a:t>datasetTemplate</a:t>
+            </a:r>
+            <a:r>
+              <a:rPr lang="en-US" sz="1100" dirty="0" smtClean="0">
+                <a:solidFill>
+                  <a:schemeClr val="tx1"/>
+                </a:solidFill>
+                <a:latin typeface="Courier New" pitchFamily="49" charset="0"/>
+                <a:cs typeface="Courier New" pitchFamily="49" charset="0"/>
+              </a:rPr>
+              <a:t>&gt;</a:t>
+            </a:r>
+          </a:p>
+          <a:p>
+            <a:r>
+              <a:rPr lang="en-US" sz="1100" dirty="0" smtClean="0">
+                <a:solidFill>
+                  <a:schemeClr val="tx1"/>
+                </a:solidFill>
+                <a:latin typeface="Courier New" pitchFamily="49" charset="0"/>
+                <a:cs typeface="Courier New" pitchFamily="49" charset="0"/>
+              </a:rPr>
+              <a:t>   ..</a:t>
+            </a:r>
+          </a:p>
+          <a:p>
+            <a:r>
+              <a:rPr lang="en-US" sz="1100" dirty="0" smtClean="0">
+                <a:solidFill>
+                  <a:schemeClr val="tx1"/>
+                </a:solidFill>
+                <a:latin typeface="Courier New" pitchFamily="49" charset="0"/>
+                <a:cs typeface="Courier New" pitchFamily="49" charset="0"/>
+              </a:rPr>
+              <a:t>&lt;/workflow&gt;</a:t>
+            </a:r>
+          </a:p>
+        </p:txBody>
+      </p:sp>
+      <p:sp>
+        <p:nvSpPr>
+          <p:cNvPr id="8" name="Rectangle 7"/>
+          <p:cNvSpPr/>
+          <p:nvPr/>
+        </p:nvSpPr>
+        <p:spPr>
+          <a:xfrm>
+            <a:off x="4989443" y="4648199"/>
+            <a:ext cx="954157" cy="381000"/>
+          </a:xfrm>
+          <a:prstGeom prst="rect">
+            <a:avLst/>
+          </a:prstGeom>
+          <a:solidFill>
+            <a:schemeClr val="bg1"/>
+          </a:solidFill>
+        </p:spPr>
+        <p:style>
+          <a:lnRef idx="2">
+            <a:schemeClr val="accent1">
+              <a:shade val="50000"/>
+            </a:schemeClr>
+          </a:lnRef>
+          <a:fillRef idx="1">
+            <a:schemeClr val="accent1"/>
+          </a:fillRef>
+          <a:effectRef idx="0">
+            <a:schemeClr val="accent1"/>
+          </a:effectRef>
+          <a:fontRef idx="minor">
+            <a:schemeClr val="lt1"/>
+          </a:fontRef>
+        </p:style>
+        <p:txBody>
+          <a:bodyPr rtlCol="0" anchor="ctr"/>
+          <a:lstStyle/>
+          <a:p>
+            <a:pPr algn="ctr"/>
+            <a:r>
+              <a:rPr lang="en-US" sz="1100" dirty="0" smtClean="0">
+                <a:solidFill>
+                  <a:schemeClr val="tx1"/>
+                </a:solidFill>
+                <a:latin typeface="Courier New" pitchFamily="49" charset="0"/>
+                <a:cs typeface="Courier New" pitchFamily="49" charset="0"/>
+              </a:rPr>
+              <a:t>Top Level Graph</a:t>
+            </a:r>
+            <a:endParaRPr lang="en-US" sz="1100" dirty="0">
+              <a:solidFill>
+                <a:schemeClr val="tx1"/>
+              </a:solidFill>
+              <a:latin typeface="Courier New" pitchFamily="49" charset="0"/>
+              <a:cs typeface="Courier New" pitchFamily="49" charset="0"/>
+            </a:endParaRPr>
+          </a:p>
+        </p:txBody>
+      </p:sp>
+      <p:sp>
+        <p:nvSpPr>
+          <p:cNvPr id="107" name="Oval 106"/>
+          <p:cNvSpPr/>
+          <p:nvPr/>
+        </p:nvSpPr>
+        <p:spPr>
+          <a:xfrm>
+            <a:off x="5715000" y="76200"/>
+            <a:ext cx="1447800" cy="457200"/>
+          </a:xfrm>
+          <a:prstGeom prst="ellipse">
+            <a:avLst/>
+          </a:prstGeom>
+          <a:solidFill>
+            <a:schemeClr val="accent4">
+              <a:lumMod val="75000"/>
+            </a:schemeClr>
+          </a:solidFill>
+        </p:spPr>
+        <p:style>
+          <a:lnRef idx="2">
+            <a:schemeClr val="accent1">
+              <a:shade val="50000"/>
+            </a:schemeClr>
+          </a:lnRef>
+          <a:fillRef idx="1">
+            <a:schemeClr val="accent1"/>
+          </a:fillRef>
+          <a:effectRef idx="0">
+            <a:schemeClr val="accent1"/>
+          </a:effectRef>
+          <a:fontRef idx="minor">
+            <a:schemeClr val="lt1"/>
+          </a:fontRef>
+        </p:style>
+        <p:txBody>
+          <a:bodyPr rtlCol="0" anchor="ctr"/>
+          <a:lstStyle/>
+          <a:p>
+            <a:pPr algn="ctr"/>
+            <a:r>
+              <a:rPr lang="en-US" sz="1400" dirty="0" smtClean="0"/>
+              <a:t>Datasets</a:t>
+            </a:r>
+            <a:endParaRPr lang="en-US" sz="1400" dirty="0"/>
+          </a:p>
+        </p:txBody>
+      </p:sp>
+      <p:sp>
+        <p:nvSpPr>
+          <p:cNvPr id="108" name="Oval 107"/>
+          <p:cNvSpPr/>
+          <p:nvPr/>
+        </p:nvSpPr>
+        <p:spPr>
+          <a:xfrm>
+            <a:off x="3124200" y="1524000"/>
+            <a:ext cx="1447800" cy="457200"/>
+          </a:xfrm>
+          <a:prstGeom prst="ellipse">
+            <a:avLst/>
+          </a:prstGeom>
+          <a:solidFill>
+            <a:schemeClr val="accent4">
+              <a:lumMod val="75000"/>
+            </a:schemeClr>
+          </a:solidFill>
+        </p:spPr>
+        <p:style>
+          <a:lnRef idx="2">
+            <a:schemeClr val="accent1">
+              <a:shade val="50000"/>
+            </a:schemeClr>
+          </a:lnRef>
+          <a:fillRef idx="1">
+            <a:schemeClr val="accent1"/>
+          </a:fillRef>
+          <a:effectRef idx="0">
+            <a:schemeClr val="accent1"/>
+          </a:effectRef>
+          <a:fontRef idx="minor">
+            <a:schemeClr val="lt1"/>
+          </a:fontRef>
+        </p:style>
+        <p:txBody>
+          <a:bodyPr rtlCol="0" anchor="ctr"/>
+          <a:lstStyle/>
+          <a:p>
+            <a:pPr algn="ctr"/>
+            <a:r>
+              <a:rPr lang="en-US" sz="1400" dirty="0" smtClean="0"/>
+              <a:t>Dataset Classes</a:t>
+            </a:r>
+            <a:endParaRPr lang="en-US" sz="1400" dirty="0"/>
+          </a:p>
+        </p:txBody>
+      </p:sp>
+      <p:sp>
+        <p:nvSpPr>
+          <p:cNvPr id="109" name="Oval 108"/>
+          <p:cNvSpPr/>
+          <p:nvPr/>
+        </p:nvSpPr>
+        <p:spPr>
+          <a:xfrm>
+            <a:off x="7543800" y="1600200"/>
+            <a:ext cx="1447800" cy="457200"/>
+          </a:xfrm>
+          <a:prstGeom prst="ellipse">
+            <a:avLst/>
+          </a:prstGeom>
+          <a:solidFill>
+            <a:schemeClr val="accent4">
+              <a:lumMod val="75000"/>
+            </a:schemeClr>
+          </a:solidFill>
+        </p:spPr>
+        <p:style>
+          <a:lnRef idx="2">
+            <a:schemeClr val="accent1">
+              <a:shade val="50000"/>
+            </a:schemeClr>
+          </a:lnRef>
+          <a:fillRef idx="1">
+            <a:schemeClr val="accent1"/>
+          </a:fillRef>
+          <a:effectRef idx="0">
+            <a:schemeClr val="accent1"/>
+          </a:effectRef>
+          <a:fontRef idx="minor">
+            <a:schemeClr val="lt1"/>
+          </a:fontRef>
+        </p:style>
+        <p:txBody>
+          <a:bodyPr rtlCol="0" anchor="ctr"/>
+          <a:lstStyle/>
+          <a:p>
+            <a:pPr algn="ctr"/>
+            <a:r>
+              <a:rPr lang="en-US" sz="1400" dirty="0" smtClean="0"/>
+              <a:t>Workflow Plan</a:t>
+            </a:r>
+            <a:endParaRPr lang="en-US" sz="1400" dirty="0"/>
+          </a:p>
+        </p:txBody>
+      </p:sp>
+      <p:sp>
+        <p:nvSpPr>
+          <p:cNvPr id="114" name="TextBox 113"/>
+          <p:cNvSpPr txBox="1"/>
+          <p:nvPr/>
+        </p:nvSpPr>
+        <p:spPr>
+          <a:xfrm>
+            <a:off x="3733800" y="3810000"/>
+            <a:ext cx="1752600" cy="369332"/>
+          </a:xfrm>
+          <a:prstGeom prst="rect">
+            <a:avLst/>
+          </a:prstGeom>
+          <a:noFill/>
+        </p:spPr>
+        <p:txBody>
+          <a:bodyPr wrap="square" rtlCol="0">
+            <a:spAutoFit/>
+          </a:bodyPr>
+          <a:lstStyle/>
+          <a:p>
+            <a:r>
+              <a:rPr lang="en-US" dirty="0" smtClean="0"/>
+              <a:t>Code generator</a:t>
+            </a:r>
+            <a:endParaRPr lang="en-US" dirty="0"/>
+          </a:p>
+        </p:txBody>
+      </p:sp>
+      <p:sp>
+        <p:nvSpPr>
+          <p:cNvPr id="118" name="Rectangle 117"/>
+          <p:cNvSpPr/>
+          <p:nvPr/>
+        </p:nvSpPr>
+        <p:spPr>
+          <a:xfrm>
+            <a:off x="4532243" y="5181599"/>
+            <a:ext cx="954157" cy="381000"/>
+          </a:xfrm>
+          <a:prstGeom prst="rect">
+            <a:avLst/>
+          </a:prstGeom>
+          <a:solidFill>
+            <a:schemeClr val="bg1"/>
+          </a:solidFill>
+        </p:spPr>
+        <p:style>
+          <a:lnRef idx="2">
+            <a:schemeClr val="accent1">
+              <a:shade val="50000"/>
+            </a:schemeClr>
+          </a:lnRef>
+          <a:fillRef idx="1">
+            <a:schemeClr val="accent1"/>
+          </a:fillRef>
+          <a:effectRef idx="0">
+            <a:schemeClr val="accent1"/>
+          </a:effectRef>
+          <a:fontRef idx="minor">
+            <a:schemeClr val="lt1"/>
+          </a:fontRef>
+        </p:style>
+        <p:txBody>
+          <a:bodyPr rtlCol="0" anchor="ctr"/>
+          <a:lstStyle/>
+          <a:p>
+            <a:pPr algn="ctr"/>
+            <a:r>
+              <a:rPr lang="en-US" sz="1100" dirty="0" smtClean="0">
+                <a:solidFill>
+                  <a:schemeClr val="tx1"/>
+                </a:solidFill>
+                <a:latin typeface="Courier New" pitchFamily="49" charset="0"/>
+                <a:cs typeface="Courier New" pitchFamily="49" charset="0"/>
+              </a:rPr>
+              <a:t>Another Graph</a:t>
+            </a:r>
+            <a:endParaRPr lang="en-US" sz="1100" dirty="0">
+              <a:solidFill>
+                <a:schemeClr val="tx1"/>
+              </a:solidFill>
+              <a:latin typeface="Courier New" pitchFamily="49" charset="0"/>
+              <a:cs typeface="Courier New" pitchFamily="49" charset="0"/>
+            </a:endParaRPr>
+          </a:p>
+        </p:txBody>
+      </p:sp>
+      <p:sp>
+        <p:nvSpPr>
+          <p:cNvPr id="120" name="Rectangle 119"/>
+          <p:cNvSpPr/>
+          <p:nvPr/>
+        </p:nvSpPr>
+        <p:spPr>
+          <a:xfrm>
+            <a:off x="5903843" y="5181599"/>
+            <a:ext cx="954157" cy="381000"/>
+          </a:xfrm>
+          <a:prstGeom prst="rect">
+            <a:avLst/>
+          </a:prstGeom>
+          <a:solidFill>
+            <a:schemeClr val="bg1"/>
+          </a:solidFill>
+        </p:spPr>
+        <p:style>
+          <a:lnRef idx="2">
+            <a:schemeClr val="accent1">
+              <a:shade val="50000"/>
+            </a:schemeClr>
+          </a:lnRef>
+          <a:fillRef idx="1">
+            <a:schemeClr val="accent1"/>
+          </a:fillRef>
+          <a:effectRef idx="0">
+            <a:schemeClr val="accent1"/>
+          </a:effectRef>
+          <a:fontRef idx="minor">
+            <a:schemeClr val="lt1"/>
+          </a:fontRef>
+        </p:style>
+        <p:txBody>
+          <a:bodyPr rtlCol="0" anchor="ctr"/>
+          <a:lstStyle/>
+          <a:p>
+            <a:pPr algn="ctr"/>
+            <a:r>
+              <a:rPr lang="en-US" sz="1100" dirty="0" smtClean="0">
+                <a:solidFill>
+                  <a:schemeClr val="tx1"/>
+                </a:solidFill>
+                <a:latin typeface="Courier New" pitchFamily="49" charset="0"/>
+                <a:cs typeface="Courier New" pitchFamily="49" charset="0"/>
+              </a:rPr>
+              <a:t>Another Graph</a:t>
+            </a:r>
+            <a:endParaRPr lang="en-US" sz="1100" dirty="0">
+              <a:solidFill>
+                <a:schemeClr val="tx1"/>
+              </a:solidFill>
+              <a:latin typeface="Courier New" pitchFamily="49" charset="0"/>
+              <a:cs typeface="Courier New" pitchFamily="49" charset="0"/>
+            </a:endParaRPr>
+          </a:p>
+        </p:txBody>
+      </p:sp>
+      <p:sp>
+        <p:nvSpPr>
+          <p:cNvPr id="121" name="Rectangle 120"/>
+          <p:cNvSpPr/>
+          <p:nvPr/>
+        </p:nvSpPr>
+        <p:spPr>
+          <a:xfrm>
+            <a:off x="5334000" y="5791200"/>
+            <a:ext cx="3657600" cy="914400"/>
+          </a:xfrm>
+          <a:prstGeom prst="rect">
+            <a:avLst/>
+          </a:prstGeom>
+          <a:solidFill>
+            <a:schemeClr val="bg2"/>
+          </a:solidFill>
+        </p:spPr>
+        <p:style>
+          <a:lnRef idx="2">
+            <a:schemeClr val="accent1">
+              <a:shade val="50000"/>
+            </a:schemeClr>
+          </a:lnRef>
+          <a:fillRef idx="1">
+            <a:schemeClr val="accent1"/>
+          </a:fillRef>
+          <a:effectRef idx="0">
+            <a:schemeClr val="accent1"/>
+          </a:effectRef>
+          <a:fontRef idx="minor">
+            <a:schemeClr val="lt1"/>
+          </a:fontRef>
+        </p:style>
+        <p:txBody>
+          <a:bodyPr rtlCol="0" anchor="ctr"/>
+          <a:lstStyle/>
+          <a:p>
+            <a:r>
+              <a:rPr lang="en-US" sz="1100" dirty="0" smtClean="0">
+                <a:solidFill>
+                  <a:schemeClr val="tx1"/>
+                </a:solidFill>
+                <a:latin typeface="Courier New" pitchFamily="49" charset="0"/>
+                <a:cs typeface="Courier New" pitchFamily="49" charset="0"/>
+              </a:rPr>
+              <a:t>&lt;workflow&gt;</a:t>
+            </a:r>
+          </a:p>
+          <a:p>
+            <a:r>
+              <a:rPr lang="en-US" sz="1100" dirty="0" smtClean="0">
+                <a:solidFill>
+                  <a:schemeClr val="tx1"/>
+                </a:solidFill>
+                <a:latin typeface="Courier New" pitchFamily="49" charset="0"/>
+                <a:cs typeface="Courier New" pitchFamily="49" charset="0"/>
+              </a:rPr>
+              <a:t>  &lt;step&gt;</a:t>
+            </a:r>
+          </a:p>
+          <a:p>
+            <a:r>
+              <a:rPr lang="en-US" sz="1100" dirty="0" smtClean="0">
+                <a:solidFill>
+                  <a:schemeClr val="tx1"/>
+                </a:solidFill>
+                <a:latin typeface="Courier New" pitchFamily="49" charset="0"/>
+                <a:cs typeface="Courier New" pitchFamily="49" charset="0"/>
+              </a:rPr>
+              <a:t>  &lt;</a:t>
+            </a:r>
+            <a:r>
+              <a:rPr lang="en-US" sz="1100" dirty="0" err="1" smtClean="0">
+                <a:solidFill>
+                  <a:schemeClr val="tx1"/>
+                </a:solidFill>
+                <a:latin typeface="Courier New" pitchFamily="49" charset="0"/>
+                <a:cs typeface="Courier New" pitchFamily="49" charset="0"/>
+              </a:rPr>
+              <a:t>subgraph</a:t>
+            </a:r>
+            <a:r>
+              <a:rPr lang="en-US" sz="1100" dirty="0" smtClean="0">
+                <a:solidFill>
+                  <a:schemeClr val="tx1"/>
+                </a:solidFill>
+                <a:latin typeface="Courier New" pitchFamily="49" charset="0"/>
+                <a:cs typeface="Courier New" pitchFamily="49" charset="0"/>
+              </a:rPr>
+              <a:t> name=“</a:t>
+            </a:r>
+            <a:r>
+              <a:rPr lang="en-US" sz="1100" dirty="0" err="1" smtClean="0">
+                <a:solidFill>
+                  <a:schemeClr val="tx1"/>
+                </a:solidFill>
+                <a:latin typeface="Courier New" pitchFamily="49" charset="0"/>
+                <a:cs typeface="Courier New" pitchFamily="49" charset="0"/>
+              </a:rPr>
+              <a:t>myOrg_uniprot_dbxrefs</a:t>
+            </a:r>
+            <a:r>
+              <a:rPr lang="en-US" sz="1100" dirty="0" smtClean="0">
+                <a:solidFill>
+                  <a:schemeClr val="tx1"/>
+                </a:solidFill>
+                <a:latin typeface="Courier New" pitchFamily="49" charset="0"/>
+                <a:cs typeface="Courier New" pitchFamily="49" charset="0"/>
+              </a:rPr>
+              <a:t>”&gt;</a:t>
+            </a:r>
+          </a:p>
+          <a:p>
+            <a:r>
+              <a:rPr lang="en-US" sz="1100" dirty="0" smtClean="0">
+                <a:solidFill>
+                  <a:schemeClr val="tx1"/>
+                </a:solidFill>
+                <a:latin typeface="Courier New" pitchFamily="49" charset="0"/>
+                <a:cs typeface="Courier New" pitchFamily="49" charset="0"/>
+              </a:rPr>
+              <a:t>  &lt;step&gt;</a:t>
+            </a:r>
+          </a:p>
+          <a:p>
+            <a:r>
+              <a:rPr lang="en-US" sz="1100" dirty="0" smtClean="0">
+                <a:solidFill>
+                  <a:schemeClr val="tx1"/>
+                </a:solidFill>
+                <a:latin typeface="Courier New" pitchFamily="49" charset="0"/>
+                <a:cs typeface="Courier New" pitchFamily="49" charset="0"/>
+              </a:rPr>
+              <a:t>&lt;/workflow&gt;</a:t>
+            </a:r>
+            <a:endParaRPr lang="en-US" sz="1100" dirty="0">
+              <a:solidFill>
+                <a:schemeClr val="tx1"/>
+              </a:solidFill>
+              <a:latin typeface="Courier New" pitchFamily="49" charset="0"/>
+              <a:cs typeface="Courier New" pitchFamily="49" charset="0"/>
+            </a:endParaRPr>
+          </a:p>
+        </p:txBody>
+      </p:sp>
+      <p:sp>
+        <p:nvSpPr>
+          <p:cNvPr id="122" name="Rectangle 121"/>
+          <p:cNvSpPr/>
+          <p:nvPr/>
+        </p:nvSpPr>
+        <p:spPr>
+          <a:xfrm>
+            <a:off x="4227443" y="5715000"/>
+            <a:ext cx="954157" cy="381000"/>
+          </a:xfrm>
+          <a:prstGeom prst="rect">
+            <a:avLst/>
+          </a:prstGeom>
+          <a:solidFill>
+            <a:schemeClr val="bg1"/>
+          </a:solidFill>
+        </p:spPr>
+        <p:style>
+          <a:lnRef idx="2">
+            <a:schemeClr val="accent1">
+              <a:shade val="50000"/>
+            </a:schemeClr>
+          </a:lnRef>
+          <a:fillRef idx="1">
+            <a:schemeClr val="accent1"/>
+          </a:fillRef>
+          <a:effectRef idx="0">
+            <a:schemeClr val="accent1"/>
+          </a:effectRef>
+          <a:fontRef idx="minor">
+            <a:schemeClr val="lt1"/>
+          </a:fontRef>
+        </p:style>
+        <p:txBody>
+          <a:bodyPr rtlCol="0" anchor="ctr"/>
+          <a:lstStyle/>
+          <a:p>
+            <a:pPr algn="ctr"/>
+            <a:r>
+              <a:rPr lang="en-US" sz="1100" dirty="0" smtClean="0">
+                <a:solidFill>
+                  <a:schemeClr val="tx1"/>
+                </a:solidFill>
+                <a:latin typeface="Courier New" pitchFamily="49" charset="0"/>
+                <a:cs typeface="Courier New" pitchFamily="49" charset="0"/>
+              </a:rPr>
+              <a:t>Another Graph</a:t>
+            </a:r>
+            <a:endParaRPr lang="en-US" sz="1100" dirty="0">
+              <a:solidFill>
+                <a:schemeClr val="tx1"/>
+              </a:solidFill>
+              <a:latin typeface="Courier New" pitchFamily="49" charset="0"/>
+              <a:cs typeface="Courier New" pitchFamily="49" charset="0"/>
+            </a:endParaRPr>
+          </a:p>
+        </p:txBody>
+      </p:sp>
+      <p:cxnSp>
+        <p:nvCxnSpPr>
+          <p:cNvPr id="124" name="Straight Arrow Connector 123"/>
+          <p:cNvCxnSpPr>
+            <a:stCxn id="8" idx="2"/>
+            <a:endCxn id="118" idx="0"/>
+          </p:cNvCxnSpPr>
+          <p:nvPr/>
+        </p:nvCxnSpPr>
+        <p:spPr>
+          <a:xfrm rot="5400000">
+            <a:off x="5161722" y="4876799"/>
+            <a:ext cx="152400" cy="457200"/>
+          </a:xfrm>
+          <a:prstGeom prst="straightConnector1">
+            <a:avLst/>
+          </a:prstGeom>
+          <a:ln w="25400">
+            <a:tailEnd type="arrow"/>
+          </a:ln>
+        </p:spPr>
+        <p:style>
+          <a:lnRef idx="1">
+            <a:schemeClr val="accent1"/>
+          </a:lnRef>
+          <a:fillRef idx="0">
+            <a:schemeClr val="accent1"/>
+          </a:fillRef>
+          <a:effectRef idx="0">
+            <a:schemeClr val="accent1"/>
+          </a:effectRef>
+          <a:fontRef idx="minor">
+            <a:schemeClr val="tx1"/>
+          </a:fontRef>
+        </p:style>
+      </p:cxnSp>
+      <p:cxnSp>
+        <p:nvCxnSpPr>
+          <p:cNvPr id="126" name="Straight Arrow Connector 125"/>
+          <p:cNvCxnSpPr>
+            <a:stCxn id="8" idx="2"/>
+            <a:endCxn id="120" idx="0"/>
+          </p:cNvCxnSpPr>
+          <p:nvPr/>
+        </p:nvCxnSpPr>
+        <p:spPr>
+          <a:xfrm rot="16200000" flipH="1">
+            <a:off x="5847522" y="4648199"/>
+            <a:ext cx="152400" cy="914400"/>
+          </a:xfrm>
+          <a:prstGeom prst="straightConnector1">
+            <a:avLst/>
+          </a:prstGeom>
+          <a:ln w="25400">
+            <a:tailEnd type="arrow"/>
+          </a:ln>
+        </p:spPr>
+        <p:style>
+          <a:lnRef idx="1">
+            <a:schemeClr val="accent1"/>
+          </a:lnRef>
+          <a:fillRef idx="0">
+            <a:schemeClr val="accent1"/>
+          </a:fillRef>
+          <a:effectRef idx="0">
+            <a:schemeClr val="accent1"/>
+          </a:effectRef>
+          <a:fontRef idx="minor">
+            <a:schemeClr val="tx1"/>
+          </a:fontRef>
+        </p:style>
+      </p:cxnSp>
+      <p:cxnSp>
+        <p:nvCxnSpPr>
+          <p:cNvPr id="129" name="Straight Arrow Connector 128"/>
+          <p:cNvCxnSpPr>
+            <a:stCxn id="118" idx="2"/>
+            <a:endCxn id="122" idx="0"/>
+          </p:cNvCxnSpPr>
+          <p:nvPr/>
+        </p:nvCxnSpPr>
+        <p:spPr>
+          <a:xfrm rot="5400000">
+            <a:off x="4780722" y="5486399"/>
+            <a:ext cx="152401" cy="304800"/>
+          </a:xfrm>
+          <a:prstGeom prst="straightConnector1">
+            <a:avLst/>
+          </a:prstGeom>
+          <a:ln w="25400">
+            <a:tailEnd type="arrow"/>
+          </a:ln>
+        </p:spPr>
+        <p:style>
+          <a:lnRef idx="1">
+            <a:schemeClr val="accent1"/>
+          </a:lnRef>
+          <a:fillRef idx="0">
+            <a:schemeClr val="accent1"/>
+          </a:fillRef>
+          <a:effectRef idx="0">
+            <a:schemeClr val="accent1"/>
+          </a:effectRef>
+          <a:fontRef idx="minor">
+            <a:schemeClr val="tx1"/>
+          </a:fontRef>
+        </p:style>
+      </p:cxnSp>
+      <p:cxnSp>
+        <p:nvCxnSpPr>
+          <p:cNvPr id="132" name="Straight Arrow Connector 131"/>
+          <p:cNvCxnSpPr>
+            <a:stCxn id="120" idx="2"/>
+            <a:endCxn id="121" idx="0"/>
+          </p:cNvCxnSpPr>
+          <p:nvPr/>
+        </p:nvCxnSpPr>
+        <p:spPr>
+          <a:xfrm rot="16200000" flipH="1">
+            <a:off x="6657561" y="5285960"/>
+            <a:ext cx="228601" cy="781878"/>
+          </a:xfrm>
+          <a:prstGeom prst="straightConnector1">
+            <a:avLst/>
+          </a:prstGeom>
+          <a:ln w="25400">
+            <a:tailEnd type="arrow"/>
+          </a:ln>
+        </p:spPr>
+        <p:style>
+          <a:lnRef idx="1">
+            <a:schemeClr val="accent1"/>
+          </a:lnRef>
+          <a:fillRef idx="0">
+            <a:schemeClr val="accent1"/>
+          </a:fillRef>
+          <a:effectRef idx="0">
+            <a:schemeClr val="accent1"/>
+          </a:effectRef>
+          <a:fontRef idx="minor">
+            <a:schemeClr val="tx1"/>
+          </a:fontRef>
+        </p:style>
+      </p:cxnSp>
+      <p:sp>
+        <p:nvSpPr>
+          <p:cNvPr id="135" name="Rectangle 134"/>
+          <p:cNvSpPr/>
+          <p:nvPr/>
+        </p:nvSpPr>
+        <p:spPr>
+          <a:xfrm>
+            <a:off x="4038600" y="914400"/>
+            <a:ext cx="1143000" cy="228600"/>
+          </a:xfrm>
+          <a:prstGeom prst="rect">
+            <a:avLst/>
+          </a:prstGeom>
+        </p:spPr>
+        <p:style>
+          <a:lnRef idx="2">
+            <a:schemeClr val="accent1">
+              <a:shade val="50000"/>
+            </a:schemeClr>
+          </a:lnRef>
+          <a:fillRef idx="1">
+            <a:schemeClr val="accent1"/>
+          </a:fillRef>
+          <a:effectRef idx="0">
+            <a:schemeClr val="accent1"/>
+          </a:effectRef>
+          <a:fontRef idx="minor">
+            <a:schemeClr val="lt1"/>
+          </a:fontRef>
+        </p:style>
+        <p:txBody>
+          <a:bodyPr rtlCol="0" anchor="ctr"/>
+          <a:lstStyle/>
+          <a:p>
+            <a:pPr algn="ctr"/>
+            <a:r>
+              <a:rPr lang="en-US" sz="1200" dirty="0" smtClean="0"/>
+              <a:t>myOrg.xml</a:t>
+            </a:r>
+            <a:endParaRPr lang="en-US" sz="1200" dirty="0"/>
+          </a:p>
+        </p:txBody>
+      </p:sp>
+      <p:sp>
+        <p:nvSpPr>
+          <p:cNvPr id="136" name="Rectangle 135"/>
+          <p:cNvSpPr/>
+          <p:nvPr/>
+        </p:nvSpPr>
+        <p:spPr>
+          <a:xfrm>
+            <a:off x="1981200" y="3505200"/>
+            <a:ext cx="1143000" cy="228600"/>
+          </a:xfrm>
+          <a:prstGeom prst="rect">
+            <a:avLst/>
+          </a:prstGeom>
+        </p:spPr>
+        <p:style>
+          <a:lnRef idx="2">
+            <a:schemeClr val="accent1">
+              <a:shade val="50000"/>
+            </a:schemeClr>
+          </a:lnRef>
+          <a:fillRef idx="1">
+            <a:schemeClr val="accent1"/>
+          </a:fillRef>
+          <a:effectRef idx="0">
+            <a:schemeClr val="accent1"/>
+          </a:effectRef>
+          <a:fontRef idx="minor">
+            <a:schemeClr val="lt1"/>
+          </a:fontRef>
+        </p:style>
+        <p:txBody>
+          <a:bodyPr rtlCol="0" anchor="ctr"/>
+          <a:lstStyle/>
+          <a:p>
+            <a:pPr algn="ctr"/>
+            <a:r>
+              <a:rPr lang="en-US" sz="1200" dirty="0" smtClean="0"/>
+              <a:t>classes.xml</a:t>
+            </a:r>
+            <a:endParaRPr lang="en-US" sz="1200" dirty="0"/>
+          </a:p>
+        </p:txBody>
+      </p:sp>
+      <p:sp>
+        <p:nvSpPr>
+          <p:cNvPr id="137" name="Rectangle 136"/>
+          <p:cNvSpPr/>
+          <p:nvPr/>
+        </p:nvSpPr>
+        <p:spPr>
+          <a:xfrm>
+            <a:off x="6096000" y="3505200"/>
+            <a:ext cx="1143000" cy="228600"/>
+          </a:xfrm>
+          <a:prstGeom prst="rect">
+            <a:avLst/>
+          </a:prstGeom>
+        </p:spPr>
+        <p:style>
+          <a:lnRef idx="2">
+            <a:schemeClr val="accent1">
+              <a:shade val="50000"/>
+            </a:schemeClr>
+          </a:lnRef>
+          <a:fillRef idx="1">
+            <a:schemeClr val="accent1"/>
+          </a:fillRef>
+          <a:effectRef idx="0">
+            <a:schemeClr val="accent1"/>
+          </a:effectRef>
+          <a:fontRef idx="minor">
+            <a:schemeClr val="lt1"/>
+          </a:fontRef>
+        </p:style>
+        <p:txBody>
+          <a:bodyPr rtlCol="0" anchor="ctr"/>
+          <a:lstStyle/>
+          <a:p>
+            <a:pPr algn="ctr"/>
+            <a:r>
+              <a:rPr lang="en-US" sz="1200" dirty="0" smtClean="0"/>
+              <a:t>dbXRefs.xml</a:t>
+            </a:r>
+            <a:endParaRPr lang="en-US" sz="1200" dirty="0"/>
+          </a:p>
+        </p:txBody>
+      </p:sp>
+      <p:sp>
+        <p:nvSpPr>
+          <p:cNvPr id="141" name="Rectangle 140"/>
+          <p:cNvSpPr/>
+          <p:nvPr/>
+        </p:nvSpPr>
+        <p:spPr>
+          <a:xfrm>
+            <a:off x="1371600" y="5943599"/>
+            <a:ext cx="1143000" cy="228600"/>
+          </a:xfrm>
+          <a:prstGeom prst="rect">
+            <a:avLst/>
+          </a:prstGeom>
+        </p:spPr>
+        <p:style>
+          <a:lnRef idx="2">
+            <a:schemeClr val="accent1">
+              <a:shade val="50000"/>
+            </a:schemeClr>
+          </a:lnRef>
+          <a:fillRef idx="1">
+            <a:schemeClr val="accent1"/>
+          </a:fillRef>
+          <a:effectRef idx="0">
+            <a:schemeClr val="accent1"/>
+          </a:effectRef>
+          <a:fontRef idx="minor">
+            <a:schemeClr val="lt1"/>
+          </a:fontRef>
+        </p:style>
+        <p:txBody>
+          <a:bodyPr rtlCol="0" anchor="ctr"/>
+          <a:lstStyle/>
+          <a:p>
+            <a:pPr algn="ctr"/>
+            <a:r>
+              <a:rPr lang="en-US" sz="1200" dirty="0" smtClean="0"/>
+              <a:t>myOrg.xml</a:t>
+            </a:r>
+            <a:endParaRPr lang="en-US" sz="1200" dirty="0"/>
+          </a:p>
+        </p:txBody>
+      </p:sp>
+      <p:sp>
+        <p:nvSpPr>
+          <p:cNvPr id="142" name="Rectangle 141"/>
+          <p:cNvSpPr/>
+          <p:nvPr/>
+        </p:nvSpPr>
+        <p:spPr>
+          <a:xfrm>
+            <a:off x="6553200" y="6477000"/>
+            <a:ext cx="1524000" cy="228600"/>
+          </a:xfrm>
+          <a:prstGeom prst="rect">
+            <a:avLst/>
+          </a:prstGeom>
+        </p:spPr>
+        <p:style>
+          <a:lnRef idx="2">
+            <a:schemeClr val="accent1">
+              <a:shade val="50000"/>
+            </a:schemeClr>
+          </a:lnRef>
+          <a:fillRef idx="1">
+            <a:schemeClr val="accent1"/>
+          </a:fillRef>
+          <a:effectRef idx="0">
+            <a:schemeClr val="accent1"/>
+          </a:effectRef>
+          <a:fontRef idx="minor">
+            <a:schemeClr val="lt1"/>
+          </a:fontRef>
+        </p:style>
+        <p:txBody>
+          <a:bodyPr rtlCol="0" anchor="ctr"/>
+          <a:lstStyle/>
+          <a:p>
+            <a:pPr algn="ctr"/>
+            <a:r>
+              <a:rPr lang="en-US" sz="1200" dirty="0" err="1" smtClean="0"/>
+              <a:t>myOrg</a:t>
+            </a:r>
+            <a:r>
+              <a:rPr lang="en-US" sz="1200" dirty="0" smtClean="0"/>
+              <a:t>/dbXRefs.xml</a:t>
+            </a:r>
+            <a:endParaRPr lang="en-US" sz="1200" dirty="0"/>
+          </a:p>
+        </p:txBody>
+      </p:sp>
+      <p:sp>
+        <p:nvSpPr>
+          <p:cNvPr id="143" name="Oval 142"/>
+          <p:cNvSpPr/>
+          <p:nvPr/>
+        </p:nvSpPr>
+        <p:spPr>
+          <a:xfrm>
+            <a:off x="2590800" y="4495799"/>
+            <a:ext cx="1447800" cy="457200"/>
+          </a:xfrm>
+          <a:prstGeom prst="ellipse">
+            <a:avLst/>
+          </a:prstGeom>
+          <a:solidFill>
+            <a:schemeClr val="accent4">
+              <a:lumMod val="75000"/>
+            </a:schemeClr>
+          </a:solidFill>
+        </p:spPr>
+        <p:style>
+          <a:lnRef idx="2">
+            <a:schemeClr val="accent1">
+              <a:shade val="50000"/>
+            </a:schemeClr>
+          </a:lnRef>
+          <a:fillRef idx="1">
+            <a:schemeClr val="accent1"/>
+          </a:fillRef>
+          <a:effectRef idx="0">
+            <a:schemeClr val="accent1"/>
+          </a:effectRef>
+          <a:fontRef idx="minor">
+            <a:schemeClr val="lt1"/>
+          </a:fontRef>
+        </p:style>
+        <p:txBody>
+          <a:bodyPr rtlCol="0" anchor="ctr"/>
+          <a:lstStyle/>
+          <a:p>
+            <a:pPr algn="ctr"/>
+            <a:r>
+              <a:rPr lang="en-US" sz="1400" dirty="0" smtClean="0"/>
+              <a:t>Resources</a:t>
+            </a:r>
+            <a:endParaRPr lang="en-US" sz="1400" dirty="0"/>
+          </a:p>
+        </p:txBody>
+      </p:sp>
+      <p:sp>
+        <p:nvSpPr>
+          <p:cNvPr id="144" name="Oval 143"/>
+          <p:cNvSpPr/>
+          <p:nvPr/>
+        </p:nvSpPr>
+        <p:spPr>
+          <a:xfrm>
+            <a:off x="7620000" y="5562600"/>
+            <a:ext cx="1447800" cy="457200"/>
+          </a:xfrm>
+          <a:prstGeom prst="ellipse">
+            <a:avLst/>
+          </a:prstGeom>
+          <a:solidFill>
+            <a:schemeClr val="accent4">
+              <a:lumMod val="75000"/>
+            </a:schemeClr>
+          </a:solidFill>
+        </p:spPr>
+        <p:style>
+          <a:lnRef idx="2">
+            <a:schemeClr val="accent1">
+              <a:shade val="50000"/>
+            </a:schemeClr>
+          </a:lnRef>
+          <a:fillRef idx="1">
+            <a:schemeClr val="accent1"/>
+          </a:fillRef>
+          <a:effectRef idx="0">
+            <a:schemeClr val="accent1"/>
+          </a:effectRef>
+          <a:fontRef idx="minor">
+            <a:schemeClr val="lt1"/>
+          </a:fontRef>
+        </p:style>
+        <p:txBody>
+          <a:bodyPr rtlCol="0" anchor="ctr"/>
+          <a:lstStyle/>
+          <a:p>
+            <a:pPr algn="ctr"/>
+            <a:r>
+              <a:rPr lang="en-US" sz="1400" dirty="0" smtClean="0"/>
+              <a:t>Workflow</a:t>
+            </a:r>
+          </a:p>
+          <a:p>
+            <a:pPr algn="ctr"/>
+            <a:r>
+              <a:rPr lang="en-US" sz="1400" dirty="0" smtClean="0"/>
+              <a:t>Graph</a:t>
+            </a:r>
+            <a:endParaRPr lang="en-US" sz="1400" dirty="0"/>
+          </a:p>
+        </p:txBody>
+      </p:sp>
+      <p:sp>
+        <p:nvSpPr>
+          <p:cNvPr id="157" name="Bent-Up Arrow 156"/>
+          <p:cNvSpPr/>
+          <p:nvPr/>
+        </p:nvSpPr>
+        <p:spPr>
+          <a:xfrm flipV="1">
+            <a:off x="533400" y="2743200"/>
+            <a:ext cx="1447800" cy="2362200"/>
+          </a:xfrm>
+          <a:prstGeom prst="bentUpArrow">
+            <a:avLst>
+              <a:gd name="adj1" fmla="val 12368"/>
+              <a:gd name="adj2" fmla="val 14173"/>
+              <a:gd name="adj3" fmla="val 16880"/>
+            </a:avLst>
+          </a:prstGeom>
+          <a:solidFill>
+            <a:schemeClr val="accent2">
+              <a:lumMod val="40000"/>
+              <a:lumOff val="60000"/>
+              <a:alpha val="28000"/>
+            </a:schemeClr>
+          </a:solidFill>
+          <a:ln w="12700"/>
+        </p:spPr>
+        <p:style>
+          <a:lnRef idx="2">
+            <a:schemeClr val="accent1">
+              <a:shade val="50000"/>
+            </a:schemeClr>
+          </a:lnRef>
+          <a:fillRef idx="1">
+            <a:schemeClr val="accent1"/>
+          </a:fillRef>
+          <a:effectRef idx="0">
+            <a:schemeClr val="accent1"/>
+          </a:effectRef>
+          <a:fontRef idx="minor">
+            <a:schemeClr val="lt1"/>
+          </a:fontRef>
+        </p:style>
+        <p:txBody>
+          <a:bodyPr rtlCol="0" anchor="ctr"/>
+          <a:lstStyle/>
+          <a:p>
+            <a:pPr algn="ctr"/>
+            <a:endParaRPr lang="en-US"/>
+          </a:p>
+        </p:txBody>
+      </p:sp>
+      <p:sp>
+        <p:nvSpPr>
+          <p:cNvPr id="158" name="Right Arrow 157"/>
+          <p:cNvSpPr/>
+          <p:nvPr/>
+        </p:nvSpPr>
+        <p:spPr>
+          <a:xfrm>
+            <a:off x="533400" y="2514600"/>
+            <a:ext cx="4419600" cy="304800"/>
+          </a:xfrm>
+          <a:prstGeom prst="rightArrow">
+            <a:avLst/>
+          </a:prstGeom>
+          <a:solidFill>
+            <a:schemeClr val="accent2">
+              <a:lumMod val="40000"/>
+              <a:lumOff val="60000"/>
+              <a:alpha val="28000"/>
+            </a:schemeClr>
+          </a:solidFill>
+          <a:ln w="12700"/>
+        </p:spPr>
+        <p:style>
+          <a:lnRef idx="2">
+            <a:schemeClr val="accent1">
+              <a:shade val="50000"/>
+            </a:schemeClr>
+          </a:lnRef>
+          <a:fillRef idx="1">
+            <a:schemeClr val="accent1"/>
+          </a:fillRef>
+          <a:effectRef idx="0">
+            <a:schemeClr val="accent1"/>
+          </a:effectRef>
+          <a:fontRef idx="minor">
+            <a:schemeClr val="lt1"/>
+          </a:fontRef>
+        </p:style>
+        <p:txBody>
+          <a:bodyPr rtlCol="0" anchor="ctr"/>
+          <a:lstStyle/>
+          <a:p>
+            <a:pPr algn="ctr"/>
+            <a:endParaRPr lang="en-US"/>
+          </a:p>
+        </p:txBody>
+      </p:sp>
+      <p:sp>
+        <p:nvSpPr>
+          <p:cNvPr id="160" name="TextBox 159"/>
+          <p:cNvSpPr txBox="1"/>
+          <p:nvPr/>
+        </p:nvSpPr>
+        <p:spPr>
+          <a:xfrm>
+            <a:off x="2819400" y="6477000"/>
+            <a:ext cx="1600200" cy="369332"/>
+          </a:xfrm>
+          <a:prstGeom prst="rect">
+            <a:avLst/>
+          </a:prstGeom>
+          <a:noFill/>
+        </p:spPr>
+        <p:txBody>
+          <a:bodyPr wrap="square" rtlCol="0">
+            <a:spAutoFit/>
+          </a:bodyPr>
+          <a:lstStyle/>
+          <a:p>
+            <a:pPr algn="ctr"/>
+            <a:r>
+              <a:rPr lang="en-US" i="1" dirty="0" smtClean="0"/>
+              <a:t>Generated files</a:t>
+            </a:r>
+            <a:endParaRPr lang="en-US" i="1" dirty="0"/>
+          </a:p>
+        </p:txBody>
+      </p:sp>
+      <p:cxnSp>
+        <p:nvCxnSpPr>
+          <p:cNvPr id="162" name="Curved Connector 161"/>
+          <p:cNvCxnSpPr>
+            <a:stCxn id="160" idx="1"/>
+            <a:endCxn id="141" idx="2"/>
+          </p:cNvCxnSpPr>
+          <p:nvPr/>
+        </p:nvCxnSpPr>
+        <p:spPr>
+          <a:xfrm rot="10800000">
+            <a:off x="1943100" y="6172200"/>
+            <a:ext cx="876300" cy="489467"/>
+          </a:xfrm>
+          <a:prstGeom prst="curvedConnector2">
+            <a:avLst/>
+          </a:prstGeom>
+          <a:ln>
+            <a:tailEnd type="arrow"/>
+          </a:ln>
+        </p:spPr>
+        <p:style>
+          <a:lnRef idx="1">
+            <a:schemeClr val="accent1"/>
+          </a:lnRef>
+          <a:fillRef idx="0">
+            <a:schemeClr val="accent1"/>
+          </a:fillRef>
+          <a:effectRef idx="0">
+            <a:schemeClr val="accent1"/>
+          </a:effectRef>
+          <a:fontRef idx="minor">
+            <a:schemeClr val="tx1"/>
+          </a:fontRef>
+        </p:style>
+      </p:cxnSp>
+      <p:cxnSp>
+        <p:nvCxnSpPr>
+          <p:cNvPr id="164" name="Curved Connector 161"/>
+          <p:cNvCxnSpPr>
+            <a:endCxn id="121" idx="1"/>
+          </p:cNvCxnSpPr>
+          <p:nvPr/>
+        </p:nvCxnSpPr>
+        <p:spPr>
+          <a:xfrm flipV="1">
+            <a:off x="4495800" y="6248400"/>
+            <a:ext cx="838200" cy="413266"/>
+          </a:xfrm>
+          <a:prstGeom prst="curvedConnector3">
+            <a:avLst>
+              <a:gd name="adj1" fmla="val 50000"/>
+            </a:avLst>
+          </a:prstGeom>
+          <a:ln>
+            <a:tailEnd type="arrow"/>
+          </a:ln>
+        </p:spPr>
+        <p:style>
+          <a:lnRef idx="1">
+            <a:schemeClr val="accent1"/>
+          </a:lnRef>
+          <a:fillRef idx="0">
+            <a:schemeClr val="accent1"/>
+          </a:fillRef>
+          <a:effectRef idx="0">
+            <a:schemeClr val="accent1"/>
+          </a:effectRef>
+          <a:fontRef idx="minor">
+            <a:schemeClr val="tx1"/>
+          </a:fontRef>
+        </p:style>
+      </p:cxnSp>
+      <p:sp>
+        <p:nvSpPr>
+          <p:cNvPr id="170" name="Bent-Up Arrow 169"/>
+          <p:cNvSpPr/>
+          <p:nvPr/>
+        </p:nvSpPr>
+        <p:spPr>
+          <a:xfrm flipV="1">
+            <a:off x="5105400" y="2514600"/>
+            <a:ext cx="2514600" cy="3733800"/>
+          </a:xfrm>
+          <a:prstGeom prst="bentUpArrow">
+            <a:avLst>
+              <a:gd name="adj1" fmla="val 6285"/>
+              <a:gd name="adj2" fmla="val 7915"/>
+              <a:gd name="adj3" fmla="val 9792"/>
+            </a:avLst>
+          </a:prstGeom>
+          <a:solidFill>
+            <a:schemeClr val="accent2">
+              <a:lumMod val="40000"/>
+              <a:lumOff val="60000"/>
+              <a:alpha val="28000"/>
+            </a:schemeClr>
+          </a:solidFill>
+          <a:ln w="12700"/>
+        </p:spPr>
+        <p:style>
+          <a:lnRef idx="2">
+            <a:schemeClr val="accent1">
+              <a:shade val="50000"/>
+            </a:schemeClr>
+          </a:lnRef>
+          <a:fillRef idx="1">
+            <a:schemeClr val="accent1"/>
+          </a:fillRef>
+          <a:effectRef idx="0">
+            <a:schemeClr val="accent1"/>
+          </a:effectRef>
+          <a:fontRef idx="minor">
+            <a:schemeClr val="lt1"/>
+          </a:fontRef>
+        </p:style>
+        <p:txBody>
+          <a:bodyPr rtlCol="0" anchor="ctr"/>
+          <a:lstStyle/>
+          <a:p>
+            <a:pPr algn="ctr"/>
+            <a:endParaRPr lang="en-US"/>
+          </a:p>
+        </p:txBody>
+      </p:sp>
+      <p:sp>
+        <p:nvSpPr>
+          <p:cNvPr id="171" name="Bent-Up Arrow 170"/>
+          <p:cNvSpPr/>
+          <p:nvPr/>
+        </p:nvSpPr>
+        <p:spPr>
+          <a:xfrm flipH="1" flipV="1">
+            <a:off x="1981200" y="228600"/>
+            <a:ext cx="2667000" cy="1676400"/>
+          </a:xfrm>
+          <a:prstGeom prst="bentUpArrow">
+            <a:avLst>
+              <a:gd name="adj1" fmla="val 10132"/>
+              <a:gd name="adj2" fmla="val 11564"/>
+              <a:gd name="adj3" fmla="val 16880"/>
+            </a:avLst>
+          </a:prstGeom>
+          <a:solidFill>
+            <a:schemeClr val="accent2">
+              <a:lumMod val="40000"/>
+              <a:lumOff val="60000"/>
+              <a:alpha val="28000"/>
+            </a:schemeClr>
+          </a:solidFill>
+          <a:ln w="12700"/>
+        </p:spPr>
+        <p:style>
+          <a:lnRef idx="2">
+            <a:schemeClr val="accent1">
+              <a:shade val="50000"/>
+            </a:schemeClr>
+          </a:lnRef>
+          <a:fillRef idx="1">
+            <a:schemeClr val="accent1"/>
+          </a:fillRef>
+          <a:effectRef idx="0">
+            <a:schemeClr val="accent1"/>
+          </a:effectRef>
+          <a:fontRef idx="minor">
+            <a:schemeClr val="lt1"/>
+          </a:fontRef>
+        </p:style>
+        <p:txBody>
+          <a:bodyPr rtlCol="0" anchor="ctr"/>
+          <a:lstStyle/>
+          <a:p>
+            <a:pPr algn="ctr"/>
+            <a:endParaRPr lang="en-US"/>
+          </a:p>
+        </p:txBody>
+      </p:sp>
+    </p:spTree>
+  </p:cSld>
+  <p:clrMapOvr>
+    <a:masterClrMapping/>
+  </p:clrMapOvr>
+  <p:timing>
+    <p:tnLst>
+      <p:par>
+        <p:cTn id="1" dur="indefinite" restart="never" nodeType="tmRoot"/>
+      </p:par>
+    </p:tnLst>
+  </p:timing>
+</p:sld>
+</file>
+
+<file path=ppt/slides/slide6.xml><?xml version="1.0" encoding="utf-8"?>
+<p:sld xmlns:a="http://schemas.openxmlformats.org/drawingml/2006/main" xmlns:r="http://schemas.openxmlformats.org/officeDocument/2006/relationships" xmlns:p="http://schemas.openxmlformats.org/presentationml/2006/main">
+  <p:cSld>
+    <p:spTree>
+      <p:nvGrpSpPr>
+        <p:cNvPr id="1" name=""/>
+        <p:cNvGrpSpPr/>
+        <p:nvPr/>
+      </p:nvGrpSpPr>
+      <p:grpSpPr>
+        <a:xfrm>
+          <a:off x="0" y="0"/>
+          <a:ext cx="0" cy="0"/>
+          <a:chOff x="0" y="0"/>
+          <a:chExt cx="0" cy="0"/>
+        </a:xfrm>
+      </p:grpSpPr>
+      <p:sp>
+        <p:nvSpPr>
+          <p:cNvPr id="17" name="Rounded Rectangle 16"/>
+          <p:cNvSpPr/>
+          <p:nvPr/>
+        </p:nvSpPr>
+        <p:spPr>
+          <a:xfrm>
+            <a:off x="4114800" y="2895600"/>
+            <a:ext cx="4648200" cy="3657600"/>
           </a:xfrm>
           <a:prstGeom prst="roundRect">
             <a:avLst/>
@@ -6217,7 +6523,7 @@
                   </a:schemeClr>
                 </a:solidFill>
               </a:rPr>
-              <a:t>Resource Files</a:t>
+              <a:t>Graph Files</a:t>
             </a:r>
             <a:endParaRPr lang="en-US" dirty="0">
               <a:solidFill>
@@ -6231,14 +6537,14 @@
       </p:sp>
       <p:sp>
         <p:nvSpPr>
-          <p:cNvPr id="15" name="Rounded Rectangle 14"/>
+          <p:cNvPr id="16" name="Rounded Rectangle 15"/>
           <p:cNvSpPr/>
           <p:nvPr/>
         </p:nvSpPr>
         <p:spPr>
           <a:xfrm>
-            <a:off x="2438400" y="152400"/>
-            <a:ext cx="4114800" cy="2057400"/>
+            <a:off x="152400" y="2895600"/>
+            <a:ext cx="3352800" cy="3657600"/>
           </a:xfrm>
           <a:prstGeom prst="roundRect">
             <a:avLst/>
@@ -6301,6 +6607,66 @@
           </a:p>
           <a:p>
             <a:pPr algn="ctr"/>
+            <a:endParaRPr lang="en-US" dirty="0" smtClean="0">
+              <a:solidFill>
+                <a:schemeClr val="bg2">
+                  <a:lumMod val="10000"/>
+                </a:schemeClr>
+              </a:solidFill>
+            </a:endParaRPr>
+          </a:p>
+          <a:p>
+            <a:pPr algn="ctr"/>
+            <a:endParaRPr lang="en-US" dirty="0" smtClean="0">
+              <a:solidFill>
+                <a:schemeClr val="bg2">
+                  <a:lumMod val="10000"/>
+                </a:schemeClr>
+              </a:solidFill>
+            </a:endParaRPr>
+          </a:p>
+          <a:p>
+            <a:pPr algn="ctr"/>
+            <a:endParaRPr lang="en-US" dirty="0" smtClean="0">
+              <a:solidFill>
+                <a:schemeClr val="bg2">
+                  <a:lumMod val="10000"/>
+                </a:schemeClr>
+              </a:solidFill>
+            </a:endParaRPr>
+          </a:p>
+          <a:p>
+            <a:pPr algn="ctr"/>
+            <a:endParaRPr lang="en-US" dirty="0" smtClean="0">
+              <a:solidFill>
+                <a:schemeClr val="bg2">
+                  <a:lumMod val="10000"/>
+                </a:schemeClr>
+              </a:solidFill>
+            </a:endParaRPr>
+          </a:p>
+          <a:p>
+            <a:pPr algn="ctr"/>
+            <a:endParaRPr lang="en-US" dirty="0" smtClean="0">
+              <a:solidFill>
+                <a:schemeClr val="bg2">
+                  <a:lumMod val="10000"/>
+                </a:schemeClr>
+              </a:solidFill>
+            </a:endParaRPr>
+          </a:p>
+          <a:p>
+            <a:pPr algn="ctr"/>
+            <a:endParaRPr lang="en-US" dirty="0" smtClean="0">
+              <a:solidFill>
+                <a:schemeClr val="bg2">
+                  <a:lumMod val="10000"/>
+                </a:schemeClr>
+              </a:solidFill>
+            </a:endParaRPr>
+          </a:p>
+          <a:p>
+            <a:pPr algn="ctr"/>
             <a:r>
               <a:rPr lang="en-US" dirty="0" smtClean="0">
                 <a:solidFill>
@@ -6309,7 +6675,7 @@
                   </a:schemeClr>
                 </a:solidFill>
               </a:rPr>
-              <a:t>Dataset Files</a:t>
+              <a:t>Resource Files</a:t>
             </a:r>
             <a:endParaRPr lang="en-US" dirty="0">
               <a:solidFill>
@@ -6323,20 +6689,23 @@
       </p:sp>
       <p:sp>
         <p:nvSpPr>
-          <p:cNvPr id="2" name="Rectangle 1"/>
+          <p:cNvPr id="15" name="Rounded Rectangle 14"/>
           <p:cNvSpPr/>
           <p:nvPr/>
         </p:nvSpPr>
         <p:spPr>
           <a:xfrm>
-            <a:off x="3200400" y="304800"/>
-            <a:ext cx="2667000" cy="304800"/>
-          </a:xfrm>
-          <a:prstGeom prst="rect">
+            <a:off x="1905000" y="152400"/>
+            <a:ext cx="4114800" cy="1905000"/>
+          </a:xfrm>
+          <a:prstGeom prst="roundRect">
             <a:avLst/>
           </a:prstGeom>
           <a:solidFill>
-            <a:schemeClr val="bg2"/>
+            <a:schemeClr val="tx2">
+              <a:lumMod val="20000"/>
+              <a:lumOff val="80000"/>
+            </a:schemeClr>
           </a:solidFill>
         </p:spPr>
         <p:style>
@@ -6359,28 +6728,66 @@
           <a:bodyPr rtlCol="0" anchor="ctr"/>
           <a:lstStyle/>
           <a:p>
-            <a:r>
-              <a:rPr lang="en-US" sz="1100" dirty="0" smtClean="0">
-                <a:solidFill>
-                  <a:schemeClr val="tx1"/>
-                </a:solidFill>
-                <a:latin typeface="Courier New" pitchFamily="49" charset="0"/>
-                <a:cs typeface="Courier New" pitchFamily="49" charset="0"/>
-              </a:rPr>
-              <a:t>ToxoDB.xml</a:t>
-            </a:r>
-          </a:p>
-        </p:txBody>
-      </p:sp>
-      <p:sp>
-        <p:nvSpPr>
-          <p:cNvPr id="3" name="Rectangle 2"/>
+            <a:pPr algn="ctr"/>
+            <a:endParaRPr lang="en-US" dirty="0" smtClean="0"/>
+          </a:p>
+          <a:p>
+            <a:pPr algn="ctr"/>
+            <a:endParaRPr lang="en-US" dirty="0" smtClean="0"/>
+          </a:p>
+          <a:p>
+            <a:pPr algn="ctr"/>
+            <a:endParaRPr lang="en-US" dirty="0" smtClean="0"/>
+          </a:p>
+          <a:p>
+            <a:pPr algn="ctr"/>
+            <a:endParaRPr lang="en-US" dirty="0" smtClean="0"/>
+          </a:p>
+          <a:p>
+            <a:pPr algn="ctr"/>
+            <a:endParaRPr lang="en-US" dirty="0" smtClean="0"/>
+          </a:p>
+          <a:p>
+            <a:pPr algn="ctr"/>
+            <a:endParaRPr lang="en-US" dirty="0" smtClean="0">
+              <a:solidFill>
+                <a:schemeClr val="bg2">
+                  <a:lumMod val="10000"/>
+                </a:schemeClr>
+              </a:solidFill>
+            </a:endParaRPr>
+          </a:p>
+          <a:p>
+            <a:pPr algn="ctr"/>
+            <a:r>
+              <a:rPr lang="en-US" dirty="0" smtClean="0">
+                <a:solidFill>
+                  <a:schemeClr val="bg2">
+                    <a:lumMod val="10000"/>
+                  </a:schemeClr>
+                </a:solidFill>
+              </a:rPr>
+              <a:t>Dataset Files</a:t>
+            </a:r>
+            <a:endParaRPr lang="en-US" dirty="0">
+              <a:solidFill>
+                <a:schemeClr val="bg2">
+                  <a:lumMod val="10000"/>
+                </a:schemeClr>
+              </a:solidFill>
+            </a:endParaRPr>
+          </a:p>
+        </p:txBody>
+      </p:sp>
+      <p:sp>
+        <p:nvSpPr>
+          <p:cNvPr id="2" name="Rectangle 1"/>
           <p:cNvSpPr/>
           <p:nvPr/>
         </p:nvSpPr>
         <p:spPr>
           <a:xfrm>
-            <a:off x="3200400" y="838200"/>
+            <a:off x="2667000" y="304800"/>
             <a:ext cx="2667000" cy="304800"/>
           </a:xfrm>
           <a:prstGeom prst="rect">
@@ -6411,6 +6818,57 @@
           <a:lstStyle/>
           <a:p>
             <a:r>
+              <a:rPr lang="en-US" sz="1100" dirty="0" smtClean="0">
+                <a:solidFill>
+                  <a:schemeClr val="tx1"/>
+                </a:solidFill>
+                <a:latin typeface="Courier New" pitchFamily="49" charset="0"/>
+                <a:cs typeface="Courier New" pitchFamily="49" charset="0"/>
+              </a:rPr>
+              <a:t>ToxoDB.xml</a:t>
+            </a:r>
+          </a:p>
+        </p:txBody>
+      </p:sp>
+      <p:sp>
+        <p:nvSpPr>
+          <p:cNvPr id="3" name="Rectangle 2"/>
+          <p:cNvSpPr/>
+          <p:nvPr/>
+        </p:nvSpPr>
+        <p:spPr>
+          <a:xfrm>
+            <a:off x="2667000" y="838200"/>
+            <a:ext cx="2667000" cy="304800"/>
+          </a:xfrm>
+          <a:prstGeom prst="rect">
+            <a:avLst/>
+          </a:prstGeom>
+          <a:solidFill>
+            <a:schemeClr val="bg2"/>
+          </a:solidFill>
+        </p:spPr>
+        <p:style>
+          <a:lnRef idx="2">
+            <a:schemeClr val="accent1">
+              <a:shade val="50000"/>
+            </a:schemeClr>
+          </a:lnRef>
+          <a:fillRef idx="1">
+            <a:schemeClr val="accent1"/>
+          </a:fillRef>
+          <a:effectRef idx="0">
+            <a:schemeClr val="accent1"/>
+          </a:effectRef>
+          <a:fontRef idx="minor">
+            <a:schemeClr val="lt1"/>
+          </a:fontRef>
+        </p:style>
+        <p:txBody>
+          <a:bodyPr rtlCol="0" anchor="ctr"/>
+          <a:lstStyle/>
+          <a:p>
+            <a:r>
               <a:rPr lang="en-US" sz="1100" dirty="0" err="1" smtClean="0">
                 <a:solidFill>
                   <a:schemeClr val="tx1"/>
@@ -6441,7 +6899,7 @@
         </p:nvSpPr>
         <p:spPr>
           <a:xfrm>
-            <a:off x="3200400" y="1371600"/>
+            <a:off x="2667000" y="1371600"/>
             <a:ext cx="2667000" cy="304800"/>
           </a:xfrm>
           <a:prstGeom prst="rect">
@@ -7045,11 +7503,11 @@
         <p:spPr>
           <a:xfrm rot="10800000" flipV="1">
             <a:off x="457200" y="457200"/>
-            <a:ext cx="2743200" cy="2819400"/>
+            <a:ext cx="2209800" cy="2819400"/>
           </a:xfrm>
           <a:prstGeom prst="curvedConnector3">
             <a:avLst>
-              <a:gd name="adj1" fmla="val 108333"/>
+              <a:gd name="adj1" fmla="val 110345"/>
             </a:avLst>
           </a:prstGeom>
           <a:ln w="25400">
@@ -7083,11 +7541,11 @@
         <p:spPr>
           <a:xfrm rot="10800000" flipV="1">
             <a:off x="457200" y="990600"/>
-            <a:ext cx="2743200" cy="2819400"/>
+            <a:ext cx="2209800" cy="2819400"/>
           </a:xfrm>
           <a:prstGeom prst="curvedConnector3">
             <a:avLst>
-              <a:gd name="adj1" fmla="val 108333"/>
+              <a:gd name="adj1" fmla="val 110345"/>
             </a:avLst>
           </a:prstGeom>
           <a:ln w="25400">
@@ -7121,11 +7579,11 @@
         <p:spPr>
           <a:xfrm rot="10800000" flipV="1">
             <a:off x="457200" y="1524000"/>
-            <a:ext cx="2743200" cy="2819400"/>
+            <a:ext cx="2209800" cy="2819400"/>
           </a:xfrm>
           <a:prstGeom prst="curvedConnector3">
             <a:avLst>
-              <a:gd name="adj1" fmla="val 108333"/>
+              <a:gd name="adj1" fmla="val 110345"/>
             </a:avLst>
           </a:prstGeom>
           <a:ln w="25400">
@@ -7158,12 +7616,12 @@
         </p:nvCxnSpPr>
         <p:spPr>
           <a:xfrm>
-            <a:off x="5867400" y="457200"/>
-            <a:ext cx="2552700" cy="2819400"/>
+            <a:off x="5334000" y="457200"/>
+            <a:ext cx="3086100" cy="2819400"/>
           </a:xfrm>
           <a:prstGeom prst="curvedConnector3">
             <a:avLst>
-              <a:gd name="adj1" fmla="val 108955"/>
+              <a:gd name="adj1" fmla="val 107407"/>
             </a:avLst>
           </a:prstGeom>
           <a:ln w="25400">
@@ -7241,12 +7699,12 @@
         </p:nvCxnSpPr>
         <p:spPr>
           <a:xfrm>
-            <a:off x="5867400" y="990600"/>
-            <a:ext cx="2819400" cy="3619500"/>
+            <a:off x="5334000" y="990600"/>
+            <a:ext cx="3352800" cy="3619500"/>
           </a:xfrm>
           <a:prstGeom prst="curvedConnector3">
             <a:avLst>
-              <a:gd name="adj1" fmla="val 111622"/>
+              <a:gd name="adj1" fmla="val 107273"/>
             </a:avLst>
           </a:prstGeom>
           <a:ln w="25400">
@@ -7279,12 +7737,12 @@
         </p:nvCxnSpPr>
         <p:spPr>
           <a:xfrm>
-            <a:off x="5867400" y="1524000"/>
-            <a:ext cx="2552700" cy="4419600"/>
+            <a:off x="5334000" y="1524000"/>
+            <a:ext cx="3086100" cy="4419600"/>
           </a:xfrm>
           <a:prstGeom prst="curvedConnector3">
             <a:avLst>
-              <a:gd name="adj1" fmla="val 124819"/>
+              <a:gd name="adj1" fmla="val 120529"/>
             </a:avLst>
           </a:prstGeom>
           <a:ln w="25400">
@@ -7306,11 +7764,679 @@
           </a:fontRef>
         </p:style>
       </p:cxnSp>
+      <p:sp>
+        <p:nvSpPr>
+          <p:cNvPr id="24" name="Down Arrow 23"/>
+          <p:cNvSpPr/>
+          <p:nvPr/>
+        </p:nvSpPr>
+        <p:spPr>
+          <a:xfrm>
+            <a:off x="2819400" y="2209800"/>
+            <a:ext cx="2057400" cy="609600"/>
+          </a:xfrm>
+          <a:prstGeom prst="downArrow">
+            <a:avLst>
+              <a:gd name="adj1" fmla="val 81746"/>
+              <a:gd name="adj2" fmla="val 64694"/>
+            </a:avLst>
+          </a:prstGeom>
+          <a:solidFill>
+            <a:srgbClr val="FFC000"/>
+          </a:solidFill>
+        </p:spPr>
+        <p:style>
+          <a:lnRef idx="2">
+            <a:schemeClr val="accent1">
+              <a:shade val="50000"/>
+            </a:schemeClr>
+          </a:lnRef>
+          <a:fillRef idx="1">
+            <a:schemeClr val="accent1"/>
+          </a:fillRef>
+          <a:effectRef idx="0">
+            <a:schemeClr val="accent1"/>
+          </a:effectRef>
+          <a:fontRef idx="minor">
+            <a:schemeClr val="lt1"/>
+          </a:fontRef>
+        </p:style>
+        <p:txBody>
+          <a:bodyPr rtlCol="0" anchor="ctr"/>
+          <a:lstStyle/>
+          <a:p>
+            <a:pPr algn="ctr"/>
+            <a:r>
+              <a:rPr lang="en-US" dirty="0" smtClean="0">
+                <a:solidFill>
+                  <a:schemeClr val="tx1"/>
+                </a:solidFill>
+              </a:rPr>
+              <a:t>Generates</a:t>
+            </a:r>
+            <a:endParaRPr lang="en-US" dirty="0">
+              <a:solidFill>
+                <a:schemeClr val="tx1"/>
+              </a:solidFill>
+            </a:endParaRPr>
+          </a:p>
+        </p:txBody>
+      </p:sp>
     </p:spTree>
   </p:cSld>
   <p:clrMapOvr>
     <a:masterClrMapping/>
   </p:clrMapOvr>
+</p:sld>
+</file>
+
+<file path=ppt/slides/slide7.xml><?xml version="1.0" encoding="utf-8"?>
+<p:sld xmlns:a="http://schemas.openxmlformats.org/drawingml/2006/main" xmlns:r="http://schemas.openxmlformats.org/officeDocument/2006/relationships" xmlns:p="http://schemas.openxmlformats.org/presentationml/2006/main">
+  <p:cSld>
+    <p:spTree>
+      <p:nvGrpSpPr>
+        <p:cNvPr id="1" name=""/>
+        <p:cNvGrpSpPr/>
+        <p:nvPr/>
+      </p:nvGrpSpPr>
+      <p:grpSpPr>
+        <a:xfrm>
+          <a:off x="0" y="0"/>
+          <a:ext cx="0" cy="0"/>
+          <a:chOff x="0" y="0"/>
+          <a:chExt cx="0" cy="0"/>
+        </a:xfrm>
+      </p:grpSpPr>
+      <p:sp>
+        <p:nvSpPr>
+          <p:cNvPr id="4" name="Title 3"/>
+          <p:cNvSpPr>
+            <a:spLocks noGrp="1"/>
+          </p:cNvSpPr>
+          <p:nvPr>
+            <p:ph type="title"/>
+          </p:nvPr>
+        </p:nvSpPr>
+        <p:spPr>
+          <a:xfrm>
+            <a:off x="457200" y="274638"/>
+            <a:ext cx="8229600" cy="868362"/>
+          </a:xfrm>
+        </p:spPr>
+        <p:txBody>
+          <a:bodyPr/>
+          <a:lstStyle/>
+          <a:p>
+            <a:r>
+              <a:rPr lang="en-US" sz="3200" dirty="0" err="1" smtClean="0"/>
+              <a:t>DataSource</a:t>
+            </a:r>
+            <a:endParaRPr lang="en-US" sz="3200" dirty="0"/>
+          </a:p>
+        </p:txBody>
+      </p:sp>
+      <p:sp>
+        <p:nvSpPr>
+          <p:cNvPr id="5" name="Content Placeholder 4"/>
+          <p:cNvSpPr>
+            <a:spLocks noGrp="1"/>
+          </p:cNvSpPr>
+          <p:nvPr>
+            <p:ph idx="1"/>
+          </p:nvPr>
+        </p:nvSpPr>
+        <p:spPr>
+          <a:xfrm>
+            <a:off x="457200" y="1371600"/>
+            <a:ext cx="8229600" cy="4754563"/>
+          </a:xfrm>
+        </p:spPr>
+        <p:txBody>
+          <a:bodyPr>
+            <a:normAutofit fontScale="92500" lnSpcReduction="20000"/>
+          </a:bodyPr>
+          <a:lstStyle/>
+          <a:p>
+            <a:endParaRPr lang="en-US" sz="2000" dirty="0" smtClean="0"/>
+          </a:p>
+          <a:p>
+            <a:r>
+              <a:rPr lang="en-US" sz="2000" dirty="0" smtClean="0"/>
+              <a:t>We store simple meta information in the database about each dataset</a:t>
+            </a:r>
+          </a:p>
+          <a:p>
+            <a:pPr lvl="1"/>
+            <a:r>
+              <a:rPr lang="en-US" sz="1600" dirty="0" smtClean="0"/>
+              <a:t>Provider contact info</a:t>
+            </a:r>
+          </a:p>
+          <a:p>
+            <a:pPr lvl="1"/>
+            <a:r>
+              <a:rPr lang="en-US" sz="1600" dirty="0" smtClean="0"/>
+              <a:t>Descriptions</a:t>
+            </a:r>
+          </a:p>
+          <a:p>
+            <a:pPr lvl="1"/>
+            <a:r>
+              <a:rPr lang="en-US" sz="1600" dirty="0" smtClean="0"/>
+              <a:t>Display names</a:t>
+            </a:r>
+          </a:p>
+          <a:p>
+            <a:pPr lvl="1"/>
+            <a:r>
+              <a:rPr lang="en-US" sz="1600" dirty="0" smtClean="0"/>
+              <a:t>References to WDK searches , tables and attributes that use the data</a:t>
+            </a:r>
+          </a:p>
+          <a:p>
+            <a:r>
+              <a:rPr lang="en-US" sz="2000" dirty="0" smtClean="0"/>
+              <a:t>The information is stored in two tables:</a:t>
+            </a:r>
+          </a:p>
+          <a:p>
+            <a:pPr lvl="1"/>
+            <a:r>
+              <a:rPr lang="en-US" sz="1500" dirty="0" err="1" smtClean="0"/>
+              <a:t>DataSource</a:t>
+            </a:r>
+            <a:r>
+              <a:rPr lang="en-US" sz="1500" dirty="0" smtClean="0"/>
+              <a:t>   -- pulled right from the &lt;resource&gt;</a:t>
+            </a:r>
+          </a:p>
+          <a:p>
+            <a:pPr lvl="1"/>
+            <a:r>
+              <a:rPr lang="en-US" sz="1500" dirty="0" err="1" smtClean="0"/>
+              <a:t>DataSourceInfo</a:t>
+            </a:r>
+            <a:r>
+              <a:rPr lang="en-US" sz="1500" dirty="0" smtClean="0"/>
+              <a:t>  -- provided by a specific file after loading data is completed</a:t>
+            </a:r>
+          </a:p>
+          <a:p>
+            <a:r>
+              <a:rPr lang="en-US" sz="1600" dirty="0" smtClean="0"/>
+              <a:t>And it available in the WDK as a </a:t>
+            </a:r>
+            <a:r>
+              <a:rPr lang="en-US" sz="1600" dirty="0" err="1" smtClean="0"/>
+              <a:t>DataSource</a:t>
+            </a:r>
+            <a:r>
+              <a:rPr lang="en-US" sz="1600" dirty="0" smtClean="0"/>
+              <a:t> record</a:t>
+            </a:r>
+          </a:p>
+          <a:p>
+            <a:pPr lvl="1"/>
+            <a:r>
+              <a:rPr lang="en-US" sz="1200" dirty="0" smtClean="0"/>
+              <a:t>The search and record pages (</a:t>
+            </a:r>
+            <a:r>
+              <a:rPr lang="en-US" sz="1200" dirty="0" err="1" smtClean="0"/>
+              <a:t>eg</a:t>
+            </a:r>
+            <a:r>
+              <a:rPr lang="en-US" sz="1200" dirty="0" smtClean="0"/>
+              <a:t> </a:t>
+            </a:r>
+            <a:r>
+              <a:rPr lang="en-US" sz="1200" dirty="0" smtClean="0"/>
+              <a:t>Gene) can access this info for display purposes</a:t>
+            </a:r>
+          </a:p>
+          <a:p>
+            <a:pPr lvl="1"/>
+            <a:r>
+              <a:rPr lang="en-US" sz="1200" dirty="0" smtClean="0"/>
+              <a:t>Soon we will support searches for these, </a:t>
+            </a:r>
+            <a:r>
+              <a:rPr lang="en-US" sz="1200" dirty="0" err="1" smtClean="0"/>
+              <a:t>eg</a:t>
+            </a:r>
+            <a:r>
+              <a:rPr lang="en-US" sz="1200" dirty="0" smtClean="0"/>
+              <a:t>, find all searches that involve a certain dataset</a:t>
+            </a:r>
+          </a:p>
+          <a:p>
+            <a:r>
+              <a:rPr lang="en-US" sz="2000" dirty="0" smtClean="0"/>
+              <a:t>It makes no sense to have two names:</a:t>
+            </a:r>
+          </a:p>
+          <a:p>
+            <a:pPr lvl="1"/>
+            <a:r>
+              <a:rPr lang="en-US" sz="1600" dirty="0" smtClean="0"/>
+              <a:t>&lt;resource&gt;</a:t>
+            </a:r>
+          </a:p>
+          <a:p>
+            <a:pPr lvl="1"/>
+            <a:r>
+              <a:rPr lang="en-US" sz="1600" dirty="0" err="1" smtClean="0"/>
+              <a:t>DataSource</a:t>
+            </a:r>
+            <a:r>
+              <a:rPr lang="en-US" sz="1600" dirty="0" smtClean="0"/>
+              <a:t> table and </a:t>
+            </a:r>
+            <a:r>
+              <a:rPr lang="en-US" sz="1600" dirty="0" err="1" smtClean="0"/>
+              <a:t>perl</a:t>
+            </a:r>
+            <a:r>
+              <a:rPr lang="en-US" sz="1600" dirty="0" smtClean="0"/>
+              <a:t> objects</a:t>
+            </a:r>
+          </a:p>
+          <a:p>
+            <a:r>
+              <a:rPr lang="en-US" sz="2000" dirty="0" smtClean="0"/>
+              <a:t>So, either:</a:t>
+            </a:r>
+          </a:p>
+          <a:p>
+            <a:pPr lvl="1"/>
+            <a:r>
+              <a:rPr lang="en-US" sz="1600" dirty="0" smtClean="0"/>
+              <a:t>Rename &lt;resource&gt; to &lt;</a:t>
+            </a:r>
+            <a:r>
+              <a:rPr lang="en-US" sz="1600" dirty="0" err="1" smtClean="0"/>
+              <a:t>datasource</a:t>
+            </a:r>
+            <a:r>
+              <a:rPr lang="en-US" sz="1600" dirty="0" smtClean="0"/>
+              <a:t>&gt; </a:t>
+            </a:r>
+          </a:p>
+          <a:p>
+            <a:pPr lvl="2"/>
+            <a:r>
+              <a:rPr lang="en-US" sz="1200" dirty="0" smtClean="0"/>
+              <a:t>This is a pain to transition to in our code,</a:t>
+            </a:r>
+          </a:p>
+          <a:p>
+            <a:pPr lvl="1"/>
+            <a:r>
+              <a:rPr lang="en-US" sz="1600" dirty="0" smtClean="0"/>
+              <a:t>Or, rename </a:t>
+            </a:r>
+            <a:r>
+              <a:rPr lang="en-US" sz="1600" dirty="0" err="1" smtClean="0"/>
+              <a:t>DataSource</a:t>
+            </a:r>
+            <a:r>
+              <a:rPr lang="en-US" sz="1600" dirty="0" smtClean="0"/>
+              <a:t> to </a:t>
+            </a:r>
+            <a:r>
+              <a:rPr lang="en-US" sz="1600" dirty="0" err="1" smtClean="0"/>
+              <a:t>DataResource</a:t>
+            </a:r>
+            <a:r>
+              <a:rPr lang="en-US" sz="1600" dirty="0" smtClean="0"/>
+              <a:t> and keep &lt;resource&gt; as is</a:t>
+            </a:r>
+          </a:p>
+          <a:p>
+            <a:endParaRPr lang="en-US" sz="2000" i="1" dirty="0"/>
+          </a:p>
+        </p:txBody>
+      </p:sp>
+    </p:spTree>
+  </p:cSld>
+  <p:clrMapOvr>
+    <a:masterClrMapping/>
+  </p:clrMapOvr>
+  <p:timing>
+    <p:tnLst>
+      <p:par>
+        <p:cTn id="1" dur="indefinite" restart="never" nodeType="tmRoot"/>
+      </p:par>
+    </p:tnLst>
+  </p:timing>
+</p:sld>
+</file>
+
+<file path=ppt/slides/slide8.xml><?xml version="1.0" encoding="utf-8"?>
+<p:sld xmlns:a="http://schemas.openxmlformats.org/drawingml/2006/main" xmlns:r="http://schemas.openxmlformats.org/officeDocument/2006/relationships" xmlns:p="http://schemas.openxmlformats.org/presentationml/2006/main">
+  <p:cSld>
+    <p:spTree>
+      <p:nvGrpSpPr>
+        <p:cNvPr id="1" name=""/>
+        <p:cNvGrpSpPr/>
+        <p:nvPr/>
+      </p:nvGrpSpPr>
+      <p:grpSpPr>
+        <a:xfrm>
+          <a:off x="0" y="0"/>
+          <a:ext cx="0" cy="0"/>
+          <a:chOff x="0" y="0"/>
+          <a:chExt cx="0" cy="0"/>
+        </a:xfrm>
+      </p:grpSpPr>
+      <p:sp>
+        <p:nvSpPr>
+          <p:cNvPr id="4" name="Title 3"/>
+          <p:cNvSpPr>
+            <a:spLocks noGrp="1"/>
+          </p:cNvSpPr>
+          <p:nvPr>
+            <p:ph type="title"/>
+          </p:nvPr>
+        </p:nvSpPr>
+        <p:spPr>
+          <a:xfrm>
+            <a:off x="457200" y="274638"/>
+            <a:ext cx="8229600" cy="868362"/>
+          </a:xfrm>
+        </p:spPr>
+        <p:txBody>
+          <a:bodyPr/>
+          <a:lstStyle/>
+          <a:p>
+            <a:r>
+              <a:rPr lang="en-US" sz="3200" dirty="0" err="1" smtClean="0"/>
+              <a:t>DataResource</a:t>
+            </a:r>
+            <a:r>
+              <a:rPr lang="en-US" sz="3200" dirty="0" smtClean="0"/>
+              <a:t>?</a:t>
+            </a:r>
+            <a:endParaRPr lang="en-US" sz="3200" dirty="0"/>
+          </a:p>
+        </p:txBody>
+      </p:sp>
+      <p:sp>
+        <p:nvSpPr>
+          <p:cNvPr id="5" name="Content Placeholder 4"/>
+          <p:cNvSpPr>
+            <a:spLocks noGrp="1"/>
+          </p:cNvSpPr>
+          <p:nvPr>
+            <p:ph idx="1"/>
+          </p:nvPr>
+        </p:nvSpPr>
+        <p:spPr>
+          <a:xfrm>
+            <a:off x="457200" y="1371600"/>
+            <a:ext cx="8229600" cy="4754563"/>
+          </a:xfrm>
+        </p:spPr>
+        <p:txBody>
+          <a:bodyPr>
+            <a:normAutofit/>
+          </a:bodyPr>
+          <a:lstStyle/>
+          <a:p>
+            <a:endParaRPr lang="en-US" sz="2000" dirty="0" smtClean="0"/>
+          </a:p>
+          <a:p>
+            <a:r>
+              <a:rPr lang="en-US" sz="2000" dirty="0" smtClean="0"/>
+              <a:t>It makes no sense to have two names:</a:t>
+            </a:r>
+          </a:p>
+          <a:p>
+            <a:pPr lvl="1"/>
+            <a:r>
+              <a:rPr lang="en-US" sz="1600" dirty="0" smtClean="0"/>
+              <a:t>&lt;resource&gt;</a:t>
+            </a:r>
+          </a:p>
+          <a:p>
+            <a:pPr lvl="1"/>
+            <a:r>
+              <a:rPr lang="en-US" sz="1600" dirty="0" err="1" smtClean="0"/>
+              <a:t>DataSource</a:t>
+            </a:r>
+            <a:r>
+              <a:rPr lang="en-US" sz="1600" dirty="0" smtClean="0"/>
+              <a:t> table, </a:t>
+            </a:r>
+            <a:r>
+              <a:rPr lang="en-US" sz="1600" dirty="0" err="1" smtClean="0"/>
+              <a:t>perl</a:t>
+            </a:r>
+            <a:r>
+              <a:rPr lang="en-US" sz="1600" dirty="0" smtClean="0"/>
+              <a:t> objects, and WDK record</a:t>
+            </a:r>
+          </a:p>
+          <a:p>
+            <a:r>
+              <a:rPr lang="en-US" sz="2000" dirty="0" smtClean="0"/>
+              <a:t>So, either:</a:t>
+            </a:r>
+          </a:p>
+          <a:p>
+            <a:pPr lvl="1"/>
+            <a:r>
+              <a:rPr lang="en-US" sz="1600" dirty="0" smtClean="0"/>
+              <a:t>Rename &lt;resource&gt; to &lt;</a:t>
+            </a:r>
+            <a:r>
+              <a:rPr lang="en-US" sz="1600" dirty="0" err="1" smtClean="0"/>
+              <a:t>datasource</a:t>
+            </a:r>
+            <a:r>
+              <a:rPr lang="en-US" sz="1600" dirty="0" smtClean="0"/>
+              <a:t>&gt; </a:t>
+            </a:r>
+          </a:p>
+          <a:p>
+            <a:pPr lvl="2"/>
+            <a:r>
+              <a:rPr lang="en-US" sz="1200" dirty="0" smtClean="0"/>
+              <a:t>This is a pain to transition to in our code,</a:t>
+            </a:r>
+          </a:p>
+          <a:p>
+            <a:pPr lvl="1"/>
+            <a:r>
+              <a:rPr lang="en-US" sz="1600" dirty="0" smtClean="0"/>
+              <a:t>Or, rename </a:t>
+            </a:r>
+            <a:r>
+              <a:rPr lang="en-US" sz="1600" dirty="0" err="1" smtClean="0"/>
+              <a:t>DataSource</a:t>
+            </a:r>
+            <a:r>
+              <a:rPr lang="en-US" sz="1600" dirty="0" smtClean="0"/>
+              <a:t> to </a:t>
+            </a:r>
+            <a:r>
+              <a:rPr lang="en-US" sz="1600" dirty="0" err="1" smtClean="0"/>
+              <a:t>DataResource</a:t>
+            </a:r>
+            <a:r>
+              <a:rPr lang="en-US" sz="1600" dirty="0" smtClean="0"/>
+              <a:t> and keep &lt;resource&gt; as is</a:t>
+            </a:r>
+          </a:p>
+          <a:p>
+            <a:endParaRPr lang="en-US" sz="2000" i="1" dirty="0"/>
+          </a:p>
+        </p:txBody>
+      </p:sp>
+    </p:spTree>
+  </p:cSld>
+  <p:clrMapOvr>
+    <a:masterClrMapping/>
+  </p:clrMapOvr>
+  <p:timing>
+    <p:tnLst>
+      <p:par>
+        <p:cTn id="1" dur="indefinite" restart="never" nodeType="tmRoot"/>
+      </p:par>
+    </p:tnLst>
+  </p:timing>
+</p:sld>
+</file>
+
+<file path=ppt/slides/slide9.xml><?xml version="1.0" encoding="utf-8"?>
+<p:sld xmlns:a="http://schemas.openxmlformats.org/drawingml/2006/main" xmlns:r="http://schemas.openxmlformats.org/officeDocument/2006/relationships" xmlns:p="http://schemas.openxmlformats.org/presentationml/2006/main">
+  <p:cSld>
+    <p:spTree>
+      <p:nvGrpSpPr>
+        <p:cNvPr id="1" name=""/>
+        <p:cNvGrpSpPr/>
+        <p:nvPr/>
+      </p:nvGrpSpPr>
+      <p:grpSpPr>
+        <a:xfrm>
+          <a:off x="0" y="0"/>
+          <a:ext cx="0" cy="0"/>
+          <a:chOff x="0" y="0"/>
+          <a:chExt cx="0" cy="0"/>
+        </a:xfrm>
+      </p:grpSpPr>
+      <p:sp>
+        <p:nvSpPr>
+          <p:cNvPr id="4" name="Title 3"/>
+          <p:cNvSpPr>
+            <a:spLocks noGrp="1"/>
+          </p:cNvSpPr>
+          <p:nvPr>
+            <p:ph type="title"/>
+          </p:nvPr>
+        </p:nvSpPr>
+        <p:spPr>
+          <a:xfrm>
+            <a:off x="457200" y="274638"/>
+            <a:ext cx="8229600" cy="868362"/>
+          </a:xfrm>
+        </p:spPr>
+        <p:txBody>
+          <a:bodyPr/>
+          <a:lstStyle/>
+          <a:p>
+            <a:r>
+              <a:rPr lang="en-US" sz="3200" dirty="0" err="1" smtClean="0"/>
+              <a:t>DataResourceInfo</a:t>
+            </a:r>
+            <a:endParaRPr lang="en-US" sz="3200" dirty="0"/>
+          </a:p>
+        </p:txBody>
+      </p:sp>
+      <p:sp>
+        <p:nvSpPr>
+          <p:cNvPr id="5" name="Content Placeholder 4"/>
+          <p:cNvSpPr>
+            <a:spLocks noGrp="1"/>
+          </p:cNvSpPr>
+          <p:nvPr>
+            <p:ph idx="1"/>
+          </p:nvPr>
+        </p:nvSpPr>
+        <p:spPr>
+          <a:xfrm>
+            <a:off x="457200" y="1371600"/>
+            <a:ext cx="8229600" cy="4754563"/>
+          </a:xfrm>
+        </p:spPr>
+        <p:txBody>
+          <a:bodyPr>
+            <a:normAutofit/>
+          </a:bodyPr>
+          <a:lstStyle/>
+          <a:p>
+            <a:endParaRPr lang="en-US" sz="2000" dirty="0" smtClean="0"/>
+          </a:p>
+          <a:p>
+            <a:r>
+              <a:rPr lang="en-US" sz="1600" dirty="0" err="1" smtClean="0"/>
+              <a:t>DatasetClasses</a:t>
+            </a:r>
+            <a:r>
+              <a:rPr lang="en-US" sz="1600" dirty="0" smtClean="0"/>
+              <a:t> do not include meta info about the dataset:</a:t>
+            </a:r>
+          </a:p>
+          <a:p>
+            <a:pPr lvl="1"/>
+            <a:r>
+              <a:rPr lang="en-US" sz="1200" dirty="0" smtClean="0"/>
+              <a:t>Contact info</a:t>
+            </a:r>
+          </a:p>
+          <a:p>
+            <a:pPr lvl="1"/>
+            <a:r>
+              <a:rPr lang="en-US" sz="1200" dirty="0" smtClean="0"/>
+              <a:t>Description</a:t>
+            </a:r>
+          </a:p>
+          <a:p>
+            <a:pPr lvl="1"/>
+            <a:r>
+              <a:rPr lang="en-US" sz="1200" dirty="0" smtClean="0"/>
+              <a:t>Mapping to </a:t>
+            </a:r>
+            <a:r>
+              <a:rPr lang="en-US" sz="1200" dirty="0" err="1" smtClean="0"/>
+              <a:t>wdk</a:t>
+            </a:r>
+            <a:r>
+              <a:rPr lang="en-US" sz="1200" dirty="0" smtClean="0"/>
+              <a:t> searches and records</a:t>
+            </a:r>
+          </a:p>
+          <a:p>
+            <a:r>
+              <a:rPr lang="en-US" sz="1600" dirty="0" err="1" smtClean="0"/>
+              <a:t>DatasetClasses</a:t>
+            </a:r>
+            <a:r>
+              <a:rPr lang="en-US" sz="1600" dirty="0" smtClean="0"/>
+              <a:t> describe how to load the data</a:t>
+            </a:r>
+          </a:p>
+          <a:p>
+            <a:endParaRPr lang="en-US" sz="1600" dirty="0" smtClean="0"/>
+          </a:p>
+          <a:p>
+            <a:r>
+              <a:rPr lang="en-US" sz="1600" dirty="0" smtClean="0"/>
+              <a:t>But, we can have </a:t>
+            </a:r>
+            <a:r>
+              <a:rPr lang="en-US" sz="1600" dirty="0" err="1" smtClean="0"/>
+              <a:t>DatasetClass</a:t>
+            </a:r>
+            <a:endParaRPr lang="en-US" sz="1600" dirty="0" smtClean="0"/>
+          </a:p>
+          <a:p>
+            <a:endParaRPr lang="en-US" sz="2000" i="1" dirty="0"/>
+          </a:p>
+        </p:txBody>
+      </p:sp>
+    </p:spTree>
+  </p:cSld>
+  <p:clrMapOvr>
+    <a:masterClrMapping/>
+  </p:clrMapOvr>
+  <p:timing>
+    <p:tnLst>
+      <p:par>
+        <p:cTn id="1" dur="indefinite" restart="never" nodeType="tmRoot"/>
+      </p:par>
+    </p:tnLst>
+  </p:timing>
 </p:sld>
 </file>
 
